--- a/124/NETMOD/draft-netana-nmop-yang-anydata-validation.pptx
+++ b/124/NETMOD/draft-netana-nmop-yang-anydata-validation.pptx
@@ -126,2897 +126,6 @@
 </p:presentation>
 </file>
 
-<file path=ppt/changesInfos/changesInfo1.xml><?xml version="1.0" encoding="utf-8"?>
-<pc:chgInfo xmlns:a="http://schemas.openxmlformats.org/drawingml/2006/main" xmlns:r="http://schemas.openxmlformats.org/officeDocument/2006/relationships" xmlns:ac="http://schemas.microsoft.com/office/drawing/2013/main/command" xmlns:pc="http://schemas.microsoft.com/office/powerpoint/2013/main/command">
-  <pc:docChgLst>
-    <pc:chgData name="Graf Thomas, INI-NET-VNC-HCS" userId="487bc3e3-9ce7-4cdd-b7b4-8899ea88d289" providerId="ADAL" clId="{FF1E8771-B1E8-4CEC-B725-4345F27D3194}"/>
-    <pc:docChg chg="undo redo custSel addSld delSld modSld sldOrd">
-      <pc:chgData name="Graf Thomas, INI-NET-VNC-HCS" userId="487bc3e3-9ce7-4cdd-b7b4-8899ea88d289" providerId="ADAL" clId="{FF1E8771-B1E8-4CEC-B725-4345F27D3194}" dt="2023-11-07T12:40:28.631" v="4365" actId="20577"/>
-      <pc:docMkLst>
-        <pc:docMk/>
-      </pc:docMkLst>
-      <pc:sldChg chg="modSp add mod">
-        <pc:chgData name="Graf Thomas, INI-NET-VNC-HCS" userId="487bc3e3-9ce7-4cdd-b7b4-8899ea88d289" providerId="ADAL" clId="{FF1E8771-B1E8-4CEC-B725-4345F27D3194}" dt="2023-10-29T07:51:39.100" v="2599"/>
-        <pc:sldMkLst>
-          <pc:docMk/>
-          <pc:sldMk cId="3578665336" sldId="1041"/>
-        </pc:sldMkLst>
-        <pc:spChg chg="mod">
-          <ac:chgData name="Graf Thomas, INI-NET-VNC-HCS" userId="487bc3e3-9ce7-4cdd-b7b4-8899ea88d289" providerId="ADAL" clId="{FF1E8771-B1E8-4CEC-B725-4345F27D3194}" dt="2023-10-29T07:51:39.100" v="2599"/>
-          <ac:spMkLst>
-            <pc:docMk/>
-            <pc:sldMk cId="3578665336" sldId="1041"/>
-            <ac:spMk id="5" creationId="{C26208B2-0D10-4C23-B2DE-372A62E98644}"/>
-          </ac:spMkLst>
-        </pc:spChg>
-        <pc:spChg chg="mod">
-          <ac:chgData name="Graf Thomas, INI-NET-VNC-HCS" userId="487bc3e3-9ce7-4cdd-b7b4-8899ea88d289" providerId="ADAL" clId="{FF1E8771-B1E8-4CEC-B725-4345F27D3194}" dt="2023-10-29T07:51:14.112" v="2596" actId="20577"/>
-          <ac:spMkLst>
-            <pc:docMk/>
-            <pc:sldMk cId="3578665336" sldId="1041"/>
-            <ac:spMk id="6" creationId="{6CAA0765-1318-4A03-8F91-D3ECC43D8FA7}"/>
-          </ac:spMkLst>
-        </pc:spChg>
-      </pc:sldChg>
-      <pc:sldChg chg="del">
-        <pc:chgData name="Graf Thomas, INI-NET-VNC-HCS" userId="487bc3e3-9ce7-4cdd-b7b4-8899ea88d289" providerId="ADAL" clId="{FF1E8771-B1E8-4CEC-B725-4345F27D3194}" dt="2023-10-28T09:18:27.609" v="1522" actId="47"/>
-        <pc:sldMkLst>
-          <pc:docMk/>
-          <pc:sldMk cId="958437681" sldId="26413"/>
-        </pc:sldMkLst>
-      </pc:sldChg>
-      <pc:sldChg chg="del">
-        <pc:chgData name="Graf Thomas, INI-NET-VNC-HCS" userId="487bc3e3-9ce7-4cdd-b7b4-8899ea88d289" providerId="ADAL" clId="{FF1E8771-B1E8-4CEC-B725-4345F27D3194}" dt="2023-10-28T09:18:13.119" v="1521" actId="47"/>
-        <pc:sldMkLst>
-          <pc:docMk/>
-          <pc:sldMk cId="731853391" sldId="26414"/>
-        </pc:sldMkLst>
-      </pc:sldChg>
-      <pc:sldChg chg="modSp mod ord">
-        <pc:chgData name="Graf Thomas, INI-NET-VNC-HCS" userId="487bc3e3-9ce7-4cdd-b7b4-8899ea88d289" providerId="ADAL" clId="{FF1E8771-B1E8-4CEC-B725-4345F27D3194}" dt="2023-11-07T12:40:28.631" v="4365" actId="20577"/>
-        <pc:sldMkLst>
-          <pc:docMk/>
-          <pc:sldMk cId="2578889968" sldId="26415"/>
-        </pc:sldMkLst>
-        <pc:spChg chg="mod">
-          <ac:chgData name="Graf Thomas, INI-NET-VNC-HCS" userId="487bc3e3-9ce7-4cdd-b7b4-8899ea88d289" providerId="ADAL" clId="{FF1E8771-B1E8-4CEC-B725-4345F27D3194}" dt="2023-10-29T08:40:06.208" v="3878" actId="20577"/>
-          <ac:spMkLst>
-            <pc:docMk/>
-            <pc:sldMk cId="2578889968" sldId="26415"/>
-            <ac:spMk id="2" creationId="{FF20F271-6F0D-4AC0-BB1D-F5C338165C13}"/>
-          </ac:spMkLst>
-        </pc:spChg>
-        <pc:spChg chg="mod">
-          <ac:chgData name="Graf Thomas, INI-NET-VNC-HCS" userId="487bc3e3-9ce7-4cdd-b7b4-8899ea88d289" providerId="ADAL" clId="{FF1E8771-B1E8-4CEC-B725-4345F27D3194}" dt="2023-11-07T12:40:28.631" v="4365" actId="20577"/>
-          <ac:spMkLst>
-            <pc:docMk/>
-            <pc:sldMk cId="2578889968" sldId="26415"/>
-            <ac:spMk id="3" creationId="{29C0DFD4-432D-4B0C-93DF-790441DCF5B9}"/>
-          </ac:spMkLst>
-        </pc:spChg>
-        <pc:spChg chg="mod">
-          <ac:chgData name="Graf Thomas, INI-NET-VNC-HCS" userId="487bc3e3-9ce7-4cdd-b7b4-8899ea88d289" providerId="ADAL" clId="{FF1E8771-B1E8-4CEC-B725-4345F27D3194}" dt="2023-10-29T08:54:59.184" v="4181" actId="20577"/>
-          <ac:spMkLst>
-            <pc:docMk/>
-            <pc:sldMk cId="2578889968" sldId="26415"/>
-            <ac:spMk id="7" creationId="{BF6DCC5D-2508-4A9B-B734-C8C5147F93FB}"/>
-          </ac:spMkLst>
-        </pc:spChg>
-        <pc:picChg chg="mod">
-          <ac:chgData name="Graf Thomas, INI-NET-VNC-HCS" userId="487bc3e3-9ce7-4cdd-b7b4-8899ea88d289" providerId="ADAL" clId="{FF1E8771-B1E8-4CEC-B725-4345F27D3194}" dt="2023-10-29T08:40:13.984" v="3880" actId="1076"/>
-          <ac:picMkLst>
-            <pc:docMk/>
-            <pc:sldMk cId="2578889968" sldId="26415"/>
-            <ac:picMk id="6" creationId="{D4F5E154-1C25-441B-90CF-A1443F6D1EF8}"/>
-          </ac:picMkLst>
-        </pc:picChg>
-      </pc:sldChg>
-      <pc:sldChg chg="del">
-        <pc:chgData name="Graf Thomas, INI-NET-VNC-HCS" userId="487bc3e3-9ce7-4cdd-b7b4-8899ea88d289" providerId="ADAL" clId="{FF1E8771-B1E8-4CEC-B725-4345F27D3194}" dt="2023-10-28T09:18:13.119" v="1521" actId="47"/>
-        <pc:sldMkLst>
-          <pc:docMk/>
-          <pc:sldMk cId="491102176" sldId="26417"/>
-        </pc:sldMkLst>
-      </pc:sldChg>
-      <pc:sldChg chg="del">
-        <pc:chgData name="Graf Thomas, INI-NET-VNC-HCS" userId="487bc3e3-9ce7-4cdd-b7b4-8899ea88d289" providerId="ADAL" clId="{FF1E8771-B1E8-4CEC-B725-4345F27D3194}" dt="2023-10-28T09:18:27.609" v="1522" actId="47"/>
-        <pc:sldMkLst>
-          <pc:docMk/>
-          <pc:sldMk cId="3264932988" sldId="26418"/>
-        </pc:sldMkLst>
-      </pc:sldChg>
-      <pc:sldChg chg="del">
-        <pc:chgData name="Graf Thomas, INI-NET-VNC-HCS" userId="487bc3e3-9ce7-4cdd-b7b4-8899ea88d289" providerId="ADAL" clId="{FF1E8771-B1E8-4CEC-B725-4345F27D3194}" dt="2023-10-28T09:18:13.119" v="1521" actId="47"/>
-        <pc:sldMkLst>
-          <pc:docMk/>
-          <pc:sldMk cId="1845302357" sldId="26419"/>
-        </pc:sldMkLst>
-      </pc:sldChg>
-      <pc:sldChg chg="del">
-        <pc:chgData name="Graf Thomas, INI-NET-VNC-HCS" userId="487bc3e3-9ce7-4cdd-b7b4-8899ea88d289" providerId="ADAL" clId="{FF1E8771-B1E8-4CEC-B725-4345F27D3194}" dt="2023-10-28T09:18:13.119" v="1521" actId="47"/>
-        <pc:sldMkLst>
-          <pc:docMk/>
-          <pc:sldMk cId="1791309709" sldId="26420"/>
-        </pc:sldMkLst>
-      </pc:sldChg>
-      <pc:sldChg chg="del">
-        <pc:chgData name="Graf Thomas, INI-NET-VNC-HCS" userId="487bc3e3-9ce7-4cdd-b7b4-8899ea88d289" providerId="ADAL" clId="{FF1E8771-B1E8-4CEC-B725-4345F27D3194}" dt="2023-10-28T09:18:13.119" v="1521" actId="47"/>
-        <pc:sldMkLst>
-          <pc:docMk/>
-          <pc:sldMk cId="1585153174" sldId="26421"/>
-        </pc:sldMkLst>
-      </pc:sldChg>
-      <pc:sldChg chg="del">
-        <pc:chgData name="Graf Thomas, INI-NET-VNC-HCS" userId="487bc3e3-9ce7-4cdd-b7b4-8899ea88d289" providerId="ADAL" clId="{FF1E8771-B1E8-4CEC-B725-4345F27D3194}" dt="2023-10-28T09:18:13.119" v="1521" actId="47"/>
-        <pc:sldMkLst>
-          <pc:docMk/>
-          <pc:sldMk cId="1088069469" sldId="26422"/>
-        </pc:sldMkLst>
-      </pc:sldChg>
-      <pc:sldChg chg="del">
-        <pc:chgData name="Graf Thomas, INI-NET-VNC-HCS" userId="487bc3e3-9ce7-4cdd-b7b4-8899ea88d289" providerId="ADAL" clId="{FF1E8771-B1E8-4CEC-B725-4345F27D3194}" dt="2023-10-28T09:18:13.119" v="1521" actId="47"/>
-        <pc:sldMkLst>
-          <pc:docMk/>
-          <pc:sldMk cId="1407006386" sldId="26423"/>
-        </pc:sldMkLst>
-      </pc:sldChg>
-      <pc:sldChg chg="addSp delSp modSp mod">
-        <pc:chgData name="Graf Thomas, INI-NET-VNC-HCS" userId="487bc3e3-9ce7-4cdd-b7b4-8899ea88d289" providerId="ADAL" clId="{FF1E8771-B1E8-4CEC-B725-4345F27D3194}" dt="2023-10-29T08:55:21.493" v="4206" actId="20577"/>
-        <pc:sldMkLst>
-          <pc:docMk/>
-          <pc:sldMk cId="320697580" sldId="26425"/>
-        </pc:sldMkLst>
-        <pc:spChg chg="del mod">
-          <ac:chgData name="Graf Thomas, INI-NET-VNC-HCS" userId="487bc3e3-9ce7-4cdd-b7b4-8899ea88d289" providerId="ADAL" clId="{FF1E8771-B1E8-4CEC-B725-4345F27D3194}" dt="2023-10-29T08:45:49.401" v="4026" actId="478"/>
-          <ac:spMkLst>
-            <pc:docMk/>
-            <pc:sldMk cId="320697580" sldId="26425"/>
-            <ac:spMk id="2" creationId="{FF20F271-6F0D-4AC0-BB1D-F5C338165C13}"/>
-          </ac:spMkLst>
-        </pc:spChg>
-        <pc:spChg chg="mod">
-          <ac:chgData name="Graf Thomas, INI-NET-VNC-HCS" userId="487bc3e3-9ce7-4cdd-b7b4-8899ea88d289" providerId="ADAL" clId="{FF1E8771-B1E8-4CEC-B725-4345F27D3194}" dt="2023-10-29T08:49:12.517" v="4109" actId="20577"/>
-          <ac:spMkLst>
-            <pc:docMk/>
-            <pc:sldMk cId="320697580" sldId="26425"/>
-            <ac:spMk id="3" creationId="{29C0DFD4-432D-4B0C-93DF-790441DCF5B9}"/>
-          </ac:spMkLst>
-        </pc:spChg>
-        <pc:spChg chg="add del mod">
-          <ac:chgData name="Graf Thomas, INI-NET-VNC-HCS" userId="487bc3e3-9ce7-4cdd-b7b4-8899ea88d289" providerId="ADAL" clId="{FF1E8771-B1E8-4CEC-B725-4345F27D3194}" dt="2023-10-29T08:45:52.946" v="4027" actId="478"/>
-          <ac:spMkLst>
-            <pc:docMk/>
-            <pc:sldMk cId="320697580" sldId="26425"/>
-            <ac:spMk id="5" creationId="{12A9AC5C-B00D-CFD0-CBCF-2955AEF6878A}"/>
-          </ac:spMkLst>
-        </pc:spChg>
-        <pc:spChg chg="add mod">
-          <ac:chgData name="Graf Thomas, INI-NET-VNC-HCS" userId="487bc3e3-9ce7-4cdd-b7b4-8899ea88d289" providerId="ADAL" clId="{FF1E8771-B1E8-4CEC-B725-4345F27D3194}" dt="2023-10-29T08:55:21.493" v="4206" actId="20577"/>
-          <ac:spMkLst>
-            <pc:docMk/>
-            <pc:sldMk cId="320697580" sldId="26425"/>
-            <ac:spMk id="6" creationId="{ABB61075-2877-B162-7D8F-97EC17B8DF39}"/>
-          </ac:spMkLst>
-        </pc:spChg>
-        <pc:spChg chg="add mod">
-          <ac:chgData name="Graf Thomas, INI-NET-VNC-HCS" userId="487bc3e3-9ce7-4cdd-b7b4-8899ea88d289" providerId="ADAL" clId="{FF1E8771-B1E8-4CEC-B725-4345F27D3194}" dt="2023-10-29T08:49:45.941" v="4112" actId="692"/>
-          <ac:spMkLst>
-            <pc:docMk/>
-            <pc:sldMk cId="320697580" sldId="26425"/>
-            <ac:spMk id="7" creationId="{E751AA3A-A181-4E76-CC75-041686EB2C20}"/>
-          </ac:spMkLst>
-        </pc:spChg>
-        <pc:spChg chg="add mod">
-          <ac:chgData name="Graf Thomas, INI-NET-VNC-HCS" userId="487bc3e3-9ce7-4cdd-b7b4-8899ea88d289" providerId="ADAL" clId="{FF1E8771-B1E8-4CEC-B725-4345F27D3194}" dt="2023-10-29T08:49:56.491" v="4114" actId="692"/>
-          <ac:spMkLst>
-            <pc:docMk/>
-            <pc:sldMk cId="320697580" sldId="26425"/>
-            <ac:spMk id="8" creationId="{8F5B7433-6C2C-9F79-E743-B4F7F3199C49}"/>
-          </ac:spMkLst>
-        </pc:spChg>
-        <pc:spChg chg="add mod">
-          <ac:chgData name="Graf Thomas, INI-NET-VNC-HCS" userId="487bc3e3-9ce7-4cdd-b7b4-8899ea88d289" providerId="ADAL" clId="{FF1E8771-B1E8-4CEC-B725-4345F27D3194}" dt="2023-10-29T08:50:02.554" v="4116" actId="207"/>
-          <ac:spMkLst>
-            <pc:docMk/>
-            <pc:sldMk cId="320697580" sldId="26425"/>
-            <ac:spMk id="9" creationId="{94BED9E1-5205-DBA5-3A77-348AA6C3053F}"/>
-          </ac:spMkLst>
-        </pc:spChg>
-        <pc:spChg chg="del">
-          <ac:chgData name="Graf Thomas, INI-NET-VNC-HCS" userId="487bc3e3-9ce7-4cdd-b7b4-8899ea88d289" providerId="ADAL" clId="{FF1E8771-B1E8-4CEC-B725-4345F27D3194}" dt="2023-10-29T08:46:23.047" v="4074" actId="478"/>
-          <ac:spMkLst>
-            <pc:docMk/>
-            <pc:sldMk cId="320697580" sldId="26425"/>
-            <ac:spMk id="10" creationId="{DD44A8BB-E798-49BE-808F-AC92A5F105A6}"/>
-          </ac:spMkLst>
-        </pc:spChg>
-        <pc:spChg chg="add mod">
-          <ac:chgData name="Graf Thomas, INI-NET-VNC-HCS" userId="487bc3e3-9ce7-4cdd-b7b4-8899ea88d289" providerId="ADAL" clId="{FF1E8771-B1E8-4CEC-B725-4345F27D3194}" dt="2023-10-29T08:48:54.193" v="4101" actId="1076"/>
-          <ac:spMkLst>
-            <pc:docMk/>
-            <pc:sldMk cId="320697580" sldId="26425"/>
-            <ac:spMk id="12" creationId="{90965FCC-A737-3300-B8E1-B0BE166E90FD}"/>
-          </ac:spMkLst>
-        </pc:spChg>
-        <pc:spChg chg="mod">
-          <ac:chgData name="Graf Thomas, INI-NET-VNC-HCS" userId="487bc3e3-9ce7-4cdd-b7b4-8899ea88d289" providerId="ADAL" clId="{FF1E8771-B1E8-4CEC-B725-4345F27D3194}" dt="2023-10-29T08:47:58.159" v="4090" actId="1076"/>
-          <ac:spMkLst>
-            <pc:docMk/>
-            <pc:sldMk cId="320697580" sldId="26425"/>
-            <ac:spMk id="17" creationId="{8F78EE4C-6EFD-4363-A98F-3E5608669DF5}"/>
-          </ac:spMkLst>
-        </pc:spChg>
-        <pc:spChg chg="add del mod">
-          <ac:chgData name="Graf Thomas, INI-NET-VNC-HCS" userId="487bc3e3-9ce7-4cdd-b7b4-8899ea88d289" providerId="ADAL" clId="{FF1E8771-B1E8-4CEC-B725-4345F27D3194}" dt="2023-10-29T08:47:51.266" v="4087" actId="14100"/>
-          <ac:spMkLst>
-            <pc:docMk/>
-            <pc:sldMk cId="320697580" sldId="26425"/>
-            <ac:spMk id="19" creationId="{B0AC9776-B227-44FD-A2AC-1FDE0B6F1445}"/>
-          </ac:spMkLst>
-        </pc:spChg>
-        <pc:spChg chg="del">
-          <ac:chgData name="Graf Thomas, INI-NET-VNC-HCS" userId="487bc3e3-9ce7-4cdd-b7b4-8899ea88d289" providerId="ADAL" clId="{FF1E8771-B1E8-4CEC-B725-4345F27D3194}" dt="2023-10-29T08:47:26.210" v="4079" actId="478"/>
-          <ac:spMkLst>
-            <pc:docMk/>
-            <pc:sldMk cId="320697580" sldId="26425"/>
-            <ac:spMk id="20" creationId="{63E8849D-2264-4DF7-A868-9C9CF1546A76}"/>
-          </ac:spMkLst>
-        </pc:spChg>
-        <pc:cxnChg chg="add mod">
-          <ac:chgData name="Graf Thomas, INI-NET-VNC-HCS" userId="487bc3e3-9ce7-4cdd-b7b4-8899ea88d289" providerId="ADAL" clId="{FF1E8771-B1E8-4CEC-B725-4345F27D3194}" dt="2023-10-29T08:50:27.376" v="4125" actId="1076"/>
-          <ac:cxnSpMkLst>
-            <pc:docMk/>
-            <pc:sldMk cId="320697580" sldId="26425"/>
-            <ac:cxnSpMk id="13" creationId="{ABDEEB90-F9DE-4579-466A-4391823DABF7}"/>
-          </ac:cxnSpMkLst>
-        </pc:cxnChg>
-        <pc:cxnChg chg="add mod">
-          <ac:chgData name="Graf Thomas, INI-NET-VNC-HCS" userId="487bc3e3-9ce7-4cdd-b7b4-8899ea88d289" providerId="ADAL" clId="{FF1E8771-B1E8-4CEC-B725-4345F27D3194}" dt="2023-10-29T08:50:30.550" v="4127" actId="1076"/>
-          <ac:cxnSpMkLst>
-            <pc:docMk/>
-            <pc:sldMk cId="320697580" sldId="26425"/>
-            <ac:cxnSpMk id="14" creationId="{971CE727-7DCB-9E98-7B9C-B1ACC28EC9FF}"/>
-          </ac:cxnSpMkLst>
-        </pc:cxnChg>
-        <pc:cxnChg chg="add del mod">
-          <ac:chgData name="Graf Thomas, INI-NET-VNC-HCS" userId="487bc3e3-9ce7-4cdd-b7b4-8899ea88d289" providerId="ADAL" clId="{FF1E8771-B1E8-4CEC-B725-4345F27D3194}" dt="2023-10-29T08:50:24.693" v="4124" actId="1076"/>
-          <ac:cxnSpMkLst>
-            <pc:docMk/>
-            <pc:sldMk cId="320697580" sldId="26425"/>
-            <ac:cxnSpMk id="22" creationId="{5EE7A184-4440-4663-A713-45C43FB41FBD}"/>
-          </ac:cxnSpMkLst>
-        </pc:cxnChg>
-        <pc:cxnChg chg="add del mod">
-          <ac:chgData name="Graf Thomas, INI-NET-VNC-HCS" userId="487bc3e3-9ce7-4cdd-b7b4-8899ea88d289" providerId="ADAL" clId="{FF1E8771-B1E8-4CEC-B725-4345F27D3194}" dt="2023-10-29T08:50:28.713" v="4126" actId="1076"/>
-          <ac:cxnSpMkLst>
-            <pc:docMk/>
-            <pc:sldMk cId="320697580" sldId="26425"/>
-            <ac:cxnSpMk id="23" creationId="{D8988D8C-34C7-42B3-BD73-F0A5B399F9DF}"/>
-          </ac:cxnSpMkLst>
-        </pc:cxnChg>
-      </pc:sldChg>
-      <pc:sldChg chg="addSp delSp modSp mod">
-        <pc:chgData name="Graf Thomas, INI-NET-VNC-HCS" userId="487bc3e3-9ce7-4cdd-b7b4-8899ea88d289" providerId="ADAL" clId="{FF1E8771-B1E8-4CEC-B725-4345F27D3194}" dt="2023-10-29T07:56:40.704" v="2735" actId="1076"/>
-        <pc:sldMkLst>
-          <pc:docMk/>
-          <pc:sldMk cId="3241116723" sldId="2145706200"/>
-        </pc:sldMkLst>
-        <pc:spChg chg="add del mod">
-          <ac:chgData name="Graf Thomas, INI-NET-VNC-HCS" userId="487bc3e3-9ce7-4cdd-b7b4-8899ea88d289" providerId="ADAL" clId="{FF1E8771-B1E8-4CEC-B725-4345F27D3194}" dt="2023-10-28T08:18:25.939" v="43" actId="478"/>
-          <ac:spMkLst>
-            <pc:docMk/>
-            <pc:sldMk cId="3241116723" sldId="2145706200"/>
-            <ac:spMk id="3" creationId="{78B40BFC-2F8D-85F7-4EE0-A8FAC5717580}"/>
-          </ac:spMkLst>
-        </pc:spChg>
-        <pc:spChg chg="add del">
-          <ac:chgData name="Graf Thomas, INI-NET-VNC-HCS" userId="487bc3e3-9ce7-4cdd-b7b4-8899ea88d289" providerId="ADAL" clId="{FF1E8771-B1E8-4CEC-B725-4345F27D3194}" dt="2023-10-28T08:19:09.481" v="49" actId="478"/>
-          <ac:spMkLst>
-            <pc:docMk/>
-            <pc:sldMk cId="3241116723" sldId="2145706200"/>
-            <ac:spMk id="4" creationId="{D81DEC37-A600-4F6C-AE22-C81D97BEC259}"/>
-          </ac:spMkLst>
-        </pc:spChg>
-        <pc:spChg chg="mod">
-          <ac:chgData name="Graf Thomas, INI-NET-VNC-HCS" userId="487bc3e3-9ce7-4cdd-b7b4-8899ea88d289" providerId="ADAL" clId="{FF1E8771-B1E8-4CEC-B725-4345F27D3194}" dt="2023-10-29T07:56:40.704" v="2735" actId="1076"/>
-          <ac:spMkLst>
-            <pc:docMk/>
-            <pc:sldMk cId="3241116723" sldId="2145706200"/>
-            <ac:spMk id="5" creationId="{8CAEE21E-0CF2-4355-A68A-655C5FDE8F93}"/>
-          </ac:spMkLst>
-        </pc:spChg>
-        <pc:spChg chg="add del mod">
-          <ac:chgData name="Graf Thomas, INI-NET-VNC-HCS" userId="487bc3e3-9ce7-4cdd-b7b4-8899ea88d289" providerId="ADAL" clId="{FF1E8771-B1E8-4CEC-B725-4345F27D3194}" dt="2023-10-28T08:19:12.196" v="50" actId="478"/>
-          <ac:spMkLst>
-            <pc:docMk/>
-            <pc:sldMk cId="3241116723" sldId="2145706200"/>
-            <ac:spMk id="9" creationId="{C220B36C-3F68-7216-8D84-0F727CFA5B77}"/>
-          </ac:spMkLst>
-        </pc:spChg>
-        <pc:spChg chg="add del">
-          <ac:chgData name="Graf Thomas, INI-NET-VNC-HCS" userId="487bc3e3-9ce7-4cdd-b7b4-8899ea88d289" providerId="ADAL" clId="{FF1E8771-B1E8-4CEC-B725-4345F27D3194}" dt="2023-10-29T07:52:06.892" v="2602" actId="478"/>
-          <ac:spMkLst>
-            <pc:docMk/>
-            <pc:sldMk cId="3241116723" sldId="2145706200"/>
-            <ac:spMk id="11" creationId="{7082F2AB-F540-FA93-63CF-435C58904E21}"/>
-          </ac:spMkLst>
-        </pc:spChg>
-        <pc:spChg chg="add mod">
-          <ac:chgData name="Graf Thomas, INI-NET-VNC-HCS" userId="487bc3e3-9ce7-4cdd-b7b4-8899ea88d289" providerId="ADAL" clId="{FF1E8771-B1E8-4CEC-B725-4345F27D3194}" dt="2023-10-29T07:53:49.732" v="2688" actId="20577"/>
-          <ac:spMkLst>
-            <pc:docMk/>
-            <pc:sldMk cId="3241116723" sldId="2145706200"/>
-            <ac:spMk id="13" creationId="{509802C0-BFFB-9B0F-A529-E60CDD518439}"/>
-          </ac:spMkLst>
-        </pc:spChg>
-        <pc:spChg chg="add mod">
-          <ac:chgData name="Graf Thomas, INI-NET-VNC-HCS" userId="487bc3e3-9ce7-4cdd-b7b4-8899ea88d289" providerId="ADAL" clId="{FF1E8771-B1E8-4CEC-B725-4345F27D3194}" dt="2023-10-29T07:56:15.662" v="2732" actId="313"/>
-          <ac:spMkLst>
-            <pc:docMk/>
-            <pc:sldMk cId="3241116723" sldId="2145706200"/>
-            <ac:spMk id="16" creationId="{54281388-E93D-AC26-49A1-DA5D5EEB0D3B}"/>
-          </ac:spMkLst>
-        </pc:spChg>
-        <pc:picChg chg="add mod">
-          <ac:chgData name="Graf Thomas, INI-NET-VNC-HCS" userId="487bc3e3-9ce7-4cdd-b7b4-8899ea88d289" providerId="ADAL" clId="{FF1E8771-B1E8-4CEC-B725-4345F27D3194}" dt="2023-10-29T07:56:40.704" v="2735" actId="1076"/>
-          <ac:picMkLst>
-            <pc:docMk/>
-            <pc:sldMk cId="3241116723" sldId="2145706200"/>
-            <ac:picMk id="7" creationId="{EABEFBDA-754E-5E90-E343-A2FC2B103139}"/>
-          </ac:picMkLst>
-        </pc:picChg>
-        <pc:picChg chg="del">
-          <ac:chgData name="Graf Thomas, INI-NET-VNC-HCS" userId="487bc3e3-9ce7-4cdd-b7b4-8899ea88d289" providerId="ADAL" clId="{FF1E8771-B1E8-4CEC-B725-4345F27D3194}" dt="2023-10-28T08:18:28.415" v="44" actId="478"/>
-          <ac:picMkLst>
-            <pc:docMk/>
-            <pc:sldMk cId="3241116723" sldId="2145706200"/>
-            <ac:picMk id="12" creationId="{640B9623-81DE-4C90-ABB0-B84BCC0CD700}"/>
-          </ac:picMkLst>
-        </pc:picChg>
-        <pc:picChg chg="add mod">
-          <ac:chgData name="Graf Thomas, INI-NET-VNC-HCS" userId="487bc3e3-9ce7-4cdd-b7b4-8899ea88d289" providerId="ADAL" clId="{FF1E8771-B1E8-4CEC-B725-4345F27D3194}" dt="2023-10-29T07:56:21.258" v="2734" actId="14100"/>
-          <ac:picMkLst>
-            <pc:docMk/>
-            <pc:sldMk cId="3241116723" sldId="2145706200"/>
-            <ac:picMk id="14" creationId="{0546AC53-5398-E0CF-0807-B7B55276F143}"/>
-          </ac:picMkLst>
-        </pc:picChg>
-      </pc:sldChg>
-      <pc:sldChg chg="del">
-        <pc:chgData name="Graf Thomas, INI-NET-VNC-HCS" userId="487bc3e3-9ce7-4cdd-b7b4-8899ea88d289" providerId="ADAL" clId="{FF1E8771-B1E8-4CEC-B725-4345F27D3194}" dt="2023-10-28T09:18:13.119" v="1521" actId="47"/>
-        <pc:sldMkLst>
-          <pc:docMk/>
-          <pc:sldMk cId="670772560" sldId="2145706220"/>
-        </pc:sldMkLst>
-      </pc:sldChg>
-      <pc:sldChg chg="del">
-        <pc:chgData name="Graf Thomas, INI-NET-VNC-HCS" userId="487bc3e3-9ce7-4cdd-b7b4-8899ea88d289" providerId="ADAL" clId="{FF1E8771-B1E8-4CEC-B725-4345F27D3194}" dt="2023-10-28T09:18:27.609" v="1522" actId="47"/>
-        <pc:sldMkLst>
-          <pc:docMk/>
-          <pc:sldMk cId="187382668" sldId="2145706221"/>
-        </pc:sldMkLst>
-      </pc:sldChg>
-      <pc:sldChg chg="modSp add del mod">
-        <pc:chgData name="Graf Thomas, INI-NET-VNC-HCS" userId="487bc3e3-9ce7-4cdd-b7b4-8899ea88d289" providerId="ADAL" clId="{FF1E8771-B1E8-4CEC-B725-4345F27D3194}" dt="2023-10-29T07:51:43.118" v="2600" actId="2696"/>
-        <pc:sldMkLst>
-          <pc:docMk/>
-          <pc:sldMk cId="3877386623" sldId="2145706222"/>
-        </pc:sldMkLst>
-        <pc:spChg chg="mod">
-          <ac:chgData name="Graf Thomas, INI-NET-VNC-HCS" userId="487bc3e3-9ce7-4cdd-b7b4-8899ea88d289" providerId="ADAL" clId="{FF1E8771-B1E8-4CEC-B725-4345F27D3194}" dt="2023-10-28T09:26:58.012" v="1968" actId="255"/>
-          <ac:spMkLst>
-            <pc:docMk/>
-            <pc:sldMk cId="3877386623" sldId="2145706222"/>
-            <ac:spMk id="5" creationId="{C26208B2-0D10-4C23-B2DE-372A62E98644}"/>
-          </ac:spMkLst>
-        </pc:spChg>
-        <pc:spChg chg="mod">
-          <ac:chgData name="Graf Thomas, INI-NET-VNC-HCS" userId="487bc3e3-9ce7-4cdd-b7b4-8899ea88d289" providerId="ADAL" clId="{FF1E8771-B1E8-4CEC-B725-4345F27D3194}" dt="2023-10-28T08:16:54.027" v="41" actId="6549"/>
-          <ac:spMkLst>
-            <pc:docMk/>
-            <pc:sldMk cId="3877386623" sldId="2145706222"/>
-            <ac:spMk id="6" creationId="{6CAA0765-1318-4A03-8F91-D3ECC43D8FA7}"/>
-          </ac:spMkLst>
-        </pc:spChg>
-      </pc:sldChg>
-      <pc:sldChg chg="addSp delSp modSp add mod">
-        <pc:chgData name="Graf Thomas, INI-NET-VNC-HCS" userId="487bc3e3-9ce7-4cdd-b7b4-8899ea88d289" providerId="ADAL" clId="{FF1E8771-B1E8-4CEC-B725-4345F27D3194}" dt="2023-10-29T07:59:33.748" v="2765" actId="20577"/>
-        <pc:sldMkLst>
-          <pc:docMk/>
-          <pc:sldMk cId="4069880896" sldId="2145706223"/>
-        </pc:sldMkLst>
-        <pc:spChg chg="mod">
-          <ac:chgData name="Graf Thomas, INI-NET-VNC-HCS" userId="487bc3e3-9ce7-4cdd-b7b4-8899ea88d289" providerId="ADAL" clId="{FF1E8771-B1E8-4CEC-B725-4345F27D3194}" dt="2023-10-29T07:59:33.748" v="2765" actId="20577"/>
-          <ac:spMkLst>
-            <pc:docMk/>
-            <pc:sldMk cId="4069880896" sldId="2145706223"/>
-            <ac:spMk id="5" creationId="{8CAEE21E-0CF2-4355-A68A-655C5FDE8F93}"/>
-          </ac:spMkLst>
-        </pc:spChg>
-        <pc:spChg chg="add mod">
-          <ac:chgData name="Graf Thomas, INI-NET-VNC-HCS" userId="487bc3e3-9ce7-4cdd-b7b4-8899ea88d289" providerId="ADAL" clId="{FF1E8771-B1E8-4CEC-B725-4345F27D3194}" dt="2023-10-29T07:59:21.014" v="2750"/>
-          <ac:spMkLst>
-            <pc:docMk/>
-            <pc:sldMk cId="4069880896" sldId="2145706223"/>
-            <ac:spMk id="11" creationId="{40A04100-F076-DAB6-1085-5E0EF7172DAB}"/>
-          </ac:spMkLst>
-        </pc:spChg>
-        <pc:picChg chg="add mod">
-          <ac:chgData name="Graf Thomas, INI-NET-VNC-HCS" userId="487bc3e3-9ce7-4cdd-b7b4-8899ea88d289" providerId="ADAL" clId="{FF1E8771-B1E8-4CEC-B725-4345F27D3194}" dt="2023-10-29T07:58:03.592" v="2749" actId="1076"/>
-          <ac:picMkLst>
-            <pc:docMk/>
-            <pc:sldMk cId="4069880896" sldId="2145706223"/>
-            <ac:picMk id="2" creationId="{CAC6AFE7-9E00-8F75-F11B-1BCC7C44516F}"/>
-          </ac:picMkLst>
-        </pc:picChg>
-        <pc:picChg chg="add mod">
-          <ac:chgData name="Graf Thomas, INI-NET-VNC-HCS" userId="487bc3e3-9ce7-4cdd-b7b4-8899ea88d289" providerId="ADAL" clId="{FF1E8771-B1E8-4CEC-B725-4345F27D3194}" dt="2023-10-29T07:58:03.592" v="2749" actId="1076"/>
-          <ac:picMkLst>
-            <pc:docMk/>
-            <pc:sldMk cId="4069880896" sldId="2145706223"/>
-            <ac:picMk id="3" creationId="{821EFBD6-787D-0C6C-ED10-A605F40A8D8F}"/>
-          </ac:picMkLst>
-        </pc:picChg>
-        <pc:picChg chg="add mod">
-          <ac:chgData name="Graf Thomas, INI-NET-VNC-HCS" userId="487bc3e3-9ce7-4cdd-b7b4-8899ea88d289" providerId="ADAL" clId="{FF1E8771-B1E8-4CEC-B725-4345F27D3194}" dt="2023-10-29T07:58:03.592" v="2749" actId="1076"/>
-          <ac:picMkLst>
-            <pc:docMk/>
-            <pc:sldMk cId="4069880896" sldId="2145706223"/>
-            <ac:picMk id="4" creationId="{ACAFE401-33F5-F82C-0DC6-613499D4D48D}"/>
-          </ac:picMkLst>
-        </pc:picChg>
-        <pc:picChg chg="del">
-          <ac:chgData name="Graf Thomas, INI-NET-VNC-HCS" userId="487bc3e3-9ce7-4cdd-b7b4-8899ea88d289" providerId="ADAL" clId="{FF1E8771-B1E8-4CEC-B725-4345F27D3194}" dt="2023-10-28T08:24:35.575" v="110" actId="478"/>
-          <ac:picMkLst>
-            <pc:docMk/>
-            <pc:sldMk cId="4069880896" sldId="2145706223"/>
-            <ac:picMk id="7" creationId="{EABEFBDA-754E-5E90-E343-A2FC2B103139}"/>
-          </ac:picMkLst>
-        </pc:picChg>
-        <pc:picChg chg="add mod">
-          <ac:chgData name="Graf Thomas, INI-NET-VNC-HCS" userId="487bc3e3-9ce7-4cdd-b7b4-8899ea88d289" providerId="ADAL" clId="{FF1E8771-B1E8-4CEC-B725-4345F27D3194}" dt="2023-10-29T07:58:03.592" v="2749" actId="1076"/>
-          <ac:picMkLst>
-            <pc:docMk/>
-            <pc:sldMk cId="4069880896" sldId="2145706223"/>
-            <ac:picMk id="8" creationId="{2D995290-8F96-2A23-C57A-20F3C56E2489}"/>
-          </ac:picMkLst>
-        </pc:picChg>
-        <pc:picChg chg="add mod ord">
-          <ac:chgData name="Graf Thomas, INI-NET-VNC-HCS" userId="487bc3e3-9ce7-4cdd-b7b4-8899ea88d289" providerId="ADAL" clId="{FF1E8771-B1E8-4CEC-B725-4345F27D3194}" dt="2023-10-29T07:58:03.592" v="2749" actId="1076"/>
-          <ac:picMkLst>
-            <pc:docMk/>
-            <pc:sldMk cId="4069880896" sldId="2145706223"/>
-            <ac:picMk id="9" creationId="{1A48724C-7346-9984-24F3-0B26A0AECD57}"/>
-          </ac:picMkLst>
-        </pc:picChg>
-        <pc:picChg chg="add mod">
-          <ac:chgData name="Graf Thomas, INI-NET-VNC-HCS" userId="487bc3e3-9ce7-4cdd-b7b4-8899ea88d289" providerId="ADAL" clId="{FF1E8771-B1E8-4CEC-B725-4345F27D3194}" dt="2023-10-29T07:58:03.592" v="2749" actId="1076"/>
-          <ac:picMkLst>
-            <pc:docMk/>
-            <pc:sldMk cId="4069880896" sldId="2145706223"/>
-            <ac:picMk id="10" creationId="{4DDF3E02-EF53-608C-EDDD-DE4670241A69}"/>
-          </ac:picMkLst>
-        </pc:picChg>
-      </pc:sldChg>
-      <pc:sldChg chg="addSp delSp modSp add del mod">
-        <pc:chgData name="Graf Thomas, INI-NET-VNC-HCS" userId="487bc3e3-9ce7-4cdd-b7b4-8899ea88d289" providerId="ADAL" clId="{FF1E8771-B1E8-4CEC-B725-4345F27D3194}" dt="2023-10-29T07:57:05.291" v="2736" actId="2696"/>
-        <pc:sldMkLst>
-          <pc:docMk/>
-          <pc:sldMk cId="3605676960" sldId="2145706224"/>
-        </pc:sldMkLst>
-        <pc:spChg chg="mod">
-          <ac:chgData name="Graf Thomas, INI-NET-VNC-HCS" userId="487bc3e3-9ce7-4cdd-b7b4-8899ea88d289" providerId="ADAL" clId="{FF1E8771-B1E8-4CEC-B725-4345F27D3194}" dt="2023-10-29T07:40:56.736" v="2517" actId="20577"/>
-          <ac:spMkLst>
-            <pc:docMk/>
-            <pc:sldMk cId="3605676960" sldId="2145706224"/>
-            <ac:spMk id="5" creationId="{8CAEE21E-0CF2-4355-A68A-655C5FDE8F93}"/>
-          </ac:spMkLst>
-        </pc:spChg>
-        <pc:picChg chg="del">
-          <ac:chgData name="Graf Thomas, INI-NET-VNC-HCS" userId="487bc3e3-9ce7-4cdd-b7b4-8899ea88d289" providerId="ADAL" clId="{FF1E8771-B1E8-4CEC-B725-4345F27D3194}" dt="2023-10-28T08:29:11.143" v="186" actId="478"/>
-          <ac:picMkLst>
-            <pc:docMk/>
-            <pc:sldMk cId="3605676960" sldId="2145706224"/>
-            <ac:picMk id="2" creationId="{CAC6AFE7-9E00-8F75-F11B-1BCC7C44516F}"/>
-          </ac:picMkLst>
-        </pc:picChg>
-        <pc:picChg chg="del">
-          <ac:chgData name="Graf Thomas, INI-NET-VNC-HCS" userId="487bc3e3-9ce7-4cdd-b7b4-8899ea88d289" providerId="ADAL" clId="{FF1E8771-B1E8-4CEC-B725-4345F27D3194}" dt="2023-10-28T08:29:11.143" v="186" actId="478"/>
-          <ac:picMkLst>
-            <pc:docMk/>
-            <pc:sldMk cId="3605676960" sldId="2145706224"/>
-            <ac:picMk id="3" creationId="{821EFBD6-787D-0C6C-ED10-A605F40A8D8F}"/>
-          </ac:picMkLst>
-        </pc:picChg>
-        <pc:picChg chg="del">
-          <ac:chgData name="Graf Thomas, INI-NET-VNC-HCS" userId="487bc3e3-9ce7-4cdd-b7b4-8899ea88d289" providerId="ADAL" clId="{FF1E8771-B1E8-4CEC-B725-4345F27D3194}" dt="2023-10-28T08:29:11.143" v="186" actId="478"/>
-          <ac:picMkLst>
-            <pc:docMk/>
-            <pc:sldMk cId="3605676960" sldId="2145706224"/>
-            <ac:picMk id="4" creationId="{ACAFE401-33F5-F82C-0DC6-613499D4D48D}"/>
-          </ac:picMkLst>
-        </pc:picChg>
-        <pc:picChg chg="add del mod">
-          <ac:chgData name="Graf Thomas, INI-NET-VNC-HCS" userId="487bc3e3-9ce7-4cdd-b7b4-8899ea88d289" providerId="ADAL" clId="{FF1E8771-B1E8-4CEC-B725-4345F27D3194}" dt="2023-10-28T08:29:50.360" v="200" actId="478"/>
-          <ac:picMkLst>
-            <pc:docMk/>
-            <pc:sldMk cId="3605676960" sldId="2145706224"/>
-            <ac:picMk id="7" creationId="{D5A15702-762E-F19B-3860-E4BC9987E9D3}"/>
-          </ac:picMkLst>
-        </pc:picChg>
-        <pc:picChg chg="del">
-          <ac:chgData name="Graf Thomas, INI-NET-VNC-HCS" userId="487bc3e3-9ce7-4cdd-b7b4-8899ea88d289" providerId="ADAL" clId="{FF1E8771-B1E8-4CEC-B725-4345F27D3194}" dt="2023-10-28T08:29:11.143" v="186" actId="478"/>
-          <ac:picMkLst>
-            <pc:docMk/>
-            <pc:sldMk cId="3605676960" sldId="2145706224"/>
-            <ac:picMk id="8" creationId="{2D995290-8F96-2A23-C57A-20F3C56E2489}"/>
-          </ac:picMkLst>
-        </pc:picChg>
-        <pc:picChg chg="del">
-          <ac:chgData name="Graf Thomas, INI-NET-VNC-HCS" userId="487bc3e3-9ce7-4cdd-b7b4-8899ea88d289" providerId="ADAL" clId="{FF1E8771-B1E8-4CEC-B725-4345F27D3194}" dt="2023-10-28T08:29:11.143" v="186" actId="478"/>
-          <ac:picMkLst>
-            <pc:docMk/>
-            <pc:sldMk cId="3605676960" sldId="2145706224"/>
-            <ac:picMk id="9" creationId="{1A48724C-7346-9984-24F3-0B26A0AECD57}"/>
-          </ac:picMkLst>
-        </pc:picChg>
-        <pc:picChg chg="del">
-          <ac:chgData name="Graf Thomas, INI-NET-VNC-HCS" userId="487bc3e3-9ce7-4cdd-b7b4-8899ea88d289" providerId="ADAL" clId="{FF1E8771-B1E8-4CEC-B725-4345F27D3194}" dt="2023-10-28T08:29:11.143" v="186" actId="478"/>
-          <ac:picMkLst>
-            <pc:docMk/>
-            <pc:sldMk cId="3605676960" sldId="2145706224"/>
-            <ac:picMk id="10" creationId="{4DDF3E02-EF53-608C-EDDD-DE4670241A69}"/>
-          </ac:picMkLst>
-        </pc:picChg>
-        <pc:picChg chg="add del mod">
-          <ac:chgData name="Graf Thomas, INI-NET-VNC-HCS" userId="487bc3e3-9ce7-4cdd-b7b4-8899ea88d289" providerId="ADAL" clId="{FF1E8771-B1E8-4CEC-B725-4345F27D3194}" dt="2023-10-28T08:32:00.603" v="208" actId="478"/>
-          <ac:picMkLst>
-            <pc:docMk/>
-            <pc:sldMk cId="3605676960" sldId="2145706224"/>
-            <ac:picMk id="12" creationId="{FF03ED57-FD10-C6DA-EE91-945F96AC2E4B}"/>
-          </ac:picMkLst>
-        </pc:picChg>
-        <pc:picChg chg="add mod">
-          <ac:chgData name="Graf Thomas, INI-NET-VNC-HCS" userId="487bc3e3-9ce7-4cdd-b7b4-8899ea88d289" providerId="ADAL" clId="{FF1E8771-B1E8-4CEC-B725-4345F27D3194}" dt="2023-10-28T08:33:52.401" v="224" actId="1076"/>
-          <ac:picMkLst>
-            <pc:docMk/>
-            <pc:sldMk cId="3605676960" sldId="2145706224"/>
-            <ac:picMk id="14" creationId="{791A1741-3313-42A8-1084-2A489832CDC0}"/>
-          </ac:picMkLst>
-        </pc:picChg>
-      </pc:sldChg>
-      <pc:sldChg chg="addSp delSp modSp add mod">
-        <pc:chgData name="Graf Thomas, INI-NET-VNC-HCS" userId="487bc3e3-9ce7-4cdd-b7b4-8899ea88d289" providerId="ADAL" clId="{FF1E8771-B1E8-4CEC-B725-4345F27D3194}" dt="2023-10-29T08:03:54.656" v="2848" actId="1076"/>
-        <pc:sldMkLst>
-          <pc:docMk/>
-          <pc:sldMk cId="1081037514" sldId="2145706225"/>
-        </pc:sldMkLst>
-        <pc:spChg chg="mod">
-          <ac:chgData name="Graf Thomas, INI-NET-VNC-HCS" userId="487bc3e3-9ce7-4cdd-b7b4-8899ea88d289" providerId="ADAL" clId="{FF1E8771-B1E8-4CEC-B725-4345F27D3194}" dt="2023-10-28T08:37:02.109" v="250"/>
-          <ac:spMkLst>
-            <pc:docMk/>
-            <pc:sldMk cId="1081037514" sldId="2145706225"/>
-            <ac:spMk id="3" creationId="{21A2E246-8977-0C56-8169-DA0A27B49547}"/>
-          </ac:spMkLst>
-        </pc:spChg>
-        <pc:spChg chg="mod">
-          <ac:chgData name="Graf Thomas, INI-NET-VNC-HCS" userId="487bc3e3-9ce7-4cdd-b7b4-8899ea88d289" providerId="ADAL" clId="{FF1E8771-B1E8-4CEC-B725-4345F27D3194}" dt="2023-10-28T08:37:02.109" v="250"/>
-          <ac:spMkLst>
-            <pc:docMk/>
-            <pc:sldMk cId="1081037514" sldId="2145706225"/>
-            <ac:spMk id="4" creationId="{A20B2D5A-928F-260A-3CF1-C2C4CAA43CFA}"/>
-          </ac:spMkLst>
-        </pc:spChg>
-        <pc:spChg chg="del mod">
-          <ac:chgData name="Graf Thomas, INI-NET-VNC-HCS" userId="487bc3e3-9ce7-4cdd-b7b4-8899ea88d289" providerId="ADAL" clId="{FF1E8771-B1E8-4CEC-B725-4345F27D3194}" dt="2023-10-29T08:03:28.913" v="2844" actId="478"/>
-          <ac:spMkLst>
-            <pc:docMk/>
-            <pc:sldMk cId="1081037514" sldId="2145706225"/>
-            <ac:spMk id="5" creationId="{8CAEE21E-0CF2-4355-A68A-655C5FDE8F93}"/>
-          </ac:spMkLst>
-        </pc:spChg>
-        <pc:spChg chg="mod">
-          <ac:chgData name="Graf Thomas, INI-NET-VNC-HCS" userId="487bc3e3-9ce7-4cdd-b7b4-8899ea88d289" providerId="ADAL" clId="{FF1E8771-B1E8-4CEC-B725-4345F27D3194}" dt="2023-10-28T08:37:02.109" v="250"/>
-          <ac:spMkLst>
-            <pc:docMk/>
-            <pc:sldMk cId="1081037514" sldId="2145706225"/>
-            <ac:spMk id="8" creationId="{677D70B8-28D4-9C31-9D94-D3052A1620BA}"/>
-          </ac:spMkLst>
-        </pc:spChg>
-        <pc:spChg chg="mod">
-          <ac:chgData name="Graf Thomas, INI-NET-VNC-HCS" userId="487bc3e3-9ce7-4cdd-b7b4-8899ea88d289" providerId="ADAL" clId="{FF1E8771-B1E8-4CEC-B725-4345F27D3194}" dt="2023-10-28T08:37:02.109" v="250"/>
-          <ac:spMkLst>
-            <pc:docMk/>
-            <pc:sldMk cId="1081037514" sldId="2145706225"/>
-            <ac:spMk id="9" creationId="{A7D4BF0B-6AC3-4AA9-E8BD-1253A110E4C1}"/>
-          </ac:spMkLst>
-        </pc:spChg>
-        <pc:spChg chg="mod">
-          <ac:chgData name="Graf Thomas, INI-NET-VNC-HCS" userId="487bc3e3-9ce7-4cdd-b7b4-8899ea88d289" providerId="ADAL" clId="{FF1E8771-B1E8-4CEC-B725-4345F27D3194}" dt="2023-10-28T08:37:02.109" v="250"/>
-          <ac:spMkLst>
-            <pc:docMk/>
-            <pc:sldMk cId="1081037514" sldId="2145706225"/>
-            <ac:spMk id="11" creationId="{BC202C79-EF00-4794-A5E7-54FD1AD6FFEC}"/>
-          </ac:spMkLst>
-        </pc:spChg>
-        <pc:spChg chg="mod">
-          <ac:chgData name="Graf Thomas, INI-NET-VNC-HCS" userId="487bc3e3-9ce7-4cdd-b7b4-8899ea88d289" providerId="ADAL" clId="{FF1E8771-B1E8-4CEC-B725-4345F27D3194}" dt="2023-10-28T08:37:02.109" v="250"/>
-          <ac:spMkLst>
-            <pc:docMk/>
-            <pc:sldMk cId="1081037514" sldId="2145706225"/>
-            <ac:spMk id="12" creationId="{D0BEF0AD-9BD5-957F-DF20-EA76A3E6320A}"/>
-          </ac:spMkLst>
-        </pc:spChg>
-        <pc:spChg chg="mod">
-          <ac:chgData name="Graf Thomas, INI-NET-VNC-HCS" userId="487bc3e3-9ce7-4cdd-b7b4-8899ea88d289" providerId="ADAL" clId="{FF1E8771-B1E8-4CEC-B725-4345F27D3194}" dt="2023-10-28T08:37:02.109" v="250"/>
-          <ac:spMkLst>
-            <pc:docMk/>
-            <pc:sldMk cId="1081037514" sldId="2145706225"/>
-            <ac:spMk id="15" creationId="{F228A6D5-55A8-F878-625A-2CFBC2A4CC8C}"/>
-          </ac:spMkLst>
-        </pc:spChg>
-        <pc:spChg chg="mod">
-          <ac:chgData name="Graf Thomas, INI-NET-VNC-HCS" userId="487bc3e3-9ce7-4cdd-b7b4-8899ea88d289" providerId="ADAL" clId="{FF1E8771-B1E8-4CEC-B725-4345F27D3194}" dt="2023-10-28T08:37:02.109" v="250"/>
-          <ac:spMkLst>
-            <pc:docMk/>
-            <pc:sldMk cId="1081037514" sldId="2145706225"/>
-            <ac:spMk id="16" creationId="{B76F4586-6C16-9488-8080-DC2366DDC57B}"/>
-          </ac:spMkLst>
-        </pc:spChg>
-        <pc:spChg chg="mod">
-          <ac:chgData name="Graf Thomas, INI-NET-VNC-HCS" userId="487bc3e3-9ce7-4cdd-b7b4-8899ea88d289" providerId="ADAL" clId="{FF1E8771-B1E8-4CEC-B725-4345F27D3194}" dt="2023-10-28T08:37:02.109" v="250"/>
-          <ac:spMkLst>
-            <pc:docMk/>
-            <pc:sldMk cId="1081037514" sldId="2145706225"/>
-            <ac:spMk id="18" creationId="{710443C2-A213-C93E-D7DE-9256AD74C9AA}"/>
-          </ac:spMkLst>
-        </pc:spChg>
-        <pc:spChg chg="mod">
-          <ac:chgData name="Graf Thomas, INI-NET-VNC-HCS" userId="487bc3e3-9ce7-4cdd-b7b4-8899ea88d289" providerId="ADAL" clId="{FF1E8771-B1E8-4CEC-B725-4345F27D3194}" dt="2023-10-28T08:37:02.109" v="250"/>
-          <ac:spMkLst>
-            <pc:docMk/>
-            <pc:sldMk cId="1081037514" sldId="2145706225"/>
-            <ac:spMk id="19" creationId="{B0C54029-2E2D-F6C0-FCED-13B25FD81DFE}"/>
-          </ac:spMkLst>
-        </pc:spChg>
-        <pc:spChg chg="mod">
-          <ac:chgData name="Graf Thomas, INI-NET-VNC-HCS" userId="487bc3e3-9ce7-4cdd-b7b4-8899ea88d289" providerId="ADAL" clId="{FF1E8771-B1E8-4CEC-B725-4345F27D3194}" dt="2023-10-28T08:37:02.109" v="250"/>
-          <ac:spMkLst>
-            <pc:docMk/>
-            <pc:sldMk cId="1081037514" sldId="2145706225"/>
-            <ac:spMk id="21" creationId="{8B96C491-62EA-C102-02AE-9C35C6819F7C}"/>
-          </ac:spMkLst>
-        </pc:spChg>
-        <pc:spChg chg="mod">
-          <ac:chgData name="Graf Thomas, INI-NET-VNC-HCS" userId="487bc3e3-9ce7-4cdd-b7b4-8899ea88d289" providerId="ADAL" clId="{FF1E8771-B1E8-4CEC-B725-4345F27D3194}" dt="2023-10-28T08:37:02.109" v="250"/>
-          <ac:spMkLst>
-            <pc:docMk/>
-            <pc:sldMk cId="1081037514" sldId="2145706225"/>
-            <ac:spMk id="22" creationId="{CD5EEA4E-05C6-79F3-6419-252AE948AC1F}"/>
-          </ac:spMkLst>
-        </pc:spChg>
-        <pc:spChg chg="mod">
-          <ac:chgData name="Graf Thomas, INI-NET-VNC-HCS" userId="487bc3e3-9ce7-4cdd-b7b4-8899ea88d289" providerId="ADAL" clId="{FF1E8771-B1E8-4CEC-B725-4345F27D3194}" dt="2023-10-28T08:37:02.109" v="250"/>
-          <ac:spMkLst>
-            <pc:docMk/>
-            <pc:sldMk cId="1081037514" sldId="2145706225"/>
-            <ac:spMk id="24" creationId="{AF618EBE-6571-2ABA-C463-166B9EC84BF4}"/>
-          </ac:spMkLst>
-        </pc:spChg>
-        <pc:spChg chg="mod">
-          <ac:chgData name="Graf Thomas, INI-NET-VNC-HCS" userId="487bc3e3-9ce7-4cdd-b7b4-8899ea88d289" providerId="ADAL" clId="{FF1E8771-B1E8-4CEC-B725-4345F27D3194}" dt="2023-10-28T08:37:02.109" v="250"/>
-          <ac:spMkLst>
-            <pc:docMk/>
-            <pc:sldMk cId="1081037514" sldId="2145706225"/>
-            <ac:spMk id="25" creationId="{6E4AAC49-253A-16CD-EEDC-0B1795F09A96}"/>
-          </ac:spMkLst>
-        </pc:spChg>
-        <pc:spChg chg="add mod">
-          <ac:chgData name="Graf Thomas, INI-NET-VNC-HCS" userId="487bc3e3-9ce7-4cdd-b7b4-8899ea88d289" providerId="ADAL" clId="{FF1E8771-B1E8-4CEC-B725-4345F27D3194}" dt="2023-10-29T08:03:44" v="2846" actId="1076"/>
-          <ac:spMkLst>
-            <pc:docMk/>
-            <pc:sldMk cId="1081037514" sldId="2145706225"/>
-            <ac:spMk id="29" creationId="{5DF5E834-66E3-AE49-4040-1D628970A3FC}"/>
-          </ac:spMkLst>
-        </pc:spChg>
-        <pc:spChg chg="add mod">
-          <ac:chgData name="Graf Thomas, INI-NET-VNC-HCS" userId="487bc3e3-9ce7-4cdd-b7b4-8899ea88d289" providerId="ADAL" clId="{FF1E8771-B1E8-4CEC-B725-4345F27D3194}" dt="2023-10-29T08:03:44" v="2846" actId="1076"/>
-          <ac:spMkLst>
-            <pc:docMk/>
-            <pc:sldMk cId="1081037514" sldId="2145706225"/>
-            <ac:spMk id="30" creationId="{BA1C20F7-8218-7EF6-0AE8-992862F0E030}"/>
-          </ac:spMkLst>
-        </pc:spChg>
-        <pc:spChg chg="add mod">
-          <ac:chgData name="Graf Thomas, INI-NET-VNC-HCS" userId="487bc3e3-9ce7-4cdd-b7b4-8899ea88d289" providerId="ADAL" clId="{FF1E8771-B1E8-4CEC-B725-4345F27D3194}" dt="2023-10-29T08:03:44" v="2846" actId="1076"/>
-          <ac:spMkLst>
-            <pc:docMk/>
-            <pc:sldMk cId="1081037514" sldId="2145706225"/>
-            <ac:spMk id="39" creationId="{E2C5DAC4-E571-363C-E57D-8F3EA7B6E611}"/>
-          </ac:spMkLst>
-        </pc:spChg>
-        <pc:spChg chg="add mod">
-          <ac:chgData name="Graf Thomas, INI-NET-VNC-HCS" userId="487bc3e3-9ce7-4cdd-b7b4-8899ea88d289" providerId="ADAL" clId="{FF1E8771-B1E8-4CEC-B725-4345F27D3194}" dt="2023-10-29T08:03:44" v="2846" actId="1076"/>
-          <ac:spMkLst>
-            <pc:docMk/>
-            <pc:sldMk cId="1081037514" sldId="2145706225"/>
-            <ac:spMk id="41" creationId="{1686B893-78A4-3D56-EECA-A2AEF814D57E}"/>
-          </ac:spMkLst>
-        </pc:spChg>
-        <pc:spChg chg="add mod">
-          <ac:chgData name="Graf Thomas, INI-NET-VNC-HCS" userId="487bc3e3-9ce7-4cdd-b7b4-8899ea88d289" providerId="ADAL" clId="{FF1E8771-B1E8-4CEC-B725-4345F27D3194}" dt="2023-10-29T08:03:44" v="2846" actId="1076"/>
-          <ac:spMkLst>
-            <pc:docMk/>
-            <pc:sldMk cId="1081037514" sldId="2145706225"/>
-            <ac:spMk id="44" creationId="{0633B95D-D798-3465-C482-2E6F7E2DFE46}"/>
-          </ac:spMkLst>
-        </pc:spChg>
-        <pc:spChg chg="add mod">
-          <ac:chgData name="Graf Thomas, INI-NET-VNC-HCS" userId="487bc3e3-9ce7-4cdd-b7b4-8899ea88d289" providerId="ADAL" clId="{FF1E8771-B1E8-4CEC-B725-4345F27D3194}" dt="2023-10-29T08:03:44" v="2846" actId="1076"/>
-          <ac:spMkLst>
-            <pc:docMk/>
-            <pc:sldMk cId="1081037514" sldId="2145706225"/>
-            <ac:spMk id="46" creationId="{910C6A2B-4068-DF2D-9256-79E34275A27E}"/>
-          </ac:spMkLst>
-        </pc:spChg>
-        <pc:spChg chg="add mod">
-          <ac:chgData name="Graf Thomas, INI-NET-VNC-HCS" userId="487bc3e3-9ce7-4cdd-b7b4-8899ea88d289" providerId="ADAL" clId="{FF1E8771-B1E8-4CEC-B725-4345F27D3194}" dt="2023-10-29T08:03:54.656" v="2848" actId="1076"/>
-          <ac:spMkLst>
-            <pc:docMk/>
-            <pc:sldMk cId="1081037514" sldId="2145706225"/>
-            <ac:spMk id="48" creationId="{A48B1DB7-BCDC-5D18-F56D-8A1447F1B8BA}"/>
-          </ac:spMkLst>
-        </pc:spChg>
-        <pc:grpChg chg="add mod">
-          <ac:chgData name="Graf Thomas, INI-NET-VNC-HCS" userId="487bc3e3-9ce7-4cdd-b7b4-8899ea88d289" providerId="ADAL" clId="{FF1E8771-B1E8-4CEC-B725-4345F27D3194}" dt="2023-10-29T08:03:44" v="2846" actId="1076"/>
-          <ac:grpSpMkLst>
-            <pc:docMk/>
-            <pc:sldMk cId="1081037514" sldId="2145706225"/>
-            <ac:grpSpMk id="2" creationId="{593A3D2C-AF3C-4647-1B02-6C5086C62287}"/>
-          </ac:grpSpMkLst>
-        </pc:grpChg>
-        <pc:grpChg chg="add mod">
-          <ac:chgData name="Graf Thomas, INI-NET-VNC-HCS" userId="487bc3e3-9ce7-4cdd-b7b4-8899ea88d289" providerId="ADAL" clId="{FF1E8771-B1E8-4CEC-B725-4345F27D3194}" dt="2023-10-29T08:03:44" v="2846" actId="1076"/>
-          <ac:grpSpMkLst>
-            <pc:docMk/>
-            <pc:sldMk cId="1081037514" sldId="2145706225"/>
-            <ac:grpSpMk id="7" creationId="{746914D8-DC97-6FCE-CCEC-831AF8343A92}"/>
-          </ac:grpSpMkLst>
-        </pc:grpChg>
-        <pc:grpChg chg="add mod">
-          <ac:chgData name="Graf Thomas, INI-NET-VNC-HCS" userId="487bc3e3-9ce7-4cdd-b7b4-8899ea88d289" providerId="ADAL" clId="{FF1E8771-B1E8-4CEC-B725-4345F27D3194}" dt="2023-10-29T08:03:44" v="2846" actId="1076"/>
-          <ac:grpSpMkLst>
-            <pc:docMk/>
-            <pc:sldMk cId="1081037514" sldId="2145706225"/>
-            <ac:grpSpMk id="10" creationId="{2A39462A-F04D-B596-7A41-2767D485510C}"/>
-          </ac:grpSpMkLst>
-        </pc:grpChg>
-        <pc:grpChg chg="add mod">
-          <ac:chgData name="Graf Thomas, INI-NET-VNC-HCS" userId="487bc3e3-9ce7-4cdd-b7b4-8899ea88d289" providerId="ADAL" clId="{FF1E8771-B1E8-4CEC-B725-4345F27D3194}" dt="2023-10-29T08:03:44" v="2846" actId="1076"/>
-          <ac:grpSpMkLst>
-            <pc:docMk/>
-            <pc:sldMk cId="1081037514" sldId="2145706225"/>
-            <ac:grpSpMk id="13" creationId="{C27136FF-F3FA-F76D-A713-2F31CB874934}"/>
-          </ac:grpSpMkLst>
-        </pc:grpChg>
-        <pc:grpChg chg="add mod">
-          <ac:chgData name="Graf Thomas, INI-NET-VNC-HCS" userId="487bc3e3-9ce7-4cdd-b7b4-8899ea88d289" providerId="ADAL" clId="{FF1E8771-B1E8-4CEC-B725-4345F27D3194}" dt="2023-10-29T08:03:44" v="2846" actId="1076"/>
-          <ac:grpSpMkLst>
-            <pc:docMk/>
-            <pc:sldMk cId="1081037514" sldId="2145706225"/>
-            <ac:grpSpMk id="17" creationId="{CEB0384D-AE7F-401C-F7FF-BDAEA866A31A}"/>
-          </ac:grpSpMkLst>
-        </pc:grpChg>
-        <pc:grpChg chg="add mod">
-          <ac:chgData name="Graf Thomas, INI-NET-VNC-HCS" userId="487bc3e3-9ce7-4cdd-b7b4-8899ea88d289" providerId="ADAL" clId="{FF1E8771-B1E8-4CEC-B725-4345F27D3194}" dt="2023-10-29T08:03:44" v="2846" actId="1076"/>
-          <ac:grpSpMkLst>
-            <pc:docMk/>
-            <pc:sldMk cId="1081037514" sldId="2145706225"/>
-            <ac:grpSpMk id="20" creationId="{1B5435B3-AE86-5E3B-7DD7-612D9AD30695}"/>
-          </ac:grpSpMkLst>
-        </pc:grpChg>
-        <pc:grpChg chg="add mod">
-          <ac:chgData name="Graf Thomas, INI-NET-VNC-HCS" userId="487bc3e3-9ce7-4cdd-b7b4-8899ea88d289" providerId="ADAL" clId="{FF1E8771-B1E8-4CEC-B725-4345F27D3194}" dt="2023-10-29T08:03:44" v="2846" actId="1076"/>
-          <ac:grpSpMkLst>
-            <pc:docMk/>
-            <pc:sldMk cId="1081037514" sldId="2145706225"/>
-            <ac:grpSpMk id="23" creationId="{43DA79DF-E42D-79DA-2E63-37571E43F0EB}"/>
-          </ac:grpSpMkLst>
-        </pc:grpChg>
-        <pc:picChg chg="del">
-          <ac:chgData name="Graf Thomas, INI-NET-VNC-HCS" userId="487bc3e3-9ce7-4cdd-b7b4-8899ea88d289" providerId="ADAL" clId="{FF1E8771-B1E8-4CEC-B725-4345F27D3194}" dt="2023-10-28T08:37:01.554" v="249" actId="478"/>
-          <ac:picMkLst>
-            <pc:docMk/>
-            <pc:sldMk cId="1081037514" sldId="2145706225"/>
-            <ac:picMk id="14" creationId="{791A1741-3313-42A8-1084-2A489832CDC0}"/>
-          </ac:picMkLst>
-        </pc:picChg>
-        <pc:picChg chg="add mod">
-          <ac:chgData name="Graf Thomas, INI-NET-VNC-HCS" userId="487bc3e3-9ce7-4cdd-b7b4-8899ea88d289" providerId="ADAL" clId="{FF1E8771-B1E8-4CEC-B725-4345F27D3194}" dt="2023-10-29T08:03:44" v="2846" actId="1076"/>
-          <ac:picMkLst>
-            <pc:docMk/>
-            <pc:sldMk cId="1081037514" sldId="2145706225"/>
-            <ac:picMk id="27" creationId="{2C9830F3-CBF4-D372-DBC5-8AB3BCB5DD2A}"/>
-          </ac:picMkLst>
-        </pc:picChg>
-        <pc:picChg chg="add mod">
-          <ac:chgData name="Graf Thomas, INI-NET-VNC-HCS" userId="487bc3e3-9ce7-4cdd-b7b4-8899ea88d289" providerId="ADAL" clId="{FF1E8771-B1E8-4CEC-B725-4345F27D3194}" dt="2023-10-29T08:03:44" v="2846" actId="1076"/>
-          <ac:picMkLst>
-            <pc:docMk/>
-            <pc:sldMk cId="1081037514" sldId="2145706225"/>
-            <ac:picMk id="28" creationId="{17EB060B-2351-6AC0-7856-F33CB052400F}"/>
-          </ac:picMkLst>
-        </pc:picChg>
-        <pc:picChg chg="add mod">
-          <ac:chgData name="Graf Thomas, INI-NET-VNC-HCS" userId="487bc3e3-9ce7-4cdd-b7b4-8899ea88d289" providerId="ADAL" clId="{FF1E8771-B1E8-4CEC-B725-4345F27D3194}" dt="2023-10-29T08:03:44" v="2846" actId="1076"/>
-          <ac:picMkLst>
-            <pc:docMk/>
-            <pc:sldMk cId="1081037514" sldId="2145706225"/>
-            <ac:picMk id="31" creationId="{17DF8467-9125-3982-1295-79F29C9B0DC8}"/>
-          </ac:picMkLst>
-        </pc:picChg>
-        <pc:picChg chg="add mod">
-          <ac:chgData name="Graf Thomas, INI-NET-VNC-HCS" userId="487bc3e3-9ce7-4cdd-b7b4-8899ea88d289" providerId="ADAL" clId="{FF1E8771-B1E8-4CEC-B725-4345F27D3194}" dt="2023-10-29T08:03:44" v="2846" actId="1076"/>
-          <ac:picMkLst>
-            <pc:docMk/>
-            <pc:sldMk cId="1081037514" sldId="2145706225"/>
-            <ac:picMk id="32" creationId="{C770A491-1DB5-77FC-712B-35F7A47E2F99}"/>
-          </ac:picMkLst>
-        </pc:picChg>
-        <pc:picChg chg="add mod">
-          <ac:chgData name="Graf Thomas, INI-NET-VNC-HCS" userId="487bc3e3-9ce7-4cdd-b7b4-8899ea88d289" providerId="ADAL" clId="{FF1E8771-B1E8-4CEC-B725-4345F27D3194}" dt="2023-10-29T08:03:44" v="2846" actId="1076"/>
-          <ac:picMkLst>
-            <pc:docMk/>
-            <pc:sldMk cId="1081037514" sldId="2145706225"/>
-            <ac:picMk id="33" creationId="{17CD1AF5-AD78-AA80-9E26-C4515CC45BFA}"/>
-          </ac:picMkLst>
-        </pc:picChg>
-        <pc:picChg chg="add mod">
-          <ac:chgData name="Graf Thomas, INI-NET-VNC-HCS" userId="487bc3e3-9ce7-4cdd-b7b4-8899ea88d289" providerId="ADAL" clId="{FF1E8771-B1E8-4CEC-B725-4345F27D3194}" dt="2023-10-29T08:03:44" v="2846" actId="1076"/>
-          <ac:picMkLst>
-            <pc:docMk/>
-            <pc:sldMk cId="1081037514" sldId="2145706225"/>
-            <ac:picMk id="34" creationId="{0DF49D5E-4B86-6869-98D7-DE092FC30B18}"/>
-          </ac:picMkLst>
-        </pc:picChg>
-        <pc:picChg chg="add mod">
-          <ac:chgData name="Graf Thomas, INI-NET-VNC-HCS" userId="487bc3e3-9ce7-4cdd-b7b4-8899ea88d289" providerId="ADAL" clId="{FF1E8771-B1E8-4CEC-B725-4345F27D3194}" dt="2023-10-29T08:03:44" v="2846" actId="1076"/>
-          <ac:picMkLst>
-            <pc:docMk/>
-            <pc:sldMk cId="1081037514" sldId="2145706225"/>
-            <ac:picMk id="35" creationId="{76768564-2BA7-E325-FE43-6D4CE762CDAA}"/>
-          </ac:picMkLst>
-        </pc:picChg>
-        <pc:picChg chg="add mod">
-          <ac:chgData name="Graf Thomas, INI-NET-VNC-HCS" userId="487bc3e3-9ce7-4cdd-b7b4-8899ea88d289" providerId="ADAL" clId="{FF1E8771-B1E8-4CEC-B725-4345F27D3194}" dt="2023-10-29T08:03:44" v="2846" actId="1076"/>
-          <ac:picMkLst>
-            <pc:docMk/>
-            <pc:sldMk cId="1081037514" sldId="2145706225"/>
-            <ac:picMk id="36" creationId="{BA0A7074-FC27-6B8B-F899-8DDE2533BB10}"/>
-          </ac:picMkLst>
-        </pc:picChg>
-        <pc:picChg chg="add mod">
-          <ac:chgData name="Graf Thomas, INI-NET-VNC-HCS" userId="487bc3e3-9ce7-4cdd-b7b4-8899ea88d289" providerId="ADAL" clId="{FF1E8771-B1E8-4CEC-B725-4345F27D3194}" dt="2023-10-29T08:03:44" v="2846" actId="1076"/>
-          <ac:picMkLst>
-            <pc:docMk/>
-            <pc:sldMk cId="1081037514" sldId="2145706225"/>
-            <ac:picMk id="37" creationId="{D966A7CE-25D4-DED2-6D45-788D6CB73BA2}"/>
-          </ac:picMkLst>
-        </pc:picChg>
-        <pc:picChg chg="add mod">
-          <ac:chgData name="Graf Thomas, INI-NET-VNC-HCS" userId="487bc3e3-9ce7-4cdd-b7b4-8899ea88d289" providerId="ADAL" clId="{FF1E8771-B1E8-4CEC-B725-4345F27D3194}" dt="2023-10-29T08:03:44" v="2846" actId="1076"/>
-          <ac:picMkLst>
-            <pc:docMk/>
-            <pc:sldMk cId="1081037514" sldId="2145706225"/>
-            <ac:picMk id="43" creationId="{D8C02CC5-A9C9-F866-A5DB-BA4EC3307654}"/>
-          </ac:picMkLst>
-        </pc:picChg>
-        <pc:picChg chg="add mod">
-          <ac:chgData name="Graf Thomas, INI-NET-VNC-HCS" userId="487bc3e3-9ce7-4cdd-b7b4-8899ea88d289" providerId="ADAL" clId="{FF1E8771-B1E8-4CEC-B725-4345F27D3194}" dt="2023-10-29T08:03:44" v="2846" actId="1076"/>
-          <ac:picMkLst>
-            <pc:docMk/>
-            <pc:sldMk cId="1081037514" sldId="2145706225"/>
-            <ac:picMk id="45" creationId="{EFDD0C3B-512D-293E-E727-46B89BD86D4B}"/>
-          </ac:picMkLst>
-        </pc:picChg>
-        <pc:cxnChg chg="add mod">
-          <ac:chgData name="Graf Thomas, INI-NET-VNC-HCS" userId="487bc3e3-9ce7-4cdd-b7b4-8899ea88d289" providerId="ADAL" clId="{FF1E8771-B1E8-4CEC-B725-4345F27D3194}" dt="2023-10-29T08:03:44" v="2846" actId="1076"/>
-          <ac:cxnSpMkLst>
-            <pc:docMk/>
-            <pc:sldMk cId="1081037514" sldId="2145706225"/>
-            <ac:cxnSpMk id="26" creationId="{E14B17EC-9407-E3A2-1F7C-D47095BE2DDB}"/>
-          </ac:cxnSpMkLst>
-        </pc:cxnChg>
-        <pc:cxnChg chg="add mod">
-          <ac:chgData name="Graf Thomas, INI-NET-VNC-HCS" userId="487bc3e3-9ce7-4cdd-b7b4-8899ea88d289" providerId="ADAL" clId="{FF1E8771-B1E8-4CEC-B725-4345F27D3194}" dt="2023-10-29T08:03:44" v="2846" actId="1076"/>
-          <ac:cxnSpMkLst>
-            <pc:docMk/>
-            <pc:sldMk cId="1081037514" sldId="2145706225"/>
-            <ac:cxnSpMk id="38" creationId="{10DC3853-02C8-D495-EDB1-B0129F6F9E30}"/>
-          </ac:cxnSpMkLst>
-        </pc:cxnChg>
-        <pc:cxnChg chg="add mod">
-          <ac:chgData name="Graf Thomas, INI-NET-VNC-HCS" userId="487bc3e3-9ce7-4cdd-b7b4-8899ea88d289" providerId="ADAL" clId="{FF1E8771-B1E8-4CEC-B725-4345F27D3194}" dt="2023-10-29T08:03:44" v="2846" actId="1076"/>
-          <ac:cxnSpMkLst>
-            <pc:docMk/>
-            <pc:sldMk cId="1081037514" sldId="2145706225"/>
-            <ac:cxnSpMk id="40" creationId="{9BC6E6D7-2688-CCDB-6A6C-7880291A8339}"/>
-          </ac:cxnSpMkLst>
-        </pc:cxnChg>
-        <pc:cxnChg chg="add mod">
-          <ac:chgData name="Graf Thomas, INI-NET-VNC-HCS" userId="487bc3e3-9ce7-4cdd-b7b4-8899ea88d289" providerId="ADAL" clId="{FF1E8771-B1E8-4CEC-B725-4345F27D3194}" dt="2023-10-29T08:03:44" v="2846" actId="1076"/>
-          <ac:cxnSpMkLst>
-            <pc:docMk/>
-            <pc:sldMk cId="1081037514" sldId="2145706225"/>
-            <ac:cxnSpMk id="42" creationId="{3CD8EA4A-314A-BB28-E712-414D5F01E35F}"/>
-          </ac:cxnSpMkLst>
-        </pc:cxnChg>
-        <pc:cxnChg chg="add mod">
-          <ac:chgData name="Graf Thomas, INI-NET-VNC-HCS" userId="487bc3e3-9ce7-4cdd-b7b4-8899ea88d289" providerId="ADAL" clId="{FF1E8771-B1E8-4CEC-B725-4345F27D3194}" dt="2023-10-29T08:03:44" v="2846" actId="1076"/>
-          <ac:cxnSpMkLst>
-            <pc:docMk/>
-            <pc:sldMk cId="1081037514" sldId="2145706225"/>
-            <ac:cxnSpMk id="47" creationId="{1E3CC50D-6BF1-E751-D746-D130EE998D4B}"/>
-          </ac:cxnSpMkLst>
-        </pc:cxnChg>
-      </pc:sldChg>
-      <pc:sldChg chg="addSp delSp modSp add mod ord">
-        <pc:chgData name="Graf Thomas, INI-NET-VNC-HCS" userId="487bc3e3-9ce7-4cdd-b7b4-8899ea88d289" providerId="ADAL" clId="{FF1E8771-B1E8-4CEC-B725-4345F27D3194}" dt="2023-10-29T08:31:13.021" v="3854" actId="113"/>
-        <pc:sldMkLst>
-          <pc:docMk/>
-          <pc:sldMk cId="3384652948" sldId="2145706226"/>
-        </pc:sldMkLst>
-        <pc:spChg chg="add mod">
-          <ac:chgData name="Graf Thomas, INI-NET-VNC-HCS" userId="487bc3e3-9ce7-4cdd-b7b4-8899ea88d289" providerId="ADAL" clId="{FF1E8771-B1E8-4CEC-B725-4345F27D3194}" dt="2023-10-29T08:30:32.668" v="3850" actId="108"/>
-          <ac:spMkLst>
-            <pc:docMk/>
-            <pc:sldMk cId="3384652948" sldId="2145706226"/>
-            <ac:spMk id="2" creationId="{0E0DAD8A-94CD-EADA-C24A-D442928BA111}"/>
-          </ac:spMkLst>
-        </pc:spChg>
-        <pc:spChg chg="add mod">
-          <ac:chgData name="Graf Thomas, INI-NET-VNC-HCS" userId="487bc3e3-9ce7-4cdd-b7b4-8899ea88d289" providerId="ADAL" clId="{FF1E8771-B1E8-4CEC-B725-4345F27D3194}" dt="2023-10-29T08:31:13.021" v="3854" actId="113"/>
-          <ac:spMkLst>
-            <pc:docMk/>
-            <pc:sldMk cId="3384652948" sldId="2145706226"/>
-            <ac:spMk id="3" creationId="{01913334-AF3D-1C65-5BD7-83A59BC04A95}"/>
-          </ac:spMkLst>
-        </pc:spChg>
-        <pc:spChg chg="add mod">
-          <ac:chgData name="Graf Thomas, INI-NET-VNC-HCS" userId="487bc3e3-9ce7-4cdd-b7b4-8899ea88d289" providerId="ADAL" clId="{FF1E8771-B1E8-4CEC-B725-4345F27D3194}" dt="2023-10-29T08:05:27.480" v="3003" actId="790"/>
-          <ac:spMkLst>
-            <pc:docMk/>
-            <pc:sldMk cId="3384652948" sldId="2145706226"/>
-            <ac:spMk id="4" creationId="{24F2E4A1-9E2D-0EF1-0811-4E46B062701C}"/>
-          </ac:spMkLst>
-        </pc:spChg>
-        <pc:spChg chg="del">
-          <ac:chgData name="Graf Thomas, INI-NET-VNC-HCS" userId="487bc3e3-9ce7-4cdd-b7b4-8899ea88d289" providerId="ADAL" clId="{FF1E8771-B1E8-4CEC-B725-4345F27D3194}" dt="2023-10-28T08:40:29.778" v="293" actId="478"/>
-          <ac:spMkLst>
-            <pc:docMk/>
-            <pc:sldMk cId="3384652948" sldId="2145706226"/>
-            <ac:spMk id="5" creationId="{8CAEE21E-0CF2-4355-A68A-655C5FDE8F93}"/>
-          </ac:spMkLst>
-        </pc:spChg>
-        <pc:spChg chg="mod">
-          <ac:chgData name="Graf Thomas, INI-NET-VNC-HCS" userId="487bc3e3-9ce7-4cdd-b7b4-8899ea88d289" providerId="ADAL" clId="{FF1E8771-B1E8-4CEC-B725-4345F27D3194}" dt="2023-10-29T08:05:27.480" v="3003" actId="790"/>
-          <ac:spMkLst>
-            <pc:docMk/>
-            <pc:sldMk cId="3384652948" sldId="2145706226"/>
-            <ac:spMk id="6" creationId="{024DC3B6-499C-4E15-9336-2F15A0DFB843}"/>
-          </ac:spMkLst>
-        </pc:spChg>
-        <pc:spChg chg="add mod">
-          <ac:chgData name="Graf Thomas, INI-NET-VNC-HCS" userId="487bc3e3-9ce7-4cdd-b7b4-8899ea88d289" providerId="ADAL" clId="{FF1E8771-B1E8-4CEC-B725-4345F27D3194}" dt="2023-10-29T08:05:27.480" v="3003" actId="790"/>
-          <ac:spMkLst>
-            <pc:docMk/>
-            <pc:sldMk cId="3384652948" sldId="2145706226"/>
-            <ac:spMk id="7" creationId="{2727A73F-4E58-7304-CF16-627D8D6C87D5}"/>
-          </ac:spMkLst>
-        </pc:spChg>
-        <pc:spChg chg="add mod">
-          <ac:chgData name="Graf Thomas, INI-NET-VNC-HCS" userId="487bc3e3-9ce7-4cdd-b7b4-8899ea88d289" providerId="ADAL" clId="{FF1E8771-B1E8-4CEC-B725-4345F27D3194}" dt="2023-10-29T08:05:27.480" v="3003" actId="790"/>
-          <ac:spMkLst>
-            <pc:docMk/>
-            <pc:sldMk cId="3384652948" sldId="2145706226"/>
-            <ac:spMk id="8" creationId="{AC97AA67-80C3-B6F7-F631-98BE70FEFABA}"/>
-          </ac:spMkLst>
-        </pc:spChg>
-        <pc:spChg chg="add mod">
-          <ac:chgData name="Graf Thomas, INI-NET-VNC-HCS" userId="487bc3e3-9ce7-4cdd-b7b4-8899ea88d289" providerId="ADAL" clId="{FF1E8771-B1E8-4CEC-B725-4345F27D3194}" dt="2023-10-29T08:05:27.480" v="3003" actId="790"/>
-          <ac:spMkLst>
-            <pc:docMk/>
-            <pc:sldMk cId="3384652948" sldId="2145706226"/>
-            <ac:spMk id="9" creationId="{AE8C7DD3-D1F1-0DFF-EE87-6F292DE4F59F}"/>
-          </ac:spMkLst>
-        </pc:spChg>
-        <pc:spChg chg="add mod">
-          <ac:chgData name="Graf Thomas, INI-NET-VNC-HCS" userId="487bc3e3-9ce7-4cdd-b7b4-8899ea88d289" providerId="ADAL" clId="{FF1E8771-B1E8-4CEC-B725-4345F27D3194}" dt="2023-10-29T08:05:27.480" v="3003" actId="790"/>
-          <ac:spMkLst>
-            <pc:docMk/>
-            <pc:sldMk cId="3384652948" sldId="2145706226"/>
-            <ac:spMk id="12" creationId="{F823DFEB-60B2-6861-BABA-41683121FBF6}"/>
-          </ac:spMkLst>
-        </pc:spChg>
-        <pc:spChg chg="add mod">
-          <ac:chgData name="Graf Thomas, INI-NET-VNC-HCS" userId="487bc3e3-9ce7-4cdd-b7b4-8899ea88d289" providerId="ADAL" clId="{FF1E8771-B1E8-4CEC-B725-4345F27D3194}" dt="2023-10-29T08:05:30.714" v="3004" actId="20577"/>
-          <ac:spMkLst>
-            <pc:docMk/>
-            <pc:sldMk cId="3384652948" sldId="2145706226"/>
-            <ac:spMk id="16" creationId="{2D8B3AFB-4500-052D-4E96-82B4FC5CC5DF}"/>
-          </ac:spMkLst>
-        </pc:spChg>
-        <pc:picChg chg="add mod">
-          <ac:chgData name="Graf Thomas, INI-NET-VNC-HCS" userId="487bc3e3-9ce7-4cdd-b7b4-8899ea88d289" providerId="ADAL" clId="{FF1E8771-B1E8-4CEC-B725-4345F27D3194}" dt="2023-10-29T08:04:20.843" v="2892" actId="1037"/>
-          <ac:picMkLst>
-            <pc:docMk/>
-            <pc:sldMk cId="3384652948" sldId="2145706226"/>
-            <ac:picMk id="10" creationId="{EF8CBE0D-416F-8BAD-1E56-FA9713FABCF5}"/>
-          </ac:picMkLst>
-        </pc:picChg>
-        <pc:picChg chg="add mod">
-          <ac:chgData name="Graf Thomas, INI-NET-VNC-HCS" userId="487bc3e3-9ce7-4cdd-b7b4-8899ea88d289" providerId="ADAL" clId="{FF1E8771-B1E8-4CEC-B725-4345F27D3194}" dt="2023-10-29T08:04:20.843" v="2892" actId="1037"/>
-          <ac:picMkLst>
-            <pc:docMk/>
-            <pc:sldMk cId="3384652948" sldId="2145706226"/>
-            <ac:picMk id="11" creationId="{0B68DB88-2125-5D8A-E234-D104730CD789}"/>
-          </ac:picMkLst>
-        </pc:picChg>
-        <pc:picChg chg="add mod">
-          <ac:chgData name="Graf Thomas, INI-NET-VNC-HCS" userId="487bc3e3-9ce7-4cdd-b7b4-8899ea88d289" providerId="ADAL" clId="{FF1E8771-B1E8-4CEC-B725-4345F27D3194}" dt="2023-10-29T08:04:20.843" v="2892" actId="1037"/>
-          <ac:picMkLst>
-            <pc:docMk/>
-            <pc:sldMk cId="3384652948" sldId="2145706226"/>
-            <ac:picMk id="13" creationId="{F95B0A8A-AF7B-BD55-22AA-98E6E6CF536D}"/>
-          </ac:picMkLst>
-        </pc:picChg>
-        <pc:picChg chg="del">
-          <ac:chgData name="Graf Thomas, INI-NET-VNC-HCS" userId="487bc3e3-9ce7-4cdd-b7b4-8899ea88d289" providerId="ADAL" clId="{FF1E8771-B1E8-4CEC-B725-4345F27D3194}" dt="2023-10-28T08:40:29.778" v="293" actId="478"/>
-          <ac:picMkLst>
-            <pc:docMk/>
-            <pc:sldMk cId="3384652948" sldId="2145706226"/>
-            <ac:picMk id="14" creationId="{791A1741-3313-42A8-1084-2A489832CDC0}"/>
-          </ac:picMkLst>
-        </pc:picChg>
-        <pc:picChg chg="add mod">
-          <ac:chgData name="Graf Thomas, INI-NET-VNC-HCS" userId="487bc3e3-9ce7-4cdd-b7b4-8899ea88d289" providerId="ADAL" clId="{FF1E8771-B1E8-4CEC-B725-4345F27D3194}" dt="2023-10-29T08:04:49.011" v="2958" actId="1036"/>
-          <ac:picMkLst>
-            <pc:docMk/>
-            <pc:sldMk cId="3384652948" sldId="2145706226"/>
-            <ac:picMk id="15" creationId="{D722580C-E14C-C31D-D703-E102C17A75C2}"/>
-          </ac:picMkLst>
-        </pc:picChg>
-      </pc:sldChg>
-      <pc:sldChg chg="addSp delSp modSp add mod">
-        <pc:chgData name="Graf Thomas, INI-NET-VNC-HCS" userId="487bc3e3-9ce7-4cdd-b7b4-8899ea88d289" providerId="ADAL" clId="{FF1E8771-B1E8-4CEC-B725-4345F27D3194}" dt="2023-10-29T08:37:18.583" v="3857" actId="113"/>
-        <pc:sldMkLst>
-          <pc:docMk/>
-          <pc:sldMk cId="4235116615" sldId="2145706227"/>
-        </pc:sldMkLst>
-        <pc:spChg chg="del">
-          <ac:chgData name="Graf Thomas, INI-NET-VNC-HCS" userId="487bc3e3-9ce7-4cdd-b7b4-8899ea88d289" providerId="ADAL" clId="{FF1E8771-B1E8-4CEC-B725-4345F27D3194}" dt="2023-10-28T08:49:26.480" v="390" actId="478"/>
-          <ac:spMkLst>
-            <pc:docMk/>
-            <pc:sldMk cId="4235116615" sldId="2145706227"/>
-            <ac:spMk id="2" creationId="{0E0DAD8A-94CD-EADA-C24A-D442928BA111}"/>
-          </ac:spMkLst>
-        </pc:spChg>
-        <pc:spChg chg="del mod">
-          <ac:chgData name="Graf Thomas, INI-NET-VNC-HCS" userId="487bc3e3-9ce7-4cdd-b7b4-8899ea88d289" providerId="ADAL" clId="{FF1E8771-B1E8-4CEC-B725-4345F27D3194}" dt="2023-10-28T08:48:36.620" v="379" actId="21"/>
-          <ac:spMkLst>
-            <pc:docMk/>
-            <pc:sldMk cId="4235116615" sldId="2145706227"/>
-            <ac:spMk id="3" creationId="{01913334-AF3D-1C65-5BD7-83A59BC04A95}"/>
-          </ac:spMkLst>
-        </pc:spChg>
-        <pc:spChg chg="del">
-          <ac:chgData name="Graf Thomas, INI-NET-VNC-HCS" userId="487bc3e3-9ce7-4cdd-b7b4-8899ea88d289" providerId="ADAL" clId="{FF1E8771-B1E8-4CEC-B725-4345F27D3194}" dt="2023-10-28T08:48:50.033" v="380" actId="478"/>
-          <ac:spMkLst>
-            <pc:docMk/>
-            <pc:sldMk cId="4235116615" sldId="2145706227"/>
-            <ac:spMk id="4" creationId="{24F2E4A1-9E2D-0EF1-0811-4E46B062701C}"/>
-          </ac:spMkLst>
-        </pc:spChg>
-        <pc:spChg chg="add mod">
-          <ac:chgData name="Graf Thomas, INI-NET-VNC-HCS" userId="487bc3e3-9ce7-4cdd-b7b4-8899ea88d289" providerId="ADAL" clId="{FF1E8771-B1E8-4CEC-B725-4345F27D3194}" dt="2023-10-29T08:37:18.583" v="3857" actId="113"/>
-          <ac:spMkLst>
-            <pc:docMk/>
-            <pc:sldMk cId="4235116615" sldId="2145706227"/>
-            <ac:spMk id="5" creationId="{0194B37B-813A-99FE-7B78-4D87D8C30D44}"/>
-          </ac:spMkLst>
-        </pc:spChg>
-        <pc:spChg chg="del">
-          <ac:chgData name="Graf Thomas, INI-NET-VNC-HCS" userId="487bc3e3-9ce7-4cdd-b7b4-8899ea88d289" providerId="ADAL" clId="{FF1E8771-B1E8-4CEC-B725-4345F27D3194}" dt="2023-10-28T08:48:50.033" v="380" actId="478"/>
-          <ac:spMkLst>
-            <pc:docMk/>
-            <pc:sldMk cId="4235116615" sldId="2145706227"/>
-            <ac:spMk id="7" creationId="{2727A73F-4E58-7304-CF16-627D8D6C87D5}"/>
-          </ac:spMkLst>
-        </pc:spChg>
-        <pc:spChg chg="del">
-          <ac:chgData name="Graf Thomas, INI-NET-VNC-HCS" userId="487bc3e3-9ce7-4cdd-b7b4-8899ea88d289" providerId="ADAL" clId="{FF1E8771-B1E8-4CEC-B725-4345F27D3194}" dt="2023-10-28T08:48:50.033" v="380" actId="478"/>
-          <ac:spMkLst>
-            <pc:docMk/>
-            <pc:sldMk cId="4235116615" sldId="2145706227"/>
-            <ac:spMk id="8" creationId="{AC97AA67-80C3-B6F7-F631-98BE70FEFABA}"/>
-          </ac:spMkLst>
-        </pc:spChg>
-        <pc:spChg chg="del">
-          <ac:chgData name="Graf Thomas, INI-NET-VNC-HCS" userId="487bc3e3-9ce7-4cdd-b7b4-8899ea88d289" providerId="ADAL" clId="{FF1E8771-B1E8-4CEC-B725-4345F27D3194}" dt="2023-10-28T08:48:50.033" v="380" actId="478"/>
-          <ac:spMkLst>
-            <pc:docMk/>
-            <pc:sldMk cId="4235116615" sldId="2145706227"/>
-            <ac:spMk id="9" creationId="{AE8C7DD3-D1F1-0DFF-EE87-6F292DE4F59F}"/>
-          </ac:spMkLst>
-        </pc:spChg>
-        <pc:spChg chg="del">
-          <ac:chgData name="Graf Thomas, INI-NET-VNC-HCS" userId="487bc3e3-9ce7-4cdd-b7b4-8899ea88d289" providerId="ADAL" clId="{FF1E8771-B1E8-4CEC-B725-4345F27D3194}" dt="2023-10-28T08:48:50.033" v="380" actId="478"/>
-          <ac:spMkLst>
-            <pc:docMk/>
-            <pc:sldMk cId="4235116615" sldId="2145706227"/>
-            <ac:spMk id="12" creationId="{F823DFEB-60B2-6861-BABA-41683121FBF6}"/>
-          </ac:spMkLst>
-        </pc:spChg>
-        <pc:spChg chg="add del mod">
-          <ac:chgData name="Graf Thomas, INI-NET-VNC-HCS" userId="487bc3e3-9ce7-4cdd-b7b4-8899ea88d289" providerId="ADAL" clId="{FF1E8771-B1E8-4CEC-B725-4345F27D3194}" dt="2023-10-28T08:50:31.377" v="398" actId="478"/>
-          <ac:spMkLst>
-            <pc:docMk/>
-            <pc:sldMk cId="4235116615" sldId="2145706227"/>
-            <ac:spMk id="16" creationId="{C1705712-54CE-C75B-B19E-EE932C9DC9A8}"/>
-          </ac:spMkLst>
-        </pc:spChg>
-        <pc:spChg chg="add mod">
-          <ac:chgData name="Graf Thomas, INI-NET-VNC-HCS" userId="487bc3e3-9ce7-4cdd-b7b4-8899ea88d289" providerId="ADAL" clId="{FF1E8771-B1E8-4CEC-B725-4345F27D3194}" dt="2023-10-29T08:07:38.980" v="3084" actId="1076"/>
-          <ac:spMkLst>
-            <pc:docMk/>
-            <pc:sldMk cId="4235116615" sldId="2145706227"/>
-            <ac:spMk id="18" creationId="{B283EDB4-CFDF-D6B9-8AF9-9CFA563360E3}"/>
-          </ac:spMkLst>
-        </pc:spChg>
-        <pc:spChg chg="add mod">
-          <ac:chgData name="Graf Thomas, INI-NET-VNC-HCS" userId="487bc3e3-9ce7-4cdd-b7b4-8899ea88d289" providerId="ADAL" clId="{FF1E8771-B1E8-4CEC-B725-4345F27D3194}" dt="2023-10-29T08:08:36.678" v="3098" actId="207"/>
-          <ac:spMkLst>
-            <pc:docMk/>
-            <pc:sldMk cId="4235116615" sldId="2145706227"/>
-            <ac:spMk id="19" creationId="{56D79134-17A9-8BC8-B7D0-97BCFFB9A6B2}"/>
-          </ac:spMkLst>
-        </pc:spChg>
-        <pc:picChg chg="del">
-          <ac:chgData name="Graf Thomas, INI-NET-VNC-HCS" userId="487bc3e3-9ce7-4cdd-b7b4-8899ea88d289" providerId="ADAL" clId="{FF1E8771-B1E8-4CEC-B725-4345F27D3194}" dt="2023-10-28T08:48:50.033" v="380" actId="478"/>
-          <ac:picMkLst>
-            <pc:docMk/>
-            <pc:sldMk cId="4235116615" sldId="2145706227"/>
-            <ac:picMk id="10" creationId="{EF8CBE0D-416F-8BAD-1E56-FA9713FABCF5}"/>
-          </ac:picMkLst>
-        </pc:picChg>
-        <pc:picChg chg="del">
-          <ac:chgData name="Graf Thomas, INI-NET-VNC-HCS" userId="487bc3e3-9ce7-4cdd-b7b4-8899ea88d289" providerId="ADAL" clId="{FF1E8771-B1E8-4CEC-B725-4345F27D3194}" dt="2023-10-28T08:48:50.033" v="380" actId="478"/>
-          <ac:picMkLst>
-            <pc:docMk/>
-            <pc:sldMk cId="4235116615" sldId="2145706227"/>
-            <ac:picMk id="11" creationId="{0B68DB88-2125-5D8A-E234-D104730CD789}"/>
-          </ac:picMkLst>
-        </pc:picChg>
-        <pc:picChg chg="del">
-          <ac:chgData name="Graf Thomas, INI-NET-VNC-HCS" userId="487bc3e3-9ce7-4cdd-b7b4-8899ea88d289" providerId="ADAL" clId="{FF1E8771-B1E8-4CEC-B725-4345F27D3194}" dt="2023-10-28T08:48:50.033" v="380" actId="478"/>
-          <ac:picMkLst>
-            <pc:docMk/>
-            <pc:sldMk cId="4235116615" sldId="2145706227"/>
-            <ac:picMk id="13" creationId="{F95B0A8A-AF7B-BD55-22AA-98E6E6CF536D}"/>
-          </ac:picMkLst>
-        </pc:picChg>
-        <pc:picChg chg="del">
-          <ac:chgData name="Graf Thomas, INI-NET-VNC-HCS" userId="487bc3e3-9ce7-4cdd-b7b4-8899ea88d289" providerId="ADAL" clId="{FF1E8771-B1E8-4CEC-B725-4345F27D3194}" dt="2023-10-28T08:49:21.736" v="389" actId="478"/>
-          <ac:picMkLst>
-            <pc:docMk/>
-            <pc:sldMk cId="4235116615" sldId="2145706227"/>
-            <ac:picMk id="15" creationId="{D722580C-E14C-C31D-D703-E102C17A75C2}"/>
-          </ac:picMkLst>
-        </pc:picChg>
-      </pc:sldChg>
-      <pc:sldChg chg="modSp add del mod">
-        <pc:chgData name="Graf Thomas, INI-NET-VNC-HCS" userId="487bc3e3-9ce7-4cdd-b7b4-8899ea88d289" providerId="ADAL" clId="{FF1E8771-B1E8-4CEC-B725-4345F27D3194}" dt="2023-10-29T08:09:34.611" v="3105" actId="2696"/>
-        <pc:sldMkLst>
-          <pc:docMk/>
-          <pc:sldMk cId="1555683917" sldId="2145706228"/>
-        </pc:sldMkLst>
-        <pc:spChg chg="mod">
-          <ac:chgData name="Graf Thomas, INI-NET-VNC-HCS" userId="487bc3e3-9ce7-4cdd-b7b4-8899ea88d289" providerId="ADAL" clId="{FF1E8771-B1E8-4CEC-B725-4345F27D3194}" dt="2023-10-28T08:54:47.304" v="430" actId="6549"/>
-          <ac:spMkLst>
-            <pc:docMk/>
-            <pc:sldMk cId="1555683917" sldId="2145706228"/>
-            <ac:spMk id="5" creationId="{0194B37B-813A-99FE-7B78-4D87D8C30D44}"/>
-          </ac:spMkLst>
-        </pc:spChg>
-        <pc:spChg chg="mod">
-          <ac:chgData name="Graf Thomas, INI-NET-VNC-HCS" userId="487bc3e3-9ce7-4cdd-b7b4-8899ea88d289" providerId="ADAL" clId="{FF1E8771-B1E8-4CEC-B725-4345F27D3194}" dt="2023-10-28T08:56:15.765" v="440" actId="20577"/>
-          <ac:spMkLst>
-            <pc:docMk/>
-            <pc:sldMk cId="1555683917" sldId="2145706228"/>
-            <ac:spMk id="18" creationId="{B283EDB4-CFDF-D6B9-8AF9-9CFA563360E3}"/>
-          </ac:spMkLst>
-        </pc:spChg>
-      </pc:sldChg>
-      <pc:sldChg chg="addSp delSp modSp add del mod">
-        <pc:chgData name="Graf Thomas, INI-NET-VNC-HCS" userId="487bc3e3-9ce7-4cdd-b7b4-8899ea88d289" providerId="ADAL" clId="{FF1E8771-B1E8-4CEC-B725-4345F27D3194}" dt="2023-10-29T08:23:29.627" v="3785" actId="2696"/>
-        <pc:sldMkLst>
-          <pc:docMk/>
-          <pc:sldMk cId="3961431955" sldId="2145706229"/>
-        </pc:sldMkLst>
-        <pc:spChg chg="add del mod">
-          <ac:chgData name="Graf Thomas, INI-NET-VNC-HCS" userId="487bc3e3-9ce7-4cdd-b7b4-8899ea88d289" providerId="ADAL" clId="{FF1E8771-B1E8-4CEC-B725-4345F27D3194}" dt="2023-10-28T09:06:11.606" v="1204" actId="478"/>
-          <ac:spMkLst>
-            <pc:docMk/>
-            <pc:sldMk cId="3961431955" sldId="2145706229"/>
-            <ac:spMk id="3" creationId="{9463888C-F368-0D7F-11DF-2722F3E5392C}"/>
-          </ac:spMkLst>
-        </pc:spChg>
-        <pc:spChg chg="mod">
-          <ac:chgData name="Graf Thomas, INI-NET-VNC-HCS" userId="487bc3e3-9ce7-4cdd-b7b4-8899ea88d289" providerId="ADAL" clId="{FF1E8771-B1E8-4CEC-B725-4345F27D3194}" dt="2023-10-29T07:42:02.296" v="2548" actId="14100"/>
-          <ac:spMkLst>
-            <pc:docMk/>
-            <pc:sldMk cId="3961431955" sldId="2145706229"/>
-            <ac:spMk id="5" creationId="{0194B37B-813A-99FE-7B78-4D87D8C30D44}"/>
-          </ac:spMkLst>
-        </pc:spChg>
-        <pc:spChg chg="del mod">
-          <ac:chgData name="Graf Thomas, INI-NET-VNC-HCS" userId="487bc3e3-9ce7-4cdd-b7b4-8899ea88d289" providerId="ADAL" clId="{FF1E8771-B1E8-4CEC-B725-4345F27D3194}" dt="2023-10-28T09:31:59.117" v="2322" actId="478"/>
-          <ac:spMkLst>
-            <pc:docMk/>
-            <pc:sldMk cId="3961431955" sldId="2145706229"/>
-            <ac:spMk id="18" creationId="{B283EDB4-CFDF-D6B9-8AF9-9CFA563360E3}"/>
-          </ac:spMkLst>
-        </pc:spChg>
-      </pc:sldChg>
-      <pc:sldChg chg="modSp add del mod">
-        <pc:chgData name="Graf Thomas, INI-NET-VNC-HCS" userId="487bc3e3-9ce7-4cdd-b7b4-8899ea88d289" providerId="ADAL" clId="{FF1E8771-B1E8-4CEC-B725-4345F27D3194}" dt="2023-10-29T08:25:24.199" v="3806" actId="2696"/>
-        <pc:sldMkLst>
-          <pc:docMk/>
-          <pc:sldMk cId="722930201" sldId="2145706230"/>
-        </pc:sldMkLst>
-        <pc:spChg chg="mod">
-          <ac:chgData name="Graf Thomas, INI-NET-VNC-HCS" userId="487bc3e3-9ce7-4cdd-b7b4-8899ea88d289" providerId="ADAL" clId="{FF1E8771-B1E8-4CEC-B725-4345F27D3194}" dt="2023-10-28T09:35:11.064" v="2450" actId="20577"/>
-          <ac:spMkLst>
-            <pc:docMk/>
-            <pc:sldMk cId="722930201" sldId="2145706230"/>
-            <ac:spMk id="5" creationId="{0194B37B-813A-99FE-7B78-4D87D8C30D44}"/>
-          </ac:spMkLst>
-        </pc:spChg>
-        <pc:spChg chg="mod">
-          <ac:chgData name="Graf Thomas, INI-NET-VNC-HCS" userId="487bc3e3-9ce7-4cdd-b7b4-8899ea88d289" providerId="ADAL" clId="{FF1E8771-B1E8-4CEC-B725-4345F27D3194}" dt="2023-10-28T09:16:39.012" v="1496" actId="1076"/>
-          <ac:spMkLst>
-            <pc:docMk/>
-            <pc:sldMk cId="722930201" sldId="2145706230"/>
-            <ac:spMk id="18" creationId="{B283EDB4-CFDF-D6B9-8AF9-9CFA563360E3}"/>
-          </ac:spMkLst>
-        </pc:spChg>
-      </pc:sldChg>
-      <pc:sldChg chg="modSp add del mod">
-        <pc:chgData name="Graf Thomas, INI-NET-VNC-HCS" userId="487bc3e3-9ce7-4cdd-b7b4-8899ea88d289" providerId="ADAL" clId="{FF1E8771-B1E8-4CEC-B725-4345F27D3194}" dt="2023-10-29T08:39:02.145" v="3871" actId="47"/>
-        <pc:sldMkLst>
-          <pc:docMk/>
-          <pc:sldMk cId="3784233057" sldId="2145706231"/>
-        </pc:sldMkLst>
-        <pc:spChg chg="mod">
-          <ac:chgData name="Graf Thomas, INI-NET-VNC-HCS" userId="487bc3e3-9ce7-4cdd-b7b4-8899ea88d289" providerId="ADAL" clId="{FF1E8771-B1E8-4CEC-B725-4345F27D3194}" dt="2023-10-28T09:25:27.862" v="1957" actId="20577"/>
-          <ac:spMkLst>
-            <pc:docMk/>
-            <pc:sldMk cId="3784233057" sldId="2145706231"/>
-            <ac:spMk id="5" creationId="{0194B37B-813A-99FE-7B78-4D87D8C30D44}"/>
-          </ac:spMkLst>
-        </pc:spChg>
-      </pc:sldChg>
-      <pc:sldChg chg="modSp add mod">
-        <pc:chgData name="Graf Thomas, INI-NET-VNC-HCS" userId="487bc3e3-9ce7-4cdd-b7b4-8899ea88d289" providerId="ADAL" clId="{FF1E8771-B1E8-4CEC-B725-4345F27D3194}" dt="2023-10-29T08:37:32.982" v="3860" actId="113"/>
-        <pc:sldMkLst>
-          <pc:docMk/>
-          <pc:sldMk cId="508096634" sldId="2145706232"/>
-        </pc:sldMkLst>
-        <pc:spChg chg="mod">
-          <ac:chgData name="Graf Thomas, INI-NET-VNC-HCS" userId="487bc3e3-9ce7-4cdd-b7b4-8899ea88d289" providerId="ADAL" clId="{FF1E8771-B1E8-4CEC-B725-4345F27D3194}" dt="2023-10-29T08:37:32.982" v="3860" actId="113"/>
-          <ac:spMkLst>
-            <pc:docMk/>
-            <pc:sldMk cId="508096634" sldId="2145706232"/>
-            <ac:spMk id="5" creationId="{0194B37B-813A-99FE-7B78-4D87D8C30D44}"/>
-          </ac:spMkLst>
-        </pc:spChg>
-        <pc:spChg chg="mod">
-          <ac:chgData name="Graf Thomas, INI-NET-VNC-HCS" userId="487bc3e3-9ce7-4cdd-b7b4-8899ea88d289" providerId="ADAL" clId="{FF1E8771-B1E8-4CEC-B725-4345F27D3194}" dt="2023-10-29T08:09:19.749" v="3103" actId="207"/>
-          <ac:spMkLst>
-            <pc:docMk/>
-            <pc:sldMk cId="508096634" sldId="2145706232"/>
-            <ac:spMk id="18" creationId="{B283EDB4-CFDF-D6B9-8AF9-9CFA563360E3}"/>
-          </ac:spMkLst>
-        </pc:spChg>
-        <pc:spChg chg="mod">
-          <ac:chgData name="Graf Thomas, INI-NET-VNC-HCS" userId="487bc3e3-9ce7-4cdd-b7b4-8899ea88d289" providerId="ADAL" clId="{FF1E8771-B1E8-4CEC-B725-4345F27D3194}" dt="2023-10-29T08:08:41.157" v="3099" actId="207"/>
-          <ac:spMkLst>
-            <pc:docMk/>
-            <pc:sldMk cId="508096634" sldId="2145706232"/>
-            <ac:spMk id="19" creationId="{56D79134-17A9-8BC8-B7D0-97BCFFB9A6B2}"/>
-          </ac:spMkLst>
-        </pc:spChg>
-      </pc:sldChg>
-      <pc:sldChg chg="delSp modSp add mod">
-        <pc:chgData name="Graf Thomas, INI-NET-VNC-HCS" userId="487bc3e3-9ce7-4cdd-b7b4-8899ea88d289" providerId="ADAL" clId="{FF1E8771-B1E8-4CEC-B725-4345F27D3194}" dt="2023-10-29T08:37:52.353" v="3865" actId="207"/>
-        <pc:sldMkLst>
-          <pc:docMk/>
-          <pc:sldMk cId="1609255611" sldId="2145706233"/>
-        </pc:sldMkLst>
-        <pc:spChg chg="mod">
-          <ac:chgData name="Graf Thomas, INI-NET-VNC-HCS" userId="487bc3e3-9ce7-4cdd-b7b4-8899ea88d289" providerId="ADAL" clId="{FF1E8771-B1E8-4CEC-B725-4345F27D3194}" dt="2023-10-29T08:37:45.393" v="3864" actId="113"/>
-          <ac:spMkLst>
-            <pc:docMk/>
-            <pc:sldMk cId="1609255611" sldId="2145706233"/>
-            <ac:spMk id="5" creationId="{0194B37B-813A-99FE-7B78-4D87D8C30D44}"/>
-          </ac:spMkLst>
-        </pc:spChg>
-        <pc:spChg chg="del">
-          <ac:chgData name="Graf Thomas, INI-NET-VNC-HCS" userId="487bc3e3-9ce7-4cdd-b7b4-8899ea88d289" providerId="ADAL" clId="{FF1E8771-B1E8-4CEC-B725-4345F27D3194}" dt="2023-10-29T08:23:18.091" v="3782" actId="478"/>
-          <ac:spMkLst>
-            <pc:docMk/>
-            <pc:sldMk cId="1609255611" sldId="2145706233"/>
-            <ac:spMk id="18" creationId="{B283EDB4-CFDF-D6B9-8AF9-9CFA563360E3}"/>
-          </ac:spMkLst>
-        </pc:spChg>
-        <pc:spChg chg="mod">
-          <ac:chgData name="Graf Thomas, INI-NET-VNC-HCS" userId="487bc3e3-9ce7-4cdd-b7b4-8899ea88d289" providerId="ADAL" clId="{FF1E8771-B1E8-4CEC-B725-4345F27D3194}" dt="2023-10-29T08:37:52.353" v="3865" actId="207"/>
-          <ac:spMkLst>
-            <pc:docMk/>
-            <pc:sldMk cId="1609255611" sldId="2145706233"/>
-            <ac:spMk id="19" creationId="{56D79134-17A9-8BC8-B7D0-97BCFFB9A6B2}"/>
-          </ac:spMkLst>
-        </pc:spChg>
-      </pc:sldChg>
-      <pc:sldChg chg="modSp add mod ord">
-        <pc:chgData name="Graf Thomas, INI-NET-VNC-HCS" userId="487bc3e3-9ce7-4cdd-b7b4-8899ea88d289" providerId="ADAL" clId="{FF1E8771-B1E8-4CEC-B725-4345F27D3194}" dt="2023-10-29T08:45:08.885" v="4020"/>
-        <pc:sldMkLst>
-          <pc:docMk/>
-          <pc:sldMk cId="663711217" sldId="2145706234"/>
-        </pc:sldMkLst>
-        <pc:spChg chg="mod">
-          <ac:chgData name="Graf Thomas, INI-NET-VNC-HCS" userId="487bc3e3-9ce7-4cdd-b7b4-8899ea88d289" providerId="ADAL" clId="{FF1E8771-B1E8-4CEC-B725-4345F27D3194}" dt="2023-10-29T08:44:47.065" v="4016" actId="113"/>
-          <ac:spMkLst>
-            <pc:docMk/>
-            <pc:sldMk cId="663711217" sldId="2145706234"/>
-            <ac:spMk id="5" creationId="{0194B37B-813A-99FE-7B78-4D87D8C30D44}"/>
-          </ac:spMkLst>
-        </pc:spChg>
-        <pc:spChg chg="mod">
-          <ac:chgData name="Graf Thomas, INI-NET-VNC-HCS" userId="487bc3e3-9ce7-4cdd-b7b4-8899ea88d289" providerId="ADAL" clId="{FF1E8771-B1E8-4CEC-B725-4345F27D3194}" dt="2023-10-29T08:28:43.114" v="3846" actId="207"/>
-          <ac:spMkLst>
-            <pc:docMk/>
-            <pc:sldMk cId="663711217" sldId="2145706234"/>
-            <ac:spMk id="18" creationId="{B283EDB4-CFDF-D6B9-8AF9-9CFA563360E3}"/>
-          </ac:spMkLst>
-        </pc:spChg>
-        <pc:spChg chg="mod">
-          <ac:chgData name="Graf Thomas, INI-NET-VNC-HCS" userId="487bc3e3-9ce7-4cdd-b7b4-8899ea88d289" providerId="ADAL" clId="{FF1E8771-B1E8-4CEC-B725-4345F27D3194}" dt="2023-10-29T08:25:02.434" v="3803" actId="207"/>
-          <ac:spMkLst>
-            <pc:docMk/>
-            <pc:sldMk cId="663711217" sldId="2145706234"/>
-            <ac:spMk id="19" creationId="{56D79134-17A9-8BC8-B7D0-97BCFFB9A6B2}"/>
-          </ac:spMkLst>
-        </pc:spChg>
-      </pc:sldChg>
-      <pc:sldChg chg="addSp delSp modSp add mod">
-        <pc:chgData name="Graf Thomas, INI-NET-VNC-HCS" userId="487bc3e3-9ce7-4cdd-b7b4-8899ea88d289" providerId="ADAL" clId="{FF1E8771-B1E8-4CEC-B725-4345F27D3194}" dt="2023-10-29T08:55:26.855" v="4218" actId="20577"/>
-        <pc:sldMkLst>
-          <pc:docMk/>
-          <pc:sldMk cId="2256840188" sldId="2145706235"/>
-        </pc:sldMkLst>
-        <pc:spChg chg="mod">
-          <ac:chgData name="Graf Thomas, INI-NET-VNC-HCS" userId="487bc3e3-9ce7-4cdd-b7b4-8899ea88d289" providerId="ADAL" clId="{FF1E8771-B1E8-4CEC-B725-4345F27D3194}" dt="2023-10-29T08:55:26.855" v="4218" actId="20577"/>
-          <ac:spMkLst>
-            <pc:docMk/>
-            <pc:sldMk cId="2256840188" sldId="2145706235"/>
-            <ac:spMk id="6" creationId="{ABB61075-2877-B162-7D8F-97EC17B8DF39}"/>
-          </ac:spMkLst>
-        </pc:spChg>
-        <pc:spChg chg="add del mod">
-          <ac:chgData name="Graf Thomas, INI-NET-VNC-HCS" userId="487bc3e3-9ce7-4cdd-b7b4-8899ea88d289" providerId="ADAL" clId="{FF1E8771-B1E8-4CEC-B725-4345F27D3194}" dt="2023-10-29T08:54:14.949" v="4162" actId="14100"/>
-          <ac:spMkLst>
-            <pc:docMk/>
-            <pc:sldMk cId="2256840188" sldId="2145706235"/>
-            <ac:spMk id="7" creationId="{E751AA3A-A181-4E76-CC75-041686EB2C20}"/>
-          </ac:spMkLst>
-        </pc:spChg>
-        <pc:spChg chg="mod">
-          <ac:chgData name="Graf Thomas, INI-NET-VNC-HCS" userId="487bc3e3-9ce7-4cdd-b7b4-8899ea88d289" providerId="ADAL" clId="{FF1E8771-B1E8-4CEC-B725-4345F27D3194}" dt="2023-10-29T08:54:18.551" v="4163" actId="1076"/>
-          <ac:spMkLst>
-            <pc:docMk/>
-            <pc:sldMk cId="2256840188" sldId="2145706235"/>
-            <ac:spMk id="8" creationId="{8F5B7433-6C2C-9F79-E743-B4F7F3199C49}"/>
-          </ac:spMkLst>
-        </pc:spChg>
-        <pc:spChg chg="add del">
-          <ac:chgData name="Graf Thomas, INI-NET-VNC-HCS" userId="487bc3e3-9ce7-4cdd-b7b4-8899ea88d289" providerId="ADAL" clId="{FF1E8771-B1E8-4CEC-B725-4345F27D3194}" dt="2023-10-29T08:54:06.206" v="4159" actId="478"/>
-          <ac:spMkLst>
-            <pc:docMk/>
-            <pc:sldMk cId="2256840188" sldId="2145706235"/>
-            <ac:spMk id="9" creationId="{94BED9E1-5205-DBA5-3A77-348AA6C3053F}"/>
-          </ac:spMkLst>
-        </pc:spChg>
-        <pc:spChg chg="add del">
-          <ac:chgData name="Graf Thomas, INI-NET-VNC-HCS" userId="487bc3e3-9ce7-4cdd-b7b4-8899ea88d289" providerId="ADAL" clId="{FF1E8771-B1E8-4CEC-B725-4345F27D3194}" dt="2023-10-29T08:54:20.153" v="4164" actId="478"/>
-          <ac:spMkLst>
-            <pc:docMk/>
-            <pc:sldMk cId="2256840188" sldId="2145706235"/>
-            <ac:spMk id="12" creationId="{90965FCC-A737-3300-B8E1-B0BE166E90FD}"/>
-          </ac:spMkLst>
-        </pc:spChg>
-        <pc:spChg chg="mod">
-          <ac:chgData name="Graf Thomas, INI-NET-VNC-HCS" userId="487bc3e3-9ce7-4cdd-b7b4-8899ea88d289" providerId="ADAL" clId="{FF1E8771-B1E8-4CEC-B725-4345F27D3194}" dt="2023-10-29T08:53:35.047" v="4147" actId="20577"/>
-          <ac:spMkLst>
-            <pc:docMk/>
-            <pc:sldMk cId="2256840188" sldId="2145706235"/>
-            <ac:spMk id="17" creationId="{8F78EE4C-6EFD-4363-A98F-3E5608669DF5}"/>
-          </ac:spMkLst>
-        </pc:spChg>
-        <pc:spChg chg="mod">
-          <ac:chgData name="Graf Thomas, INI-NET-VNC-HCS" userId="487bc3e3-9ce7-4cdd-b7b4-8899ea88d289" providerId="ADAL" clId="{FF1E8771-B1E8-4CEC-B725-4345F27D3194}" dt="2023-10-29T08:53:45.290" v="4148" actId="14100"/>
-          <ac:spMkLst>
-            <pc:docMk/>
-            <pc:sldMk cId="2256840188" sldId="2145706235"/>
-            <ac:spMk id="19" creationId="{B0AC9776-B227-44FD-A2AC-1FDE0B6F1445}"/>
-          </ac:spMkLst>
-        </pc:spChg>
-        <pc:cxnChg chg="del">
-          <ac:chgData name="Graf Thomas, INI-NET-VNC-HCS" userId="487bc3e3-9ce7-4cdd-b7b4-8899ea88d289" providerId="ADAL" clId="{FF1E8771-B1E8-4CEC-B725-4345F27D3194}" dt="2023-10-29T08:54:22.543" v="4165" actId="478"/>
-          <ac:cxnSpMkLst>
-            <pc:docMk/>
-            <pc:sldMk cId="2256840188" sldId="2145706235"/>
-            <ac:cxnSpMk id="14" creationId="{971CE727-7DCB-9E98-7B9C-B1ACC28EC9FF}"/>
-          </ac:cxnSpMkLst>
-        </pc:cxnChg>
-      </pc:sldChg>
-      <pc:sldMasterChg chg="delSldLayout">
-        <pc:chgData name="Graf Thomas, INI-NET-VNC-HCS" userId="487bc3e3-9ce7-4cdd-b7b4-8899ea88d289" providerId="ADAL" clId="{FF1E8771-B1E8-4CEC-B725-4345F27D3194}" dt="2023-10-28T09:18:13.119" v="1521" actId="47"/>
-        <pc:sldMasterMkLst>
-          <pc:docMk/>
-          <pc:sldMasterMk cId="1575956613" sldId="2147483648"/>
-        </pc:sldMasterMkLst>
-        <pc:sldLayoutChg chg="del">
-          <pc:chgData name="Graf Thomas, INI-NET-VNC-HCS" userId="487bc3e3-9ce7-4cdd-b7b4-8899ea88d289" providerId="ADAL" clId="{FF1E8771-B1E8-4CEC-B725-4345F27D3194}" dt="2023-10-28T09:18:13.119" v="1521" actId="47"/>
-          <pc:sldLayoutMkLst>
-            <pc:docMk/>
-            <pc:sldMasterMk cId="1575956613" sldId="2147483648"/>
-            <pc:sldLayoutMk cId="3135829309" sldId="2147483661"/>
-          </pc:sldLayoutMkLst>
-        </pc:sldLayoutChg>
-      </pc:sldMasterChg>
-    </pc:docChg>
-  </pc:docChgLst>
-  <pc:docChgLst>
-    <pc:chgData name="Graf Thomas, INI-NET-VNC-HCS" userId="487bc3e3-9ce7-4cdd-b7b4-8899ea88d289" providerId="ADAL" clId="{01AC2C85-998E-4AD4-9ACA-8A8578A23497}"/>
-    <pc:docChg chg="undo custSel addSld delSld modSld sldOrd">
-      <pc:chgData name="Graf Thomas, INI-NET-VNC-HCS" userId="487bc3e3-9ce7-4cdd-b7b4-8899ea88d289" providerId="ADAL" clId="{01AC2C85-998E-4AD4-9ACA-8A8578A23497}" dt="2024-03-05T13:36:55.836" v="656" actId="207"/>
-      <pc:docMkLst>
-        <pc:docMk/>
-      </pc:docMkLst>
-      <pc:sldChg chg="modSp mod">
-        <pc:chgData name="Graf Thomas, INI-NET-VNC-HCS" userId="487bc3e3-9ce7-4cdd-b7b4-8899ea88d289" providerId="ADAL" clId="{01AC2C85-998E-4AD4-9ACA-8A8578A23497}" dt="2024-03-05T12:01:30.637" v="32" actId="20577"/>
-        <pc:sldMkLst>
-          <pc:docMk/>
-          <pc:sldMk cId="3578665336" sldId="1041"/>
-        </pc:sldMkLst>
-        <pc:spChg chg="mod">
-          <ac:chgData name="Graf Thomas, INI-NET-VNC-HCS" userId="487bc3e3-9ce7-4cdd-b7b4-8899ea88d289" providerId="ADAL" clId="{01AC2C85-998E-4AD4-9ACA-8A8578A23497}" dt="2024-03-05T12:01:18.571" v="7" actId="20577"/>
-          <ac:spMkLst>
-            <pc:docMk/>
-            <pc:sldMk cId="3578665336" sldId="1041"/>
-            <ac:spMk id="5" creationId="{C26208B2-0D10-4C23-B2DE-372A62E98644}"/>
-          </ac:spMkLst>
-        </pc:spChg>
-        <pc:spChg chg="mod">
-          <ac:chgData name="Graf Thomas, INI-NET-VNC-HCS" userId="487bc3e3-9ce7-4cdd-b7b4-8899ea88d289" providerId="ADAL" clId="{01AC2C85-998E-4AD4-9ACA-8A8578A23497}" dt="2024-03-05T12:01:30.637" v="32" actId="20577"/>
-          <ac:spMkLst>
-            <pc:docMk/>
-            <pc:sldMk cId="3578665336" sldId="1041"/>
-            <ac:spMk id="6" creationId="{6CAA0765-1318-4A03-8F91-D3ECC43D8FA7}"/>
-          </ac:spMkLst>
-        </pc:spChg>
-      </pc:sldChg>
-      <pc:sldChg chg="modSp mod">
-        <pc:chgData name="Graf Thomas, INI-NET-VNC-HCS" userId="487bc3e3-9ce7-4cdd-b7b4-8899ea88d289" providerId="ADAL" clId="{01AC2C85-998E-4AD4-9ACA-8A8578A23497}" dt="2024-03-05T13:36:55.836" v="656" actId="207"/>
-        <pc:sldMkLst>
-          <pc:docMk/>
-          <pc:sldMk cId="2578889968" sldId="26415"/>
-        </pc:sldMkLst>
-        <pc:spChg chg="mod">
-          <ac:chgData name="Graf Thomas, INI-NET-VNC-HCS" userId="487bc3e3-9ce7-4cdd-b7b4-8899ea88d289" providerId="ADAL" clId="{01AC2C85-998E-4AD4-9ACA-8A8578A23497}" dt="2024-03-05T13:36:55.836" v="656" actId="207"/>
-          <ac:spMkLst>
-            <pc:docMk/>
-            <pc:sldMk cId="2578889968" sldId="26415"/>
-            <ac:spMk id="3" creationId="{29C0DFD4-432D-4B0C-93DF-790441DCF5B9}"/>
-          </ac:spMkLst>
-        </pc:spChg>
-        <pc:spChg chg="mod">
-          <ac:chgData name="Graf Thomas, INI-NET-VNC-HCS" userId="487bc3e3-9ce7-4cdd-b7b4-8899ea88d289" providerId="ADAL" clId="{01AC2C85-998E-4AD4-9ACA-8A8578A23497}" dt="2024-03-05T13:35:00.583" v="609" actId="20577"/>
-          <ac:spMkLst>
-            <pc:docMk/>
-            <pc:sldMk cId="2578889968" sldId="26415"/>
-            <ac:spMk id="7" creationId="{BF6DCC5D-2508-4A9B-B734-C8C5147F93FB}"/>
-          </ac:spMkLst>
-        </pc:spChg>
-      </pc:sldChg>
-      <pc:sldChg chg="del">
-        <pc:chgData name="Graf Thomas, INI-NET-VNC-HCS" userId="487bc3e3-9ce7-4cdd-b7b4-8899ea88d289" providerId="ADAL" clId="{01AC2C85-998E-4AD4-9ACA-8A8578A23497}" dt="2024-03-05T12:02:14.099" v="33" actId="2696"/>
-        <pc:sldMkLst>
-          <pc:docMk/>
-          <pc:sldMk cId="2256840188" sldId="2145706235"/>
-        </pc:sldMkLst>
-      </pc:sldChg>
-      <pc:sldChg chg="addSp delSp modSp add mod ord">
-        <pc:chgData name="Graf Thomas, INI-NET-VNC-HCS" userId="487bc3e3-9ce7-4cdd-b7b4-8899ea88d289" providerId="ADAL" clId="{01AC2C85-998E-4AD4-9ACA-8A8578A23497}" dt="2024-03-05T13:36:04.814" v="654" actId="1076"/>
-        <pc:sldMkLst>
-          <pc:docMk/>
-          <pc:sldMk cId="2249733078" sldId="2145706239"/>
-        </pc:sldMkLst>
-        <pc:spChg chg="add del mod">
-          <ac:chgData name="Graf Thomas, INI-NET-VNC-HCS" userId="487bc3e3-9ce7-4cdd-b7b4-8899ea88d289" providerId="ADAL" clId="{01AC2C85-998E-4AD4-9ACA-8A8578A23497}" dt="2024-03-05T13:35:49.932" v="649" actId="478"/>
-          <ac:spMkLst>
-            <pc:docMk/>
-            <pc:sldMk cId="2249733078" sldId="2145706239"/>
-            <ac:spMk id="4" creationId="{305DE381-FFB3-5EE4-D857-51F3BD78B506}"/>
-          </ac:spMkLst>
-        </pc:spChg>
-        <pc:spChg chg="mod">
-          <ac:chgData name="Graf Thomas, INI-NET-VNC-HCS" userId="487bc3e3-9ce7-4cdd-b7b4-8899ea88d289" providerId="ADAL" clId="{01AC2C85-998E-4AD4-9ACA-8A8578A23497}" dt="2024-03-05T13:22:30.202" v="300" actId="113"/>
-          <ac:spMkLst>
-            <pc:docMk/>
-            <pc:sldMk cId="2249733078" sldId="2145706239"/>
-            <ac:spMk id="5" creationId="{0194B37B-813A-99FE-7B78-4D87D8C30D44}"/>
-          </ac:spMkLst>
-        </pc:spChg>
-        <pc:spChg chg="add mod">
-          <ac:chgData name="Graf Thomas, INI-NET-VNC-HCS" userId="487bc3e3-9ce7-4cdd-b7b4-8899ea88d289" providerId="ADAL" clId="{01AC2C85-998E-4AD4-9ACA-8A8578A23497}" dt="2024-03-05T13:36:04.814" v="654" actId="1076"/>
-          <ac:spMkLst>
-            <pc:docMk/>
-            <pc:sldMk cId="2249733078" sldId="2145706239"/>
-            <ac:spMk id="7" creationId="{33891599-1C33-654D-733C-99580AE756F1}"/>
-          </ac:spMkLst>
-        </pc:spChg>
-        <pc:spChg chg="mod">
-          <ac:chgData name="Graf Thomas, INI-NET-VNC-HCS" userId="487bc3e3-9ce7-4cdd-b7b4-8899ea88d289" providerId="ADAL" clId="{01AC2C85-998E-4AD4-9ACA-8A8578A23497}" dt="2024-03-05T13:35:31.599" v="648" actId="20577"/>
-          <ac:spMkLst>
-            <pc:docMk/>
-            <pc:sldMk cId="2249733078" sldId="2145706239"/>
-            <ac:spMk id="18" creationId="{B283EDB4-CFDF-D6B9-8AF9-9CFA563360E3}"/>
-          </ac:spMkLst>
-        </pc:spChg>
-        <pc:spChg chg="mod">
-          <ac:chgData name="Graf Thomas, INI-NET-VNC-HCS" userId="487bc3e3-9ce7-4cdd-b7b4-8899ea88d289" providerId="ADAL" clId="{01AC2C85-998E-4AD4-9ACA-8A8578A23497}" dt="2024-03-05T12:04:13.256" v="65"/>
-          <ac:spMkLst>
-            <pc:docMk/>
-            <pc:sldMk cId="2249733078" sldId="2145706239"/>
-            <ac:spMk id="19" creationId="{56D79134-17A9-8BC8-B7D0-97BCFFB9A6B2}"/>
-          </ac:spMkLst>
-        </pc:spChg>
-        <pc:picChg chg="add mod">
-          <ac:chgData name="Graf Thomas, INI-NET-VNC-HCS" userId="487bc3e3-9ce7-4cdd-b7b4-8899ea88d289" providerId="ADAL" clId="{01AC2C85-998E-4AD4-9ACA-8A8578A23497}" dt="2024-03-05T13:23:01.472" v="303" actId="1076"/>
-          <ac:picMkLst>
-            <pc:docMk/>
-            <pc:sldMk cId="2249733078" sldId="2145706239"/>
-            <ac:picMk id="3" creationId="{80EF3365-92B8-4BFF-5B4A-D90DDCF803B4}"/>
-          </ac:picMkLst>
-        </pc:picChg>
-      </pc:sldChg>
-      <pc:sldChg chg="addSp delSp modSp add del mod">
-        <pc:chgData name="Graf Thomas, INI-NET-VNC-HCS" userId="487bc3e3-9ce7-4cdd-b7b4-8899ea88d289" providerId="ADAL" clId="{01AC2C85-998E-4AD4-9ACA-8A8578A23497}" dt="2024-03-05T13:26:55.897" v="324" actId="2696"/>
-        <pc:sldMkLst>
-          <pc:docMk/>
-          <pc:sldMk cId="1850790457" sldId="2145706240"/>
-        </pc:sldMkLst>
-        <pc:spChg chg="mod">
-          <ac:chgData name="Graf Thomas, INI-NET-VNC-HCS" userId="487bc3e3-9ce7-4cdd-b7b4-8899ea88d289" providerId="ADAL" clId="{01AC2C85-998E-4AD4-9ACA-8A8578A23497}" dt="2024-03-05T13:25:42.915" v="313" actId="1076"/>
-          <ac:spMkLst>
-            <pc:docMk/>
-            <pc:sldMk cId="1850790457" sldId="2145706240"/>
-            <ac:spMk id="4" creationId="{305DE381-FFB3-5EE4-D857-51F3BD78B506}"/>
-          </ac:spMkLst>
-        </pc:spChg>
-        <pc:spChg chg="add del mod">
-          <ac:chgData name="Graf Thomas, INI-NET-VNC-HCS" userId="487bc3e3-9ce7-4cdd-b7b4-8899ea88d289" providerId="ADAL" clId="{01AC2C85-998E-4AD4-9ACA-8A8578A23497}" dt="2024-03-05T13:26:53.519" v="323"/>
-          <ac:spMkLst>
-            <pc:docMk/>
-            <pc:sldMk cId="1850790457" sldId="2145706240"/>
-            <ac:spMk id="7" creationId="{932F77E2-F144-5176-57B2-4F3C74AAE600}"/>
-          </ac:spMkLst>
-        </pc:spChg>
-        <pc:spChg chg="del">
-          <ac:chgData name="Graf Thomas, INI-NET-VNC-HCS" userId="487bc3e3-9ce7-4cdd-b7b4-8899ea88d289" providerId="ADAL" clId="{01AC2C85-998E-4AD4-9ACA-8A8578A23497}" dt="2024-03-05T13:26:31.689" v="314" actId="478"/>
-          <ac:spMkLst>
-            <pc:docMk/>
-            <pc:sldMk cId="1850790457" sldId="2145706240"/>
-            <ac:spMk id="18" creationId="{B283EDB4-CFDF-D6B9-8AF9-9CFA563360E3}"/>
-          </ac:spMkLst>
-        </pc:spChg>
-        <pc:picChg chg="del">
-          <ac:chgData name="Graf Thomas, INI-NET-VNC-HCS" userId="487bc3e3-9ce7-4cdd-b7b4-8899ea88d289" providerId="ADAL" clId="{01AC2C85-998E-4AD4-9ACA-8A8578A23497}" dt="2024-03-05T13:25:35.516" v="310" actId="478"/>
-          <ac:picMkLst>
-            <pc:docMk/>
-            <pc:sldMk cId="1850790457" sldId="2145706240"/>
-            <ac:picMk id="3" creationId="{80EF3365-92B8-4BFF-5B4A-D90DDCF803B4}"/>
-          </ac:picMkLst>
-        </pc:picChg>
-        <pc:picChg chg="add del mod">
-          <ac:chgData name="Graf Thomas, INI-NET-VNC-HCS" userId="487bc3e3-9ce7-4cdd-b7b4-8899ea88d289" providerId="ADAL" clId="{01AC2C85-998E-4AD4-9ACA-8A8578A23497}" dt="2024-03-05T13:26:49.733" v="320" actId="478"/>
-          <ac:picMkLst>
-            <pc:docMk/>
-            <pc:sldMk cId="1850790457" sldId="2145706240"/>
-            <ac:picMk id="9" creationId="{6F2C047D-BBF5-AC3D-2BF0-8AA312CF4D74}"/>
-          </ac:picMkLst>
-        </pc:picChg>
-      </pc:sldChg>
-    </pc:docChg>
-  </pc:docChgLst>
-  <pc:docChgLst>
-    <pc:chgData name="Graf Thomas, INI-NET-VNC-HCS" userId="487bc3e3-9ce7-4cdd-b7b4-8899ea88d289" providerId="ADAL" clId="{C59D7F3E-F77D-4EA0-9806-2B35E992283A}"/>
-    <pc:docChg chg="modSld">
-      <pc:chgData name="Graf Thomas, INI-NET-VNC-HCS" userId="487bc3e3-9ce7-4cdd-b7b4-8899ea88d289" providerId="ADAL" clId="{C59D7F3E-F77D-4EA0-9806-2B35E992283A}" dt="2024-03-15T03:00:40.839" v="78" actId="20577"/>
-      <pc:docMkLst>
-        <pc:docMk/>
-      </pc:docMkLst>
-      <pc:sldChg chg="modSp mod">
-        <pc:chgData name="Graf Thomas, INI-NET-VNC-HCS" userId="487bc3e3-9ce7-4cdd-b7b4-8899ea88d289" providerId="ADAL" clId="{C59D7F3E-F77D-4EA0-9806-2B35E992283A}" dt="2024-03-15T03:00:40.839" v="78" actId="20577"/>
-        <pc:sldMkLst>
-          <pc:docMk/>
-          <pc:sldMk cId="2940965592" sldId="2145706247"/>
-        </pc:sldMkLst>
-        <pc:spChg chg="mod">
-          <ac:chgData name="Graf Thomas, INI-NET-VNC-HCS" userId="487bc3e3-9ce7-4cdd-b7b4-8899ea88d289" providerId="ADAL" clId="{C59D7F3E-F77D-4EA0-9806-2B35E992283A}" dt="2024-03-15T03:00:40.839" v="78" actId="20577"/>
-          <ac:spMkLst>
-            <pc:docMk/>
-            <pc:sldMk cId="2940965592" sldId="2145706247"/>
-            <ac:spMk id="3" creationId="{046400A0-9B11-68F1-E192-C39E9EF1889A}"/>
-          </ac:spMkLst>
-        </pc:spChg>
-      </pc:sldChg>
-      <pc:sldChg chg="modSp mod">
-        <pc:chgData name="Graf Thomas, INI-NET-VNC-HCS" userId="487bc3e3-9ce7-4cdd-b7b4-8899ea88d289" providerId="ADAL" clId="{C59D7F3E-F77D-4EA0-9806-2B35E992283A}" dt="2024-03-15T03:00:15.019" v="76" actId="13926"/>
-        <pc:sldMkLst>
-          <pc:docMk/>
-          <pc:sldMk cId="2308411298" sldId="2145706248"/>
-        </pc:sldMkLst>
-        <pc:spChg chg="mod">
-          <ac:chgData name="Graf Thomas, INI-NET-VNC-HCS" userId="487bc3e3-9ce7-4cdd-b7b4-8899ea88d289" providerId="ADAL" clId="{C59D7F3E-F77D-4EA0-9806-2B35E992283A}" dt="2024-03-15T03:00:15.019" v="76" actId="13926"/>
-          <ac:spMkLst>
-            <pc:docMk/>
-            <pc:sldMk cId="2308411298" sldId="2145706248"/>
-            <ac:spMk id="3" creationId="{0459A7D2-4B5A-C400-0506-00A6A8140FF9}"/>
-          </ac:spMkLst>
-        </pc:spChg>
-      </pc:sldChg>
-      <pc:sldChg chg="modSp mod">
-        <pc:chgData name="Graf Thomas, INI-NET-VNC-HCS" userId="487bc3e3-9ce7-4cdd-b7b4-8899ea88d289" providerId="ADAL" clId="{C59D7F3E-F77D-4EA0-9806-2B35E992283A}" dt="2024-03-15T02:57:39.007" v="47" actId="13926"/>
-        <pc:sldMkLst>
-          <pc:docMk/>
-          <pc:sldMk cId="3893817371" sldId="2145706251"/>
-        </pc:sldMkLst>
-        <pc:spChg chg="mod">
-          <ac:chgData name="Graf Thomas, INI-NET-VNC-HCS" userId="487bc3e3-9ce7-4cdd-b7b4-8899ea88d289" providerId="ADAL" clId="{C59D7F3E-F77D-4EA0-9806-2B35E992283A}" dt="2024-03-15T02:57:39.007" v="47" actId="13926"/>
-          <ac:spMkLst>
-            <pc:docMk/>
-            <pc:sldMk cId="3893817371" sldId="2145706251"/>
-            <ac:spMk id="9" creationId="{A0B0E221-5B1A-F83D-CEF4-09DC642300FE}"/>
-          </ac:spMkLst>
-        </pc:spChg>
-      </pc:sldChg>
-    </pc:docChg>
-  </pc:docChgLst>
-  <pc:docChgLst>
-    <pc:chgData name="Thomas Graf" userId="487bc3e3-9ce7-4cdd-b7b4-8899ea88d289" providerId="ADAL" clId="{FF1E8771-B1E8-4CEC-B725-4345F27D3194}"/>
-    <pc:docChg chg="undo custSel addSld delSld modSld">
-      <pc:chgData name="Thomas Graf" userId="487bc3e3-9ce7-4cdd-b7b4-8899ea88d289" providerId="ADAL" clId="{FF1E8771-B1E8-4CEC-B725-4345F27D3194}" dt="2023-11-08T08:22:46.257" v="2148" actId="20577"/>
-      <pc:docMkLst>
-        <pc:docMk/>
-      </pc:docMkLst>
-      <pc:sldChg chg="modSp mod">
-        <pc:chgData name="Thomas Graf" userId="487bc3e3-9ce7-4cdd-b7b4-8899ea88d289" providerId="ADAL" clId="{FF1E8771-B1E8-4CEC-B725-4345F27D3194}" dt="2023-11-01T05:11:03.551" v="1799" actId="20577"/>
-        <pc:sldMkLst>
-          <pc:docMk/>
-          <pc:sldMk cId="3578665336" sldId="1041"/>
-        </pc:sldMkLst>
-        <pc:spChg chg="mod">
-          <ac:chgData name="Thomas Graf" userId="487bc3e3-9ce7-4cdd-b7b4-8899ea88d289" providerId="ADAL" clId="{FF1E8771-B1E8-4CEC-B725-4345F27D3194}" dt="2023-11-01T05:11:03.551" v="1799" actId="20577"/>
-          <ac:spMkLst>
-            <pc:docMk/>
-            <pc:sldMk cId="3578665336" sldId="1041"/>
-            <ac:spMk id="5" creationId="{C26208B2-0D10-4C23-B2DE-372A62E98644}"/>
-          </ac:spMkLst>
-        </pc:spChg>
-        <pc:spChg chg="mod">
-          <ac:chgData name="Thomas Graf" userId="487bc3e3-9ce7-4cdd-b7b4-8899ea88d289" providerId="ADAL" clId="{FF1E8771-B1E8-4CEC-B725-4345F27D3194}" dt="2023-11-01T05:09:19.363" v="1682" actId="20577"/>
-          <ac:spMkLst>
-            <pc:docMk/>
-            <pc:sldMk cId="3578665336" sldId="1041"/>
-            <ac:spMk id="6" creationId="{6CAA0765-1318-4A03-8F91-D3ECC43D8FA7}"/>
-          </ac:spMkLst>
-        </pc:spChg>
-      </pc:sldChg>
-      <pc:sldChg chg="modSp mod">
-        <pc:chgData name="Thomas Graf" userId="487bc3e3-9ce7-4cdd-b7b4-8899ea88d289" providerId="ADAL" clId="{FF1E8771-B1E8-4CEC-B725-4345F27D3194}" dt="2023-11-08T08:22:46.257" v="2148" actId="20577"/>
-        <pc:sldMkLst>
-          <pc:docMk/>
-          <pc:sldMk cId="2578889968" sldId="26415"/>
-        </pc:sldMkLst>
-        <pc:spChg chg="mod">
-          <ac:chgData name="Thomas Graf" userId="487bc3e3-9ce7-4cdd-b7b4-8899ea88d289" providerId="ADAL" clId="{FF1E8771-B1E8-4CEC-B725-4345F27D3194}" dt="2023-11-08T08:22:46.257" v="2148" actId="20577"/>
-          <ac:spMkLst>
-            <pc:docMk/>
-            <pc:sldMk cId="2578889968" sldId="26415"/>
-            <ac:spMk id="3" creationId="{29C0DFD4-432D-4B0C-93DF-790441DCF5B9}"/>
-          </ac:spMkLst>
-        </pc:spChg>
-        <pc:spChg chg="mod">
-          <ac:chgData name="Thomas Graf" userId="487bc3e3-9ce7-4cdd-b7b4-8899ea88d289" providerId="ADAL" clId="{FF1E8771-B1E8-4CEC-B725-4345F27D3194}" dt="2023-11-01T05:09:27.991" v="1701" actId="20577"/>
-          <ac:spMkLst>
-            <pc:docMk/>
-            <pc:sldMk cId="2578889968" sldId="26415"/>
-            <ac:spMk id="7" creationId="{BF6DCC5D-2508-4A9B-B734-C8C5147F93FB}"/>
-          </ac:spMkLst>
-        </pc:spChg>
-      </pc:sldChg>
-      <pc:sldChg chg="modSp mod">
-        <pc:chgData name="Thomas Graf" userId="487bc3e3-9ce7-4cdd-b7b4-8899ea88d289" providerId="ADAL" clId="{FF1E8771-B1E8-4CEC-B725-4345F27D3194}" dt="2023-10-29T12:48:36.819" v="1215" actId="14100"/>
-        <pc:sldMkLst>
-          <pc:docMk/>
-          <pc:sldMk cId="320697580" sldId="26425"/>
-        </pc:sldMkLst>
-        <pc:spChg chg="mod">
-          <ac:chgData name="Thomas Graf" userId="487bc3e3-9ce7-4cdd-b7b4-8899ea88d289" providerId="ADAL" clId="{FF1E8771-B1E8-4CEC-B725-4345F27D3194}" dt="2023-10-29T12:48:03.720" v="1206" actId="255"/>
-          <ac:spMkLst>
-            <pc:docMk/>
-            <pc:sldMk cId="320697580" sldId="26425"/>
-            <ac:spMk id="3" creationId="{29C0DFD4-432D-4B0C-93DF-790441DCF5B9}"/>
-          </ac:spMkLst>
-        </pc:spChg>
-        <pc:spChg chg="mod">
-          <ac:chgData name="Thomas Graf" userId="487bc3e3-9ce7-4cdd-b7b4-8899ea88d289" providerId="ADAL" clId="{FF1E8771-B1E8-4CEC-B725-4345F27D3194}" dt="2023-10-29T12:27:42.853" v="433" actId="20577"/>
-          <ac:spMkLst>
-            <pc:docMk/>
-            <pc:sldMk cId="320697580" sldId="26425"/>
-            <ac:spMk id="6" creationId="{ABB61075-2877-B162-7D8F-97EC17B8DF39}"/>
-          </ac:spMkLst>
-        </pc:spChg>
-        <pc:cxnChg chg="mod">
-          <ac:chgData name="Thomas Graf" userId="487bc3e3-9ce7-4cdd-b7b4-8899ea88d289" providerId="ADAL" clId="{FF1E8771-B1E8-4CEC-B725-4345F27D3194}" dt="2023-10-29T12:48:25.968" v="1211" actId="14100"/>
-          <ac:cxnSpMkLst>
-            <pc:docMk/>
-            <pc:sldMk cId="320697580" sldId="26425"/>
-            <ac:cxnSpMk id="13" creationId="{ABDEEB90-F9DE-4579-466A-4391823DABF7}"/>
-          </ac:cxnSpMkLst>
-        </pc:cxnChg>
-        <pc:cxnChg chg="mod">
-          <ac:chgData name="Thomas Graf" userId="487bc3e3-9ce7-4cdd-b7b4-8899ea88d289" providerId="ADAL" clId="{FF1E8771-B1E8-4CEC-B725-4345F27D3194}" dt="2023-10-29T12:48:33.767" v="1214" actId="14100"/>
-          <ac:cxnSpMkLst>
-            <pc:docMk/>
-            <pc:sldMk cId="320697580" sldId="26425"/>
-            <ac:cxnSpMk id="14" creationId="{971CE727-7DCB-9E98-7B9C-B1ACC28EC9FF}"/>
-          </ac:cxnSpMkLst>
-        </pc:cxnChg>
-        <pc:cxnChg chg="mod">
-          <ac:chgData name="Thomas Graf" userId="487bc3e3-9ce7-4cdd-b7b4-8899ea88d289" providerId="ADAL" clId="{FF1E8771-B1E8-4CEC-B725-4345F27D3194}" dt="2023-10-29T12:39:36.004" v="1121" actId="14100"/>
-          <ac:cxnSpMkLst>
-            <pc:docMk/>
-            <pc:sldMk cId="320697580" sldId="26425"/>
-            <ac:cxnSpMk id="22" creationId="{5EE7A184-4440-4663-A713-45C43FB41FBD}"/>
-          </ac:cxnSpMkLst>
-        </pc:cxnChg>
-        <pc:cxnChg chg="mod">
-          <ac:chgData name="Thomas Graf" userId="487bc3e3-9ce7-4cdd-b7b4-8899ea88d289" providerId="ADAL" clId="{FF1E8771-B1E8-4CEC-B725-4345F27D3194}" dt="2023-10-29T12:48:36.819" v="1215" actId="14100"/>
-          <ac:cxnSpMkLst>
-            <pc:docMk/>
-            <pc:sldMk cId="320697580" sldId="26425"/>
-            <ac:cxnSpMk id="23" creationId="{D8988D8C-34C7-42B3-BD73-F0A5B399F9DF}"/>
-          </ac:cxnSpMkLst>
-        </pc:cxnChg>
-      </pc:sldChg>
-      <pc:sldChg chg="modSp mod">
-        <pc:chgData name="Thomas Graf" userId="487bc3e3-9ce7-4cdd-b7b4-8899ea88d289" providerId="ADAL" clId="{FF1E8771-B1E8-4CEC-B725-4345F27D3194}" dt="2023-11-01T05:08:12.528" v="1654" actId="207"/>
-        <pc:sldMkLst>
-          <pc:docMk/>
-          <pc:sldMk cId="3241116723" sldId="2145706200"/>
-        </pc:sldMkLst>
-        <pc:spChg chg="mod">
-          <ac:chgData name="Thomas Graf" userId="487bc3e3-9ce7-4cdd-b7b4-8899ea88d289" providerId="ADAL" clId="{FF1E8771-B1E8-4CEC-B725-4345F27D3194}" dt="2023-11-01T05:08:09.504" v="1653" actId="207"/>
-          <ac:spMkLst>
-            <pc:docMk/>
-            <pc:sldMk cId="3241116723" sldId="2145706200"/>
-            <ac:spMk id="5" creationId="{8CAEE21E-0CF2-4355-A68A-655C5FDE8F93}"/>
-          </ac:spMkLst>
-        </pc:spChg>
-        <pc:spChg chg="mod">
-          <ac:chgData name="Thomas Graf" userId="487bc3e3-9ce7-4cdd-b7b4-8899ea88d289" providerId="ADAL" clId="{FF1E8771-B1E8-4CEC-B725-4345F27D3194}" dt="2023-10-29T12:40:47.682" v="1142" actId="20577"/>
-          <ac:spMkLst>
-            <pc:docMk/>
-            <pc:sldMk cId="3241116723" sldId="2145706200"/>
-            <ac:spMk id="13" creationId="{509802C0-BFFB-9B0F-A529-E60CDD518439}"/>
-          </ac:spMkLst>
-        </pc:spChg>
-        <pc:spChg chg="mod">
-          <ac:chgData name="Thomas Graf" userId="487bc3e3-9ce7-4cdd-b7b4-8899ea88d289" providerId="ADAL" clId="{FF1E8771-B1E8-4CEC-B725-4345F27D3194}" dt="2023-11-01T05:08:12.528" v="1654" actId="207"/>
-          <ac:spMkLst>
-            <pc:docMk/>
-            <pc:sldMk cId="3241116723" sldId="2145706200"/>
-            <ac:spMk id="16" creationId="{54281388-E93D-AC26-49A1-DA5D5EEB0D3B}"/>
-          </ac:spMkLst>
-        </pc:spChg>
-      </pc:sldChg>
-      <pc:sldChg chg="modSp mod">
-        <pc:chgData name="Thomas Graf" userId="487bc3e3-9ce7-4cdd-b7b4-8899ea88d289" providerId="ADAL" clId="{FF1E8771-B1E8-4CEC-B725-4345F27D3194}" dt="2023-11-01T05:08:24.892" v="1656" actId="207"/>
-        <pc:sldMkLst>
-          <pc:docMk/>
-          <pc:sldMk cId="4069880896" sldId="2145706223"/>
-        </pc:sldMkLst>
-        <pc:spChg chg="mod">
-          <ac:chgData name="Thomas Graf" userId="487bc3e3-9ce7-4cdd-b7b4-8899ea88d289" providerId="ADAL" clId="{FF1E8771-B1E8-4CEC-B725-4345F27D3194}" dt="2023-11-01T05:08:24.892" v="1656" actId="207"/>
-          <ac:spMkLst>
-            <pc:docMk/>
-            <pc:sldMk cId="4069880896" sldId="2145706223"/>
-            <ac:spMk id="5" creationId="{8CAEE21E-0CF2-4355-A68A-655C5FDE8F93}"/>
-          </ac:spMkLst>
-        </pc:spChg>
-        <pc:spChg chg="mod">
-          <ac:chgData name="Thomas Graf" userId="487bc3e3-9ce7-4cdd-b7b4-8899ea88d289" providerId="ADAL" clId="{FF1E8771-B1E8-4CEC-B725-4345F27D3194}" dt="2023-10-29T12:40:44.232" v="1139" actId="20577"/>
-          <ac:spMkLst>
-            <pc:docMk/>
-            <pc:sldMk cId="4069880896" sldId="2145706223"/>
-            <ac:spMk id="11" creationId="{40A04100-F076-DAB6-1085-5E0EF7172DAB}"/>
-          </ac:spMkLst>
-        </pc:spChg>
-      </pc:sldChg>
-      <pc:sldChg chg="modSp mod">
-        <pc:chgData name="Thomas Graf" userId="487bc3e3-9ce7-4cdd-b7b4-8899ea88d289" providerId="ADAL" clId="{FF1E8771-B1E8-4CEC-B725-4345F27D3194}" dt="2023-10-29T12:23:33.385" v="123" actId="20577"/>
-        <pc:sldMkLst>
-          <pc:docMk/>
-          <pc:sldMk cId="1081037514" sldId="2145706225"/>
-        </pc:sldMkLst>
-        <pc:spChg chg="mod">
-          <ac:chgData name="Thomas Graf" userId="487bc3e3-9ce7-4cdd-b7b4-8899ea88d289" providerId="ADAL" clId="{FF1E8771-B1E8-4CEC-B725-4345F27D3194}" dt="2023-10-29T12:23:33.385" v="123" actId="20577"/>
-          <ac:spMkLst>
-            <pc:docMk/>
-            <pc:sldMk cId="1081037514" sldId="2145706225"/>
-            <ac:spMk id="48" creationId="{A48B1DB7-BCDC-5D18-F56D-8A1447F1B8BA}"/>
-          </ac:spMkLst>
-        </pc:spChg>
-      </pc:sldChg>
-      <pc:sldChg chg="modSp mod">
-        <pc:chgData name="Thomas Graf" userId="487bc3e3-9ce7-4cdd-b7b4-8899ea88d289" providerId="ADAL" clId="{FF1E8771-B1E8-4CEC-B725-4345F27D3194}" dt="2023-11-01T05:08:35.141" v="1658" actId="207"/>
-        <pc:sldMkLst>
-          <pc:docMk/>
-          <pc:sldMk cId="3384652948" sldId="2145706226"/>
-        </pc:sldMkLst>
-        <pc:spChg chg="mod">
-          <ac:chgData name="Thomas Graf" userId="487bc3e3-9ce7-4cdd-b7b4-8899ea88d289" providerId="ADAL" clId="{FF1E8771-B1E8-4CEC-B725-4345F27D3194}" dt="2023-10-29T12:45:18.646" v="1192" actId="14100"/>
-          <ac:spMkLst>
-            <pc:docMk/>
-            <pc:sldMk cId="3384652948" sldId="2145706226"/>
-            <ac:spMk id="2" creationId="{0E0DAD8A-94CD-EADA-C24A-D442928BA111}"/>
-          </ac:spMkLst>
-        </pc:spChg>
-        <pc:spChg chg="mod">
-          <ac:chgData name="Thomas Graf" userId="487bc3e3-9ce7-4cdd-b7b4-8899ea88d289" providerId="ADAL" clId="{FF1E8771-B1E8-4CEC-B725-4345F27D3194}" dt="2023-11-01T05:08:35.141" v="1658" actId="207"/>
-          <ac:spMkLst>
-            <pc:docMk/>
-            <pc:sldMk cId="3384652948" sldId="2145706226"/>
-            <ac:spMk id="3" creationId="{01913334-AF3D-1C65-5BD7-83A59BC04A95}"/>
-          </ac:spMkLst>
-        </pc:spChg>
-        <pc:spChg chg="mod">
-          <ac:chgData name="Thomas Graf" userId="487bc3e3-9ce7-4cdd-b7b4-8899ea88d289" providerId="ADAL" clId="{FF1E8771-B1E8-4CEC-B725-4345F27D3194}" dt="2023-10-29T12:44:53.028" v="1189" actId="255"/>
-          <ac:spMkLst>
-            <pc:docMk/>
-            <pc:sldMk cId="3384652948" sldId="2145706226"/>
-            <ac:spMk id="4" creationId="{24F2E4A1-9E2D-0EF1-0811-4E46B062701C}"/>
-          </ac:spMkLst>
-        </pc:spChg>
-        <pc:spChg chg="mod">
-          <ac:chgData name="Thomas Graf" userId="487bc3e3-9ce7-4cdd-b7b4-8899ea88d289" providerId="ADAL" clId="{FF1E8771-B1E8-4CEC-B725-4345F27D3194}" dt="2023-10-29T12:24:12.613" v="182" actId="20577"/>
-          <ac:spMkLst>
-            <pc:docMk/>
-            <pc:sldMk cId="3384652948" sldId="2145706226"/>
-            <ac:spMk id="16" creationId="{2D8B3AFB-4500-052D-4E96-82B4FC5CC5DF}"/>
-          </ac:spMkLst>
-        </pc:spChg>
-      </pc:sldChg>
-      <pc:sldChg chg="modSp mod">
-        <pc:chgData name="Thomas Graf" userId="487bc3e3-9ce7-4cdd-b7b4-8899ea88d289" providerId="ADAL" clId="{FF1E8771-B1E8-4CEC-B725-4345F27D3194}" dt="2023-11-01T05:08:48.396" v="1661" actId="207"/>
-        <pc:sldMkLst>
-          <pc:docMk/>
-          <pc:sldMk cId="4235116615" sldId="2145706227"/>
-        </pc:sldMkLst>
-        <pc:spChg chg="mod">
-          <ac:chgData name="Thomas Graf" userId="487bc3e3-9ce7-4cdd-b7b4-8899ea88d289" providerId="ADAL" clId="{FF1E8771-B1E8-4CEC-B725-4345F27D3194}" dt="2023-10-29T12:46:33.162" v="1200" actId="14100"/>
-          <ac:spMkLst>
-            <pc:docMk/>
-            <pc:sldMk cId="4235116615" sldId="2145706227"/>
-            <ac:spMk id="5" creationId="{0194B37B-813A-99FE-7B78-4D87D8C30D44}"/>
-          </ac:spMkLst>
-        </pc:spChg>
-        <pc:spChg chg="mod">
-          <ac:chgData name="Thomas Graf" userId="487bc3e3-9ce7-4cdd-b7b4-8899ea88d289" providerId="ADAL" clId="{FF1E8771-B1E8-4CEC-B725-4345F27D3194}" dt="2023-11-01T05:08:48.396" v="1661" actId="207"/>
-          <ac:spMkLst>
-            <pc:docMk/>
-            <pc:sldMk cId="4235116615" sldId="2145706227"/>
-            <ac:spMk id="18" creationId="{B283EDB4-CFDF-D6B9-8AF9-9CFA563360E3}"/>
-          </ac:spMkLst>
-        </pc:spChg>
-        <pc:spChg chg="mod">
-          <ac:chgData name="Thomas Graf" userId="487bc3e3-9ce7-4cdd-b7b4-8899ea88d289" providerId="ADAL" clId="{FF1E8771-B1E8-4CEC-B725-4345F27D3194}" dt="2023-10-29T12:26:20.255" v="326" actId="20577"/>
-          <ac:spMkLst>
-            <pc:docMk/>
-            <pc:sldMk cId="4235116615" sldId="2145706227"/>
-            <ac:spMk id="19" creationId="{56D79134-17A9-8BC8-B7D0-97BCFFB9A6B2}"/>
-          </ac:spMkLst>
-        </pc:spChg>
-      </pc:sldChg>
-      <pc:sldChg chg="modSp mod">
-        <pc:chgData name="Thomas Graf" userId="487bc3e3-9ce7-4cdd-b7b4-8899ea88d289" providerId="ADAL" clId="{FF1E8771-B1E8-4CEC-B725-4345F27D3194}" dt="2023-11-01T05:08:55.794" v="1663" actId="207"/>
-        <pc:sldMkLst>
-          <pc:docMk/>
-          <pc:sldMk cId="508096634" sldId="2145706232"/>
-        </pc:sldMkLst>
-        <pc:spChg chg="mod">
-          <ac:chgData name="Thomas Graf" userId="487bc3e3-9ce7-4cdd-b7b4-8899ea88d289" providerId="ADAL" clId="{FF1E8771-B1E8-4CEC-B725-4345F27D3194}" dt="2023-10-29T12:47:36.234" v="1204" actId="255"/>
-          <ac:spMkLst>
-            <pc:docMk/>
-            <pc:sldMk cId="508096634" sldId="2145706232"/>
-            <ac:spMk id="5" creationId="{0194B37B-813A-99FE-7B78-4D87D8C30D44}"/>
-          </ac:spMkLst>
-        </pc:spChg>
-        <pc:spChg chg="mod">
-          <ac:chgData name="Thomas Graf" userId="487bc3e3-9ce7-4cdd-b7b4-8899ea88d289" providerId="ADAL" clId="{FF1E8771-B1E8-4CEC-B725-4345F27D3194}" dt="2023-11-01T05:08:55.794" v="1663" actId="207"/>
-          <ac:spMkLst>
-            <pc:docMk/>
-            <pc:sldMk cId="508096634" sldId="2145706232"/>
-            <ac:spMk id="18" creationId="{B283EDB4-CFDF-D6B9-8AF9-9CFA563360E3}"/>
-          </ac:spMkLst>
-        </pc:spChg>
-        <pc:spChg chg="mod">
-          <ac:chgData name="Thomas Graf" userId="487bc3e3-9ce7-4cdd-b7b4-8899ea88d289" providerId="ADAL" clId="{FF1E8771-B1E8-4CEC-B725-4345F27D3194}" dt="2023-10-29T12:26:59.167" v="370" actId="20577"/>
-          <ac:spMkLst>
-            <pc:docMk/>
-            <pc:sldMk cId="508096634" sldId="2145706232"/>
-            <ac:spMk id="19" creationId="{56D79134-17A9-8BC8-B7D0-97BCFFB9A6B2}"/>
-          </ac:spMkLst>
-        </pc:spChg>
-      </pc:sldChg>
-      <pc:sldChg chg="modSp mod">
-        <pc:chgData name="Thomas Graf" userId="487bc3e3-9ce7-4cdd-b7b4-8899ea88d289" providerId="ADAL" clId="{FF1E8771-B1E8-4CEC-B725-4345F27D3194}" dt="2023-10-29T12:47:55.471" v="1205" actId="255"/>
-        <pc:sldMkLst>
-          <pc:docMk/>
-          <pc:sldMk cId="1609255611" sldId="2145706233"/>
-        </pc:sldMkLst>
-        <pc:spChg chg="mod">
-          <ac:chgData name="Thomas Graf" userId="487bc3e3-9ce7-4cdd-b7b4-8899ea88d289" providerId="ADAL" clId="{FF1E8771-B1E8-4CEC-B725-4345F27D3194}" dt="2023-10-29T12:47:55.471" v="1205" actId="255"/>
-          <ac:spMkLst>
-            <pc:docMk/>
-            <pc:sldMk cId="1609255611" sldId="2145706233"/>
-            <ac:spMk id="5" creationId="{0194B37B-813A-99FE-7B78-4D87D8C30D44}"/>
-          </ac:spMkLst>
-        </pc:spChg>
-        <pc:spChg chg="mod">
-          <ac:chgData name="Thomas Graf" userId="487bc3e3-9ce7-4cdd-b7b4-8899ea88d289" providerId="ADAL" clId="{FF1E8771-B1E8-4CEC-B725-4345F27D3194}" dt="2023-10-29T12:27:15.888" v="405" actId="20577"/>
-          <ac:spMkLst>
-            <pc:docMk/>
-            <pc:sldMk cId="1609255611" sldId="2145706233"/>
-            <ac:spMk id="19" creationId="{56D79134-17A9-8BC8-B7D0-97BCFFB9A6B2}"/>
-          </ac:spMkLst>
-        </pc:spChg>
-      </pc:sldChg>
-      <pc:sldChg chg="addSp delSp modSp mod">
-        <pc:chgData name="Thomas Graf" userId="487bc3e3-9ce7-4cdd-b7b4-8899ea88d289" providerId="ADAL" clId="{FF1E8771-B1E8-4CEC-B725-4345F27D3194}" dt="2023-11-01T05:14:28.252" v="1806" actId="478"/>
-        <pc:sldMkLst>
-          <pc:docMk/>
-          <pc:sldMk cId="663711217" sldId="2145706234"/>
-        </pc:sldMkLst>
-        <pc:spChg chg="add del mod">
-          <ac:chgData name="Thomas Graf" userId="487bc3e3-9ce7-4cdd-b7b4-8899ea88d289" providerId="ADAL" clId="{FF1E8771-B1E8-4CEC-B725-4345F27D3194}" dt="2023-11-01T05:14:28.252" v="1806" actId="478"/>
-          <ac:spMkLst>
-            <pc:docMk/>
-            <pc:sldMk cId="663711217" sldId="2145706234"/>
-            <ac:spMk id="4" creationId="{4295EE2C-0CA5-8A9F-C8DB-A6EB623246E1}"/>
-          </ac:spMkLst>
-        </pc:spChg>
-        <pc:spChg chg="del mod">
-          <ac:chgData name="Thomas Graf" userId="487bc3e3-9ce7-4cdd-b7b4-8899ea88d289" providerId="ADAL" clId="{FF1E8771-B1E8-4CEC-B725-4345F27D3194}" dt="2023-10-29T12:56:37.269" v="1492" actId="478"/>
-          <ac:spMkLst>
-            <pc:docMk/>
-            <pc:sldMk cId="663711217" sldId="2145706234"/>
-            <ac:spMk id="5" creationId="{0194B37B-813A-99FE-7B78-4D87D8C30D44}"/>
-          </ac:spMkLst>
-        </pc:spChg>
-        <pc:spChg chg="mod">
-          <ac:chgData name="Thomas Graf" userId="487bc3e3-9ce7-4cdd-b7b4-8899ea88d289" providerId="ADAL" clId="{FF1E8771-B1E8-4CEC-B725-4345F27D3194}" dt="2023-11-01T05:13:16.950" v="1803" actId="20577"/>
-          <ac:spMkLst>
-            <pc:docMk/>
-            <pc:sldMk cId="663711217" sldId="2145706234"/>
-            <ac:spMk id="18" creationId="{B283EDB4-CFDF-D6B9-8AF9-9CFA563360E3}"/>
-          </ac:spMkLst>
-        </pc:spChg>
-        <pc:spChg chg="mod">
-          <ac:chgData name="Thomas Graf" userId="487bc3e3-9ce7-4cdd-b7b4-8899ea88d289" providerId="ADAL" clId="{FF1E8771-B1E8-4CEC-B725-4345F27D3194}" dt="2023-10-29T12:57:41.277" v="1560" actId="20577"/>
-          <ac:spMkLst>
-            <pc:docMk/>
-            <pc:sldMk cId="663711217" sldId="2145706234"/>
-            <ac:spMk id="19" creationId="{56D79134-17A9-8BC8-B7D0-97BCFFB9A6B2}"/>
-          </ac:spMkLst>
-        </pc:spChg>
-        <pc:picChg chg="add mod">
-          <ac:chgData name="Thomas Graf" userId="487bc3e3-9ce7-4cdd-b7b4-8899ea88d289" providerId="ADAL" clId="{FF1E8771-B1E8-4CEC-B725-4345F27D3194}" dt="2023-10-29T12:56:50.799" v="1499" actId="1076"/>
-          <ac:picMkLst>
-            <pc:docMk/>
-            <pc:sldMk cId="663711217" sldId="2145706234"/>
-            <ac:picMk id="3" creationId="{D273520C-C3FB-5F5E-ED45-63CDDF11C749}"/>
-          </ac:picMkLst>
-        </pc:picChg>
-      </pc:sldChg>
-      <pc:sldChg chg="addSp delSp modSp mod">
-        <pc:chgData name="Thomas Graf" userId="487bc3e3-9ce7-4cdd-b7b4-8899ea88d289" providerId="ADAL" clId="{FF1E8771-B1E8-4CEC-B725-4345F27D3194}" dt="2023-10-29T12:48:21.618" v="1210" actId="14100"/>
-        <pc:sldMkLst>
-          <pc:docMk/>
-          <pc:sldMk cId="2256840188" sldId="2145706235"/>
-        </pc:sldMkLst>
-        <pc:spChg chg="del">
-          <ac:chgData name="Thomas Graf" userId="487bc3e3-9ce7-4cdd-b7b4-8899ea88d289" providerId="ADAL" clId="{FF1E8771-B1E8-4CEC-B725-4345F27D3194}" dt="2023-10-29T12:33:48.981" v="925" actId="478"/>
-          <ac:spMkLst>
-            <pc:docMk/>
-            <pc:sldMk cId="2256840188" sldId="2145706235"/>
-            <ac:spMk id="3" creationId="{29C0DFD4-432D-4B0C-93DF-790441DCF5B9}"/>
-          </ac:spMkLst>
-        </pc:spChg>
-        <pc:spChg chg="add del mod">
-          <ac:chgData name="Thomas Graf" userId="487bc3e3-9ce7-4cdd-b7b4-8899ea88d289" providerId="ADAL" clId="{FF1E8771-B1E8-4CEC-B725-4345F27D3194}" dt="2023-10-29T12:33:57.034" v="927" actId="478"/>
-          <ac:spMkLst>
-            <pc:docMk/>
-            <pc:sldMk cId="2256840188" sldId="2145706235"/>
-            <ac:spMk id="4" creationId="{1D0EDFB7-FD45-5028-322C-4F3FE113E2AE}"/>
-          </ac:spMkLst>
-        </pc:spChg>
-        <pc:spChg chg="mod">
-          <ac:chgData name="Thomas Graf" userId="487bc3e3-9ce7-4cdd-b7b4-8899ea88d289" providerId="ADAL" clId="{FF1E8771-B1E8-4CEC-B725-4345F27D3194}" dt="2023-10-29T12:27:56.371" v="448" actId="20577"/>
-          <ac:spMkLst>
-            <pc:docMk/>
-            <pc:sldMk cId="2256840188" sldId="2145706235"/>
-            <ac:spMk id="6" creationId="{ABB61075-2877-B162-7D8F-97EC17B8DF39}"/>
-          </ac:spMkLst>
-        </pc:spChg>
-        <pc:spChg chg="add del mod">
-          <ac:chgData name="Thomas Graf" userId="487bc3e3-9ce7-4cdd-b7b4-8899ea88d289" providerId="ADAL" clId="{FF1E8771-B1E8-4CEC-B725-4345F27D3194}" dt="2023-10-29T12:36:57.436" v="991" actId="14100"/>
-          <ac:spMkLst>
-            <pc:docMk/>
-            <pc:sldMk cId="2256840188" sldId="2145706235"/>
-            <ac:spMk id="7" creationId="{E751AA3A-A181-4E76-CC75-041686EB2C20}"/>
-          </ac:spMkLst>
-        </pc:spChg>
-        <pc:spChg chg="add del mod">
-          <ac:chgData name="Thomas Graf" userId="487bc3e3-9ce7-4cdd-b7b4-8899ea88d289" providerId="ADAL" clId="{FF1E8771-B1E8-4CEC-B725-4345F27D3194}" dt="2023-10-29T12:36:40.670" v="988" actId="14100"/>
-          <ac:spMkLst>
-            <pc:docMk/>
-            <pc:sldMk cId="2256840188" sldId="2145706235"/>
-            <ac:spMk id="8" creationId="{8F5B7433-6C2C-9F79-E743-B4F7F3199C49}"/>
-          </ac:spMkLst>
-        </pc:spChg>
-        <pc:spChg chg="mod">
-          <ac:chgData name="Thomas Graf" userId="487bc3e3-9ce7-4cdd-b7b4-8899ea88d289" providerId="ADAL" clId="{FF1E8771-B1E8-4CEC-B725-4345F27D3194}" dt="2023-10-29T12:36:03.010" v="977" actId="20577"/>
-          <ac:spMkLst>
-            <pc:docMk/>
-            <pc:sldMk cId="2256840188" sldId="2145706235"/>
-            <ac:spMk id="17" creationId="{8F78EE4C-6EFD-4363-A98F-3E5608669DF5}"/>
-          </ac:spMkLst>
-        </pc:spChg>
-        <pc:spChg chg="mod">
-          <ac:chgData name="Thomas Graf" userId="487bc3e3-9ce7-4cdd-b7b4-8899ea88d289" providerId="ADAL" clId="{FF1E8771-B1E8-4CEC-B725-4345F27D3194}" dt="2023-10-29T12:36:53.556" v="990" actId="14100"/>
-          <ac:spMkLst>
-            <pc:docMk/>
-            <pc:sldMk cId="2256840188" sldId="2145706235"/>
-            <ac:spMk id="19" creationId="{B0AC9776-B227-44FD-A2AC-1FDE0B6F1445}"/>
-          </ac:spMkLst>
-        </pc:spChg>
-        <pc:spChg chg="add mod">
-          <ac:chgData name="Thomas Graf" userId="487bc3e3-9ce7-4cdd-b7b4-8899ea88d289" providerId="ADAL" clId="{FF1E8771-B1E8-4CEC-B725-4345F27D3194}" dt="2023-10-29T12:48:09.759" v="1207" actId="255"/>
-          <ac:spMkLst>
-            <pc:docMk/>
-            <pc:sldMk cId="2256840188" sldId="2145706235"/>
-            <ac:spMk id="20" creationId="{E846C2CB-2A43-3B4C-BB6E-9C3ACA9B9758}"/>
-          </ac:spMkLst>
-        </pc:spChg>
-        <pc:cxnChg chg="add mod">
-          <ac:chgData name="Thomas Graf" userId="487bc3e3-9ce7-4cdd-b7b4-8899ea88d289" providerId="ADAL" clId="{FF1E8771-B1E8-4CEC-B725-4345F27D3194}" dt="2023-10-29T12:38:51.773" v="1116" actId="14100"/>
-          <ac:cxnSpMkLst>
-            <pc:docMk/>
-            <pc:sldMk cId="2256840188" sldId="2145706235"/>
-            <ac:cxnSpMk id="5" creationId="{5370E270-EEB2-F115-EF4D-C97002326F18}"/>
-          </ac:cxnSpMkLst>
-        </pc:cxnChg>
-        <pc:cxnChg chg="add mod">
-          <ac:chgData name="Thomas Graf" userId="487bc3e3-9ce7-4cdd-b7b4-8899ea88d289" providerId="ADAL" clId="{FF1E8771-B1E8-4CEC-B725-4345F27D3194}" dt="2023-10-29T12:48:21.618" v="1210" actId="14100"/>
-          <ac:cxnSpMkLst>
-            <pc:docMk/>
-            <pc:sldMk cId="2256840188" sldId="2145706235"/>
-            <ac:cxnSpMk id="9" creationId="{64493AF9-D9ED-2EFA-8CC1-193009826C6B}"/>
-          </ac:cxnSpMkLst>
-        </pc:cxnChg>
-        <pc:cxnChg chg="add mod">
-          <ac:chgData name="Thomas Graf" userId="487bc3e3-9ce7-4cdd-b7b4-8899ea88d289" providerId="ADAL" clId="{FF1E8771-B1E8-4CEC-B725-4345F27D3194}" dt="2023-10-29T12:48:15.094" v="1208" actId="14100"/>
-          <ac:cxnSpMkLst>
-            <pc:docMk/>
-            <pc:sldMk cId="2256840188" sldId="2145706235"/>
-            <ac:cxnSpMk id="10" creationId="{7AB39C7E-0F1D-FE2E-FC09-23AAF8060A41}"/>
-          </ac:cxnSpMkLst>
-        </pc:cxnChg>
-        <pc:cxnChg chg="add del mod">
-          <ac:chgData name="Thomas Graf" userId="487bc3e3-9ce7-4cdd-b7b4-8899ea88d289" providerId="ADAL" clId="{FF1E8771-B1E8-4CEC-B725-4345F27D3194}" dt="2023-10-29T12:37:07.723" v="995" actId="478"/>
-          <ac:cxnSpMkLst>
-            <pc:docMk/>
-            <pc:sldMk cId="2256840188" sldId="2145706235"/>
-            <ac:cxnSpMk id="12" creationId="{15170B53-FA8B-2F79-179F-AA7ACB5B0296}"/>
-          </ac:cxnSpMkLst>
-        </pc:cxnChg>
-        <pc:cxnChg chg="del">
-          <ac:chgData name="Thomas Graf" userId="487bc3e3-9ce7-4cdd-b7b4-8899ea88d289" providerId="ADAL" clId="{FF1E8771-B1E8-4CEC-B725-4345F27D3194}" dt="2023-10-29T12:33:48.981" v="925" actId="478"/>
-          <ac:cxnSpMkLst>
-            <pc:docMk/>
-            <pc:sldMk cId="2256840188" sldId="2145706235"/>
-            <ac:cxnSpMk id="13" creationId="{ABDEEB90-F9DE-4579-466A-4391823DABF7}"/>
-          </ac:cxnSpMkLst>
-        </pc:cxnChg>
-        <pc:cxnChg chg="add del mod">
-          <ac:chgData name="Thomas Graf" userId="487bc3e3-9ce7-4cdd-b7b4-8899ea88d289" providerId="ADAL" clId="{FF1E8771-B1E8-4CEC-B725-4345F27D3194}" dt="2023-10-29T12:33:59.835" v="929" actId="478"/>
-          <ac:cxnSpMkLst>
-            <pc:docMk/>
-            <pc:sldMk cId="2256840188" sldId="2145706235"/>
-            <ac:cxnSpMk id="14" creationId="{189B9352-DF14-DCC5-8852-3E24F676995B}"/>
-          </ac:cxnSpMkLst>
-        </pc:cxnChg>
-        <pc:cxnChg chg="add del mod">
-          <ac:chgData name="Thomas Graf" userId="487bc3e3-9ce7-4cdd-b7b4-8899ea88d289" providerId="ADAL" clId="{FF1E8771-B1E8-4CEC-B725-4345F27D3194}" dt="2023-10-29T12:33:59.835" v="929" actId="478"/>
-          <ac:cxnSpMkLst>
-            <pc:docMk/>
-            <pc:sldMk cId="2256840188" sldId="2145706235"/>
-            <ac:cxnSpMk id="15" creationId="{16C007D3-5C41-72CC-2F0D-20A40A25E4C3}"/>
-          </ac:cxnSpMkLst>
-        </pc:cxnChg>
-        <pc:cxnChg chg="add del mod">
-          <ac:chgData name="Thomas Graf" userId="487bc3e3-9ce7-4cdd-b7b4-8899ea88d289" providerId="ADAL" clId="{FF1E8771-B1E8-4CEC-B725-4345F27D3194}" dt="2023-10-29T12:33:59.835" v="929" actId="478"/>
-          <ac:cxnSpMkLst>
-            <pc:docMk/>
-            <pc:sldMk cId="2256840188" sldId="2145706235"/>
-            <ac:cxnSpMk id="16" creationId="{D919FEA3-A091-D0B9-D4F2-9092F6ECEBB8}"/>
-          </ac:cxnSpMkLst>
-        </pc:cxnChg>
-        <pc:cxnChg chg="add del mod">
-          <ac:chgData name="Thomas Graf" userId="487bc3e3-9ce7-4cdd-b7b4-8899ea88d289" providerId="ADAL" clId="{FF1E8771-B1E8-4CEC-B725-4345F27D3194}" dt="2023-10-29T12:33:59.835" v="929" actId="478"/>
-          <ac:cxnSpMkLst>
-            <pc:docMk/>
-            <pc:sldMk cId="2256840188" sldId="2145706235"/>
-            <ac:cxnSpMk id="18" creationId="{072C1B77-7EBE-9F67-7055-837767DD1381}"/>
-          </ac:cxnSpMkLst>
-        </pc:cxnChg>
-        <pc:cxnChg chg="del">
-          <ac:chgData name="Thomas Graf" userId="487bc3e3-9ce7-4cdd-b7b4-8899ea88d289" providerId="ADAL" clId="{FF1E8771-B1E8-4CEC-B725-4345F27D3194}" dt="2023-10-29T12:33:48.981" v="925" actId="478"/>
-          <ac:cxnSpMkLst>
-            <pc:docMk/>
-            <pc:sldMk cId="2256840188" sldId="2145706235"/>
-            <ac:cxnSpMk id="22" creationId="{5EE7A184-4440-4663-A713-45C43FB41FBD}"/>
-          </ac:cxnSpMkLst>
-        </pc:cxnChg>
-        <pc:cxnChg chg="del">
-          <ac:chgData name="Thomas Graf" userId="487bc3e3-9ce7-4cdd-b7b4-8899ea88d289" providerId="ADAL" clId="{FF1E8771-B1E8-4CEC-B725-4345F27D3194}" dt="2023-10-29T12:33:48.981" v="925" actId="478"/>
-          <ac:cxnSpMkLst>
-            <pc:docMk/>
-            <pc:sldMk cId="2256840188" sldId="2145706235"/>
-            <ac:cxnSpMk id="23" creationId="{D8988D8C-34C7-42B3-BD73-F0A5B399F9DF}"/>
-          </ac:cxnSpMkLst>
-        </pc:cxnChg>
-      </pc:sldChg>
-      <pc:sldChg chg="add del">
-        <pc:chgData name="Thomas Graf" userId="487bc3e3-9ce7-4cdd-b7b4-8899ea88d289" providerId="ADAL" clId="{FF1E8771-B1E8-4CEC-B725-4345F27D3194}" dt="2023-10-29T12:56:29.096" v="1490" actId="2696"/>
-        <pc:sldMkLst>
-          <pc:docMk/>
-          <pc:sldMk cId="2490642252" sldId="2145706236"/>
-        </pc:sldMkLst>
-      </pc:sldChg>
-      <pc:sldChg chg="modSp add mod">
-        <pc:chgData name="Thomas Graf" userId="487bc3e3-9ce7-4cdd-b7b4-8899ea88d289" providerId="ADAL" clId="{FF1E8771-B1E8-4CEC-B725-4345F27D3194}" dt="2023-11-01T05:08:40.589" v="1659" actId="207"/>
-        <pc:sldMkLst>
-          <pc:docMk/>
-          <pc:sldMk cId="3864283889" sldId="2145706236"/>
-        </pc:sldMkLst>
-        <pc:spChg chg="mod">
-          <ac:chgData name="Thomas Graf" userId="487bc3e3-9ce7-4cdd-b7b4-8899ea88d289" providerId="ADAL" clId="{FF1E8771-B1E8-4CEC-B725-4345F27D3194}" dt="2023-11-01T05:08:40.589" v="1659" actId="207"/>
-          <ac:spMkLst>
-            <pc:docMk/>
-            <pc:sldMk cId="3864283889" sldId="2145706236"/>
-            <ac:spMk id="18" creationId="{B283EDB4-CFDF-D6B9-8AF9-9CFA563360E3}"/>
-          </ac:spMkLst>
-        </pc:spChg>
-        <pc:spChg chg="mod">
-          <ac:chgData name="Thomas Graf" userId="487bc3e3-9ce7-4cdd-b7b4-8899ea88d289" providerId="ADAL" clId="{FF1E8771-B1E8-4CEC-B725-4345F27D3194}" dt="2023-10-29T13:01:11.413" v="1652" actId="108"/>
-          <ac:spMkLst>
-            <pc:docMk/>
-            <pc:sldMk cId="3864283889" sldId="2145706236"/>
-            <ac:spMk id="19" creationId="{56D79134-17A9-8BC8-B7D0-97BCFFB9A6B2}"/>
-          </ac:spMkLst>
-        </pc:spChg>
-      </pc:sldChg>
-    </pc:docChg>
-  </pc:docChgLst>
-  <pc:docChgLst>
-    <pc:chgData name="Graf Thomas, INI-NET-VNC-HCS" userId="487bc3e3-9ce7-4cdd-b7b4-8899ea88d289" providerId="ADAL" clId="{A47D5A21-D820-4251-9DE3-0EE7A7287481}"/>
-    <pc:docChg chg="undo custSel addSld delSld modSld sldOrd">
-      <pc:chgData name="Graf Thomas, INI-NET-VNC-HCS" userId="487bc3e3-9ce7-4cdd-b7b4-8899ea88d289" providerId="ADAL" clId="{A47D5A21-D820-4251-9DE3-0EE7A7287481}" dt="2024-03-06T12:16:50.226" v="1740"/>
-      <pc:docMkLst>
-        <pc:docMk/>
-      </pc:docMkLst>
-      <pc:sldChg chg="modSp mod">
-        <pc:chgData name="Graf Thomas, INI-NET-VNC-HCS" userId="487bc3e3-9ce7-4cdd-b7b4-8899ea88d289" providerId="ADAL" clId="{A47D5A21-D820-4251-9DE3-0EE7A7287481}" dt="2024-03-06T07:56:24.608" v="45" actId="20577"/>
-        <pc:sldMkLst>
-          <pc:docMk/>
-          <pc:sldMk cId="3578665336" sldId="1041"/>
-        </pc:sldMkLst>
-        <pc:spChg chg="mod">
-          <ac:chgData name="Graf Thomas, INI-NET-VNC-HCS" userId="487bc3e3-9ce7-4cdd-b7b4-8899ea88d289" providerId="ADAL" clId="{A47D5A21-D820-4251-9DE3-0EE7A7287481}" dt="2024-03-06T07:56:24.608" v="45" actId="20577"/>
-          <ac:spMkLst>
-            <pc:docMk/>
-            <pc:sldMk cId="3578665336" sldId="1041"/>
-            <ac:spMk id="5" creationId="{C26208B2-0D10-4C23-B2DE-372A62E98644}"/>
-          </ac:spMkLst>
-        </pc:spChg>
-        <pc:spChg chg="mod">
-          <ac:chgData name="Graf Thomas, INI-NET-VNC-HCS" userId="487bc3e3-9ce7-4cdd-b7b4-8899ea88d289" providerId="ADAL" clId="{A47D5A21-D820-4251-9DE3-0EE7A7287481}" dt="2024-03-06T07:55:18.982" v="10" actId="20577"/>
-          <ac:spMkLst>
-            <pc:docMk/>
-            <pc:sldMk cId="3578665336" sldId="1041"/>
-            <ac:spMk id="6" creationId="{6CAA0765-1318-4A03-8F91-D3ECC43D8FA7}"/>
-          </ac:spMkLst>
-        </pc:spChg>
-      </pc:sldChg>
-      <pc:sldChg chg="modSp mod ord">
-        <pc:chgData name="Graf Thomas, INI-NET-VNC-HCS" userId="487bc3e3-9ce7-4cdd-b7b4-8899ea88d289" providerId="ADAL" clId="{A47D5A21-D820-4251-9DE3-0EE7A7287481}" dt="2024-03-06T08:42:50.020" v="1458"/>
-        <pc:sldMkLst>
-          <pc:docMk/>
-          <pc:sldMk cId="2578889968" sldId="26415"/>
-        </pc:sldMkLst>
-        <pc:spChg chg="mod">
-          <ac:chgData name="Graf Thomas, INI-NET-VNC-HCS" userId="487bc3e3-9ce7-4cdd-b7b4-8899ea88d289" providerId="ADAL" clId="{A47D5A21-D820-4251-9DE3-0EE7A7287481}" dt="2024-03-06T07:58:02.982" v="47" actId="20577"/>
-          <ac:spMkLst>
-            <pc:docMk/>
-            <pc:sldMk cId="2578889968" sldId="26415"/>
-            <ac:spMk id="7" creationId="{BF6DCC5D-2508-4A9B-B734-C8C5147F93FB}"/>
-          </ac:spMkLst>
-        </pc:spChg>
-      </pc:sldChg>
-      <pc:sldChg chg="modSp mod">
-        <pc:chgData name="Graf Thomas, INI-NET-VNC-HCS" userId="487bc3e3-9ce7-4cdd-b7b4-8899ea88d289" providerId="ADAL" clId="{A47D5A21-D820-4251-9DE3-0EE7A7287481}" dt="2024-03-06T07:59:58.859" v="49" actId="20577"/>
-        <pc:sldMkLst>
-          <pc:docMk/>
-          <pc:sldMk cId="320697580" sldId="26425"/>
-        </pc:sldMkLst>
-        <pc:spChg chg="mod">
-          <ac:chgData name="Graf Thomas, INI-NET-VNC-HCS" userId="487bc3e3-9ce7-4cdd-b7b4-8899ea88d289" providerId="ADAL" clId="{A47D5A21-D820-4251-9DE3-0EE7A7287481}" dt="2024-03-06T07:59:58.859" v="49" actId="20577"/>
-          <ac:spMkLst>
-            <pc:docMk/>
-            <pc:sldMk cId="320697580" sldId="26425"/>
-            <ac:spMk id="6" creationId="{ABB61075-2877-B162-7D8F-97EC17B8DF39}"/>
-          </ac:spMkLst>
-        </pc:spChg>
-      </pc:sldChg>
-      <pc:sldChg chg="del">
-        <pc:chgData name="Graf Thomas, INI-NET-VNC-HCS" userId="487bc3e3-9ce7-4cdd-b7b4-8899ea88d289" providerId="ADAL" clId="{A47D5A21-D820-4251-9DE3-0EE7A7287481}" dt="2024-03-06T11:45:24.047" v="1460" actId="47"/>
-        <pc:sldMkLst>
-          <pc:docMk/>
-          <pc:sldMk cId="4069880896" sldId="2145706223"/>
-        </pc:sldMkLst>
-      </pc:sldChg>
-      <pc:sldChg chg="addSp delSp modSp mod">
-        <pc:chgData name="Graf Thomas, INI-NET-VNC-HCS" userId="487bc3e3-9ce7-4cdd-b7b4-8899ea88d289" providerId="ADAL" clId="{A47D5A21-D820-4251-9DE3-0EE7A7287481}" dt="2024-03-06T12:13:48.225" v="1739" actId="1076"/>
-        <pc:sldMkLst>
-          <pc:docMk/>
-          <pc:sldMk cId="1081037514" sldId="2145706225"/>
-        </pc:sldMkLst>
-        <pc:spChg chg="add mod">
-          <ac:chgData name="Graf Thomas, INI-NET-VNC-HCS" userId="487bc3e3-9ce7-4cdd-b7b4-8899ea88d289" providerId="ADAL" clId="{A47D5A21-D820-4251-9DE3-0EE7A7287481}" dt="2024-03-06T12:13:10.597" v="1731" actId="1076"/>
-          <ac:spMkLst>
-            <pc:docMk/>
-            <pc:sldMk cId="1081037514" sldId="2145706225"/>
-            <ac:spMk id="14" creationId="{A1EA8359-DC79-8122-1266-D00A47BFEBE7}"/>
-          </ac:spMkLst>
-        </pc:spChg>
-        <pc:spChg chg="mod">
-          <ac:chgData name="Graf Thomas, INI-NET-VNC-HCS" userId="487bc3e3-9ce7-4cdd-b7b4-8899ea88d289" providerId="ADAL" clId="{A47D5A21-D820-4251-9DE3-0EE7A7287481}" dt="2024-03-06T12:07:28.243" v="1658" actId="20577"/>
-          <ac:spMkLst>
-            <pc:docMk/>
-            <pc:sldMk cId="1081037514" sldId="2145706225"/>
-            <ac:spMk id="29" creationId="{5DF5E834-66E3-AE49-4040-1D628970A3FC}"/>
-          </ac:spMkLst>
-        </pc:spChg>
-        <pc:spChg chg="mod">
-          <ac:chgData name="Graf Thomas, INI-NET-VNC-HCS" userId="487bc3e3-9ce7-4cdd-b7b4-8899ea88d289" providerId="ADAL" clId="{A47D5A21-D820-4251-9DE3-0EE7A7287481}" dt="2024-03-06T12:04:20.645" v="1575" actId="1037"/>
-          <ac:spMkLst>
-            <pc:docMk/>
-            <pc:sldMk cId="1081037514" sldId="2145706225"/>
-            <ac:spMk id="30" creationId="{BA1C20F7-8218-7EF6-0AE8-992862F0E030}"/>
-          </ac:spMkLst>
-        </pc:spChg>
-        <pc:spChg chg="mod">
-          <ac:chgData name="Graf Thomas, INI-NET-VNC-HCS" userId="487bc3e3-9ce7-4cdd-b7b4-8899ea88d289" providerId="ADAL" clId="{A47D5A21-D820-4251-9DE3-0EE7A7287481}" dt="2024-03-06T12:13:30.735" v="1732" actId="21"/>
-          <ac:spMkLst>
-            <pc:docMk/>
-            <pc:sldMk cId="1081037514" sldId="2145706225"/>
-            <ac:spMk id="39" creationId="{E2C5DAC4-E571-363C-E57D-8F3EA7B6E611}"/>
-          </ac:spMkLst>
-        </pc:spChg>
-        <pc:spChg chg="mod">
-          <ac:chgData name="Graf Thomas, INI-NET-VNC-HCS" userId="487bc3e3-9ce7-4cdd-b7b4-8899ea88d289" providerId="ADAL" clId="{A47D5A21-D820-4251-9DE3-0EE7A7287481}" dt="2024-03-06T12:12:32.871" v="1715" actId="1076"/>
-          <ac:spMkLst>
-            <pc:docMk/>
-            <pc:sldMk cId="1081037514" sldId="2145706225"/>
-            <ac:spMk id="41" creationId="{1686B893-78A4-3D56-EECA-A2AEF814D57E}"/>
-          </ac:spMkLst>
-        </pc:spChg>
-        <pc:spChg chg="del">
-          <ac:chgData name="Graf Thomas, INI-NET-VNC-HCS" userId="487bc3e3-9ce7-4cdd-b7b4-8899ea88d289" providerId="ADAL" clId="{A47D5A21-D820-4251-9DE3-0EE7A7287481}" dt="2024-03-06T12:04:05.930" v="1531" actId="478"/>
-          <ac:spMkLst>
-            <pc:docMk/>
-            <pc:sldMk cId="1081037514" sldId="2145706225"/>
-            <ac:spMk id="44" creationId="{0633B95D-D798-3465-C482-2E6F7E2DFE46}"/>
-          </ac:spMkLst>
-        </pc:spChg>
-        <pc:spChg chg="del">
-          <ac:chgData name="Graf Thomas, INI-NET-VNC-HCS" userId="487bc3e3-9ce7-4cdd-b7b4-8899ea88d289" providerId="ADAL" clId="{A47D5A21-D820-4251-9DE3-0EE7A7287481}" dt="2024-03-06T12:04:05.930" v="1531" actId="478"/>
-          <ac:spMkLst>
-            <pc:docMk/>
-            <pc:sldMk cId="1081037514" sldId="2145706225"/>
-            <ac:spMk id="46" creationId="{910C6A2B-4068-DF2D-9256-79E34275A27E}"/>
-          </ac:spMkLst>
-        </pc:spChg>
-        <pc:spChg chg="mod">
-          <ac:chgData name="Graf Thomas, INI-NET-VNC-HCS" userId="487bc3e3-9ce7-4cdd-b7b4-8899ea88d289" providerId="ADAL" clId="{A47D5A21-D820-4251-9DE3-0EE7A7287481}" dt="2024-03-06T12:04:09.459" v="1533" actId="1076"/>
-          <ac:spMkLst>
-            <pc:docMk/>
-            <pc:sldMk cId="1081037514" sldId="2145706225"/>
-            <ac:spMk id="48" creationId="{A48B1DB7-BCDC-5D18-F56D-8A1447F1B8BA}"/>
-          </ac:spMkLst>
-        </pc:spChg>
-        <pc:spChg chg="add mod">
-          <ac:chgData name="Graf Thomas, INI-NET-VNC-HCS" userId="487bc3e3-9ce7-4cdd-b7b4-8899ea88d289" providerId="ADAL" clId="{A47D5A21-D820-4251-9DE3-0EE7A7287481}" dt="2024-03-06T12:13:00.466" v="1730" actId="20577"/>
-          <ac:spMkLst>
-            <pc:docMk/>
-            <pc:sldMk cId="1081037514" sldId="2145706225"/>
-            <ac:spMk id="49" creationId="{9DA38AA2-A8F2-8D1B-FF42-9920ACF088FF}"/>
-          </ac:spMkLst>
-        </pc:spChg>
-        <pc:spChg chg="add mod">
-          <ac:chgData name="Graf Thomas, INI-NET-VNC-HCS" userId="487bc3e3-9ce7-4cdd-b7b4-8899ea88d289" providerId="ADAL" clId="{A47D5A21-D820-4251-9DE3-0EE7A7287481}" dt="2024-03-06T12:13:48.225" v="1739" actId="1076"/>
-          <ac:spMkLst>
-            <pc:docMk/>
-            <pc:sldMk cId="1081037514" sldId="2145706225"/>
-            <ac:spMk id="50" creationId="{E6F4D9EF-7813-54D5-B0A7-BB6DFF65B9B1}"/>
-          </ac:spMkLst>
-        </pc:spChg>
-        <pc:grpChg chg="mod">
-          <ac:chgData name="Graf Thomas, INI-NET-VNC-HCS" userId="487bc3e3-9ce7-4cdd-b7b4-8899ea88d289" providerId="ADAL" clId="{A47D5A21-D820-4251-9DE3-0EE7A7287481}" dt="2024-03-06T12:06:24.309" v="1640" actId="1038"/>
-          <ac:grpSpMkLst>
-            <pc:docMk/>
-            <pc:sldMk cId="1081037514" sldId="2145706225"/>
-            <ac:grpSpMk id="2" creationId="{593A3D2C-AF3C-4647-1B02-6C5086C62287}"/>
-          </ac:grpSpMkLst>
-        </pc:grpChg>
-        <pc:grpChg chg="mod">
-          <ac:chgData name="Graf Thomas, INI-NET-VNC-HCS" userId="487bc3e3-9ce7-4cdd-b7b4-8899ea88d289" providerId="ADAL" clId="{A47D5A21-D820-4251-9DE3-0EE7A7287481}" dt="2024-03-06T12:04:20.645" v="1575" actId="1037"/>
-          <ac:grpSpMkLst>
-            <pc:docMk/>
-            <pc:sldMk cId="1081037514" sldId="2145706225"/>
-            <ac:grpSpMk id="7" creationId="{746914D8-DC97-6FCE-CCEC-831AF8343A92}"/>
-          </ac:grpSpMkLst>
-        </pc:grpChg>
-        <pc:grpChg chg="mod">
-          <ac:chgData name="Graf Thomas, INI-NET-VNC-HCS" userId="487bc3e3-9ce7-4cdd-b7b4-8899ea88d289" providerId="ADAL" clId="{A47D5A21-D820-4251-9DE3-0EE7A7287481}" dt="2024-03-06T12:04:20.645" v="1575" actId="1037"/>
-          <ac:grpSpMkLst>
-            <pc:docMk/>
-            <pc:sldMk cId="1081037514" sldId="2145706225"/>
-            <ac:grpSpMk id="10" creationId="{2A39462A-F04D-B596-7A41-2767D485510C}"/>
-          </ac:grpSpMkLst>
-        </pc:grpChg>
-        <pc:grpChg chg="mod">
-          <ac:chgData name="Graf Thomas, INI-NET-VNC-HCS" userId="487bc3e3-9ce7-4cdd-b7b4-8899ea88d289" providerId="ADAL" clId="{A47D5A21-D820-4251-9DE3-0EE7A7287481}" dt="2024-03-06T12:04:20.645" v="1575" actId="1037"/>
-          <ac:grpSpMkLst>
-            <pc:docMk/>
-            <pc:sldMk cId="1081037514" sldId="2145706225"/>
-            <ac:grpSpMk id="13" creationId="{C27136FF-F3FA-F76D-A713-2F31CB874934}"/>
-          </ac:grpSpMkLst>
-        </pc:grpChg>
-        <pc:grpChg chg="mod">
-          <ac:chgData name="Graf Thomas, INI-NET-VNC-HCS" userId="487bc3e3-9ce7-4cdd-b7b4-8899ea88d289" providerId="ADAL" clId="{A47D5A21-D820-4251-9DE3-0EE7A7287481}" dt="2024-03-06T12:04:20.645" v="1575" actId="1037"/>
-          <ac:grpSpMkLst>
-            <pc:docMk/>
-            <pc:sldMk cId="1081037514" sldId="2145706225"/>
-            <ac:grpSpMk id="17" creationId="{CEB0384D-AE7F-401C-F7FF-BDAEA866A31A}"/>
-          </ac:grpSpMkLst>
-        </pc:grpChg>
-        <pc:grpChg chg="mod">
-          <ac:chgData name="Graf Thomas, INI-NET-VNC-HCS" userId="487bc3e3-9ce7-4cdd-b7b4-8899ea88d289" providerId="ADAL" clId="{A47D5A21-D820-4251-9DE3-0EE7A7287481}" dt="2024-03-06T12:04:20.645" v="1575" actId="1037"/>
-          <ac:grpSpMkLst>
-            <pc:docMk/>
-            <pc:sldMk cId="1081037514" sldId="2145706225"/>
-            <ac:grpSpMk id="20" creationId="{1B5435B3-AE86-5E3B-7DD7-612D9AD30695}"/>
-          </ac:grpSpMkLst>
-        </pc:grpChg>
-        <pc:grpChg chg="mod">
-          <ac:chgData name="Graf Thomas, INI-NET-VNC-HCS" userId="487bc3e3-9ce7-4cdd-b7b4-8899ea88d289" providerId="ADAL" clId="{A47D5A21-D820-4251-9DE3-0EE7A7287481}" dt="2024-03-06T12:04:20.645" v="1575" actId="1037"/>
-          <ac:grpSpMkLst>
-            <pc:docMk/>
-            <pc:sldMk cId="1081037514" sldId="2145706225"/>
-            <ac:grpSpMk id="23" creationId="{43DA79DF-E42D-79DA-2E63-37571E43F0EB}"/>
-          </ac:grpSpMkLst>
-        </pc:grpChg>
-        <pc:picChg chg="mod">
-          <ac:chgData name="Graf Thomas, INI-NET-VNC-HCS" userId="487bc3e3-9ce7-4cdd-b7b4-8899ea88d289" providerId="ADAL" clId="{A47D5A21-D820-4251-9DE3-0EE7A7287481}" dt="2024-03-06T12:04:20.645" v="1575" actId="1037"/>
-          <ac:picMkLst>
-            <pc:docMk/>
-            <pc:sldMk cId="1081037514" sldId="2145706225"/>
-            <ac:picMk id="27" creationId="{2C9830F3-CBF4-D372-DBC5-8AB3BCB5DD2A}"/>
-          </ac:picMkLst>
-        </pc:picChg>
-        <pc:picChg chg="mod">
-          <ac:chgData name="Graf Thomas, INI-NET-VNC-HCS" userId="487bc3e3-9ce7-4cdd-b7b4-8899ea88d289" providerId="ADAL" clId="{A47D5A21-D820-4251-9DE3-0EE7A7287481}" dt="2024-03-06T12:04:20.645" v="1575" actId="1037"/>
-          <ac:picMkLst>
-            <pc:docMk/>
-            <pc:sldMk cId="1081037514" sldId="2145706225"/>
-            <ac:picMk id="28" creationId="{17EB060B-2351-6AC0-7856-F33CB052400F}"/>
-          </ac:picMkLst>
-        </pc:picChg>
-        <pc:picChg chg="mod">
-          <ac:chgData name="Graf Thomas, INI-NET-VNC-HCS" userId="487bc3e3-9ce7-4cdd-b7b4-8899ea88d289" providerId="ADAL" clId="{A47D5A21-D820-4251-9DE3-0EE7A7287481}" dt="2024-03-06T12:04:20.645" v="1575" actId="1037"/>
-          <ac:picMkLst>
-            <pc:docMk/>
-            <pc:sldMk cId="1081037514" sldId="2145706225"/>
-            <ac:picMk id="31" creationId="{17DF8467-9125-3982-1295-79F29C9B0DC8}"/>
-          </ac:picMkLst>
-        </pc:picChg>
-        <pc:picChg chg="mod">
-          <ac:chgData name="Graf Thomas, INI-NET-VNC-HCS" userId="487bc3e3-9ce7-4cdd-b7b4-8899ea88d289" providerId="ADAL" clId="{A47D5A21-D820-4251-9DE3-0EE7A7287481}" dt="2024-03-06T12:06:24.309" v="1640" actId="1038"/>
-          <ac:picMkLst>
-            <pc:docMk/>
-            <pc:sldMk cId="1081037514" sldId="2145706225"/>
-            <ac:picMk id="32" creationId="{C770A491-1DB5-77FC-712B-35F7A47E2F99}"/>
-          </ac:picMkLst>
-        </pc:picChg>
-        <pc:picChg chg="mod">
-          <ac:chgData name="Graf Thomas, INI-NET-VNC-HCS" userId="487bc3e3-9ce7-4cdd-b7b4-8899ea88d289" providerId="ADAL" clId="{A47D5A21-D820-4251-9DE3-0EE7A7287481}" dt="2024-03-06T12:04:20.645" v="1575" actId="1037"/>
-          <ac:picMkLst>
-            <pc:docMk/>
-            <pc:sldMk cId="1081037514" sldId="2145706225"/>
-            <ac:picMk id="33" creationId="{17CD1AF5-AD78-AA80-9E26-C4515CC45BFA}"/>
-          </ac:picMkLst>
-        </pc:picChg>
-        <pc:picChg chg="mod">
-          <ac:chgData name="Graf Thomas, INI-NET-VNC-HCS" userId="487bc3e3-9ce7-4cdd-b7b4-8899ea88d289" providerId="ADAL" clId="{A47D5A21-D820-4251-9DE3-0EE7A7287481}" dt="2024-03-06T12:04:20.645" v="1575" actId="1037"/>
-          <ac:picMkLst>
-            <pc:docMk/>
-            <pc:sldMk cId="1081037514" sldId="2145706225"/>
-            <ac:picMk id="34" creationId="{0DF49D5E-4B86-6869-98D7-DE092FC30B18}"/>
-          </ac:picMkLst>
-        </pc:picChg>
-        <pc:picChg chg="mod">
-          <ac:chgData name="Graf Thomas, INI-NET-VNC-HCS" userId="487bc3e3-9ce7-4cdd-b7b4-8899ea88d289" providerId="ADAL" clId="{A47D5A21-D820-4251-9DE3-0EE7A7287481}" dt="2024-03-06T12:04:20.645" v="1575" actId="1037"/>
-          <ac:picMkLst>
-            <pc:docMk/>
-            <pc:sldMk cId="1081037514" sldId="2145706225"/>
-            <ac:picMk id="35" creationId="{76768564-2BA7-E325-FE43-6D4CE762CDAA}"/>
-          </ac:picMkLst>
-        </pc:picChg>
-        <pc:picChg chg="mod">
-          <ac:chgData name="Graf Thomas, INI-NET-VNC-HCS" userId="487bc3e3-9ce7-4cdd-b7b4-8899ea88d289" providerId="ADAL" clId="{A47D5A21-D820-4251-9DE3-0EE7A7287481}" dt="2024-03-06T12:04:20.645" v="1575" actId="1037"/>
-          <ac:picMkLst>
-            <pc:docMk/>
-            <pc:sldMk cId="1081037514" sldId="2145706225"/>
-            <ac:picMk id="36" creationId="{BA0A7074-FC27-6B8B-F899-8DDE2533BB10}"/>
-          </ac:picMkLst>
-        </pc:picChg>
-        <pc:picChg chg="mod">
-          <ac:chgData name="Graf Thomas, INI-NET-VNC-HCS" userId="487bc3e3-9ce7-4cdd-b7b4-8899ea88d289" providerId="ADAL" clId="{A47D5A21-D820-4251-9DE3-0EE7A7287481}" dt="2024-03-06T12:04:20.645" v="1575" actId="1037"/>
-          <ac:picMkLst>
-            <pc:docMk/>
-            <pc:sldMk cId="1081037514" sldId="2145706225"/>
-            <ac:picMk id="37" creationId="{D966A7CE-25D4-DED2-6D45-788D6CB73BA2}"/>
-          </ac:picMkLst>
-        </pc:picChg>
-        <pc:picChg chg="del">
-          <ac:chgData name="Graf Thomas, INI-NET-VNC-HCS" userId="487bc3e3-9ce7-4cdd-b7b4-8899ea88d289" providerId="ADAL" clId="{A47D5A21-D820-4251-9DE3-0EE7A7287481}" dt="2024-03-06T12:04:05.930" v="1531" actId="478"/>
-          <ac:picMkLst>
-            <pc:docMk/>
-            <pc:sldMk cId="1081037514" sldId="2145706225"/>
-            <ac:picMk id="43" creationId="{D8C02CC5-A9C9-F866-A5DB-BA4EC3307654}"/>
-          </ac:picMkLst>
-        </pc:picChg>
-        <pc:picChg chg="del">
-          <ac:chgData name="Graf Thomas, INI-NET-VNC-HCS" userId="487bc3e3-9ce7-4cdd-b7b4-8899ea88d289" providerId="ADAL" clId="{A47D5A21-D820-4251-9DE3-0EE7A7287481}" dt="2024-03-06T12:04:05.930" v="1531" actId="478"/>
-          <ac:picMkLst>
-            <pc:docMk/>
-            <pc:sldMk cId="1081037514" sldId="2145706225"/>
-            <ac:picMk id="45" creationId="{EFDD0C3B-512D-293E-E727-46B89BD86D4B}"/>
-          </ac:picMkLst>
-        </pc:picChg>
-        <pc:cxnChg chg="mod">
-          <ac:chgData name="Graf Thomas, INI-NET-VNC-HCS" userId="487bc3e3-9ce7-4cdd-b7b4-8899ea88d289" providerId="ADAL" clId="{A47D5A21-D820-4251-9DE3-0EE7A7287481}" dt="2024-03-06T12:04:20.645" v="1575" actId="1037"/>
-          <ac:cxnSpMkLst>
-            <pc:docMk/>
-            <pc:sldMk cId="1081037514" sldId="2145706225"/>
-            <ac:cxnSpMk id="26" creationId="{E14B17EC-9407-E3A2-1F7C-D47095BE2DDB}"/>
-          </ac:cxnSpMkLst>
-        </pc:cxnChg>
-        <pc:cxnChg chg="mod">
-          <ac:chgData name="Graf Thomas, INI-NET-VNC-HCS" userId="487bc3e3-9ce7-4cdd-b7b4-8899ea88d289" providerId="ADAL" clId="{A47D5A21-D820-4251-9DE3-0EE7A7287481}" dt="2024-03-06T12:04:20.645" v="1575" actId="1037"/>
-          <ac:cxnSpMkLst>
-            <pc:docMk/>
-            <pc:sldMk cId="1081037514" sldId="2145706225"/>
-            <ac:cxnSpMk id="38" creationId="{10DC3853-02C8-D495-EDB1-B0129F6F9E30}"/>
-          </ac:cxnSpMkLst>
-        </pc:cxnChg>
-        <pc:cxnChg chg="mod">
-          <ac:chgData name="Graf Thomas, INI-NET-VNC-HCS" userId="487bc3e3-9ce7-4cdd-b7b4-8899ea88d289" providerId="ADAL" clId="{A47D5A21-D820-4251-9DE3-0EE7A7287481}" dt="2024-03-06T12:04:20.645" v="1575" actId="1037"/>
-          <ac:cxnSpMkLst>
-            <pc:docMk/>
-            <pc:sldMk cId="1081037514" sldId="2145706225"/>
-            <ac:cxnSpMk id="40" creationId="{9BC6E6D7-2688-CCDB-6A6C-7880291A8339}"/>
-          </ac:cxnSpMkLst>
-        </pc:cxnChg>
-        <pc:cxnChg chg="mod">
-          <ac:chgData name="Graf Thomas, INI-NET-VNC-HCS" userId="487bc3e3-9ce7-4cdd-b7b4-8899ea88d289" providerId="ADAL" clId="{A47D5A21-D820-4251-9DE3-0EE7A7287481}" dt="2024-03-06T12:04:20.645" v="1575" actId="1037"/>
-          <ac:cxnSpMkLst>
-            <pc:docMk/>
-            <pc:sldMk cId="1081037514" sldId="2145706225"/>
-            <ac:cxnSpMk id="42" creationId="{3CD8EA4A-314A-BB28-E712-414D5F01E35F}"/>
-          </ac:cxnSpMkLst>
-        </pc:cxnChg>
-        <pc:cxnChg chg="mod">
-          <ac:chgData name="Graf Thomas, INI-NET-VNC-HCS" userId="487bc3e3-9ce7-4cdd-b7b4-8899ea88d289" providerId="ADAL" clId="{A47D5A21-D820-4251-9DE3-0EE7A7287481}" dt="2024-03-06T12:06:24.309" v="1640" actId="1038"/>
-          <ac:cxnSpMkLst>
-            <pc:docMk/>
-            <pc:sldMk cId="1081037514" sldId="2145706225"/>
-            <ac:cxnSpMk id="47" creationId="{1E3CC50D-6BF1-E751-D746-D130EE998D4B}"/>
-          </ac:cxnSpMkLst>
-        </pc:cxnChg>
-      </pc:sldChg>
-      <pc:sldChg chg="del">
-        <pc:chgData name="Graf Thomas, INI-NET-VNC-HCS" userId="487bc3e3-9ce7-4cdd-b7b4-8899ea88d289" providerId="ADAL" clId="{A47D5A21-D820-4251-9DE3-0EE7A7287481}" dt="2024-03-06T11:45:20.570" v="1459" actId="47"/>
-        <pc:sldMkLst>
-          <pc:docMk/>
-          <pc:sldMk cId="3384652948" sldId="2145706226"/>
-        </pc:sldMkLst>
-      </pc:sldChg>
-      <pc:sldChg chg="del">
-        <pc:chgData name="Graf Thomas, INI-NET-VNC-HCS" userId="487bc3e3-9ce7-4cdd-b7b4-8899ea88d289" providerId="ADAL" clId="{A47D5A21-D820-4251-9DE3-0EE7A7287481}" dt="2024-03-06T11:45:20.570" v="1459" actId="47"/>
-        <pc:sldMkLst>
-          <pc:docMk/>
-          <pc:sldMk cId="663711217" sldId="2145706234"/>
-        </pc:sldMkLst>
-      </pc:sldChg>
-      <pc:sldChg chg="addSp delSp modSp mod">
-        <pc:chgData name="Graf Thomas, INI-NET-VNC-HCS" userId="487bc3e3-9ce7-4cdd-b7b4-8899ea88d289" providerId="ADAL" clId="{A47D5A21-D820-4251-9DE3-0EE7A7287481}" dt="2024-03-06T08:42:06.947" v="1454" actId="1037"/>
-        <pc:sldMkLst>
-          <pc:docMk/>
-          <pc:sldMk cId="2249733078" sldId="2145706239"/>
-        </pc:sldMkLst>
-        <pc:spChg chg="add mod">
-          <ac:chgData name="Graf Thomas, INI-NET-VNC-HCS" userId="487bc3e3-9ce7-4cdd-b7b4-8899ea88d289" providerId="ADAL" clId="{A47D5A21-D820-4251-9DE3-0EE7A7287481}" dt="2024-03-06T08:19:30.339" v="604" actId="14100"/>
-          <ac:spMkLst>
-            <pc:docMk/>
-            <pc:sldMk cId="2249733078" sldId="2145706239"/>
-            <ac:spMk id="2" creationId="{EBBAF0DF-61DF-B89D-2978-12F7F1BE7C53}"/>
-          </ac:spMkLst>
-        </pc:spChg>
-        <pc:spChg chg="del mod">
-          <ac:chgData name="Graf Thomas, INI-NET-VNC-HCS" userId="487bc3e3-9ce7-4cdd-b7b4-8899ea88d289" providerId="ADAL" clId="{A47D5A21-D820-4251-9DE3-0EE7A7287481}" dt="2024-03-06T08:20:04.337" v="605" actId="478"/>
-          <ac:spMkLst>
-            <pc:docMk/>
-            <pc:sldMk cId="2249733078" sldId="2145706239"/>
-            <ac:spMk id="5" creationId="{0194B37B-813A-99FE-7B78-4D87D8C30D44}"/>
-          </ac:spMkLst>
-        </pc:spChg>
-        <pc:spChg chg="mod">
-          <ac:chgData name="Graf Thomas, INI-NET-VNC-HCS" userId="487bc3e3-9ce7-4cdd-b7b4-8899ea88d289" providerId="ADAL" clId="{A47D5A21-D820-4251-9DE3-0EE7A7287481}" dt="2024-03-06T08:42:06.947" v="1454" actId="1037"/>
-          <ac:spMkLst>
-            <pc:docMk/>
-            <pc:sldMk cId="2249733078" sldId="2145706239"/>
-            <ac:spMk id="7" creationId="{33891599-1C33-654D-733C-99580AE756F1}"/>
-          </ac:spMkLst>
-        </pc:spChg>
-        <pc:spChg chg="del">
-          <ac:chgData name="Graf Thomas, INI-NET-VNC-HCS" userId="487bc3e3-9ce7-4cdd-b7b4-8899ea88d289" providerId="ADAL" clId="{A47D5A21-D820-4251-9DE3-0EE7A7287481}" dt="2024-03-06T08:13:19.192" v="556" actId="478"/>
-          <ac:spMkLst>
-            <pc:docMk/>
-            <pc:sldMk cId="2249733078" sldId="2145706239"/>
-            <ac:spMk id="18" creationId="{B283EDB4-CFDF-D6B9-8AF9-9CFA563360E3}"/>
-          </ac:spMkLst>
-        </pc:spChg>
-        <pc:spChg chg="mod">
-          <ac:chgData name="Graf Thomas, INI-NET-VNC-HCS" userId="487bc3e3-9ce7-4cdd-b7b4-8899ea88d289" providerId="ADAL" clId="{A47D5A21-D820-4251-9DE3-0EE7A7287481}" dt="2024-03-06T08:12:18.980" v="540" actId="20577"/>
-          <ac:spMkLst>
-            <pc:docMk/>
-            <pc:sldMk cId="2249733078" sldId="2145706239"/>
-            <ac:spMk id="19" creationId="{56D79134-17A9-8BC8-B7D0-97BCFFB9A6B2}"/>
-          </ac:spMkLst>
-        </pc:spChg>
-        <pc:picChg chg="mod">
-          <ac:chgData name="Graf Thomas, INI-NET-VNC-HCS" userId="487bc3e3-9ce7-4cdd-b7b4-8899ea88d289" providerId="ADAL" clId="{A47D5A21-D820-4251-9DE3-0EE7A7287481}" dt="2024-03-06T08:20:12.631" v="608" actId="1076"/>
-          <ac:picMkLst>
-            <pc:docMk/>
-            <pc:sldMk cId="2249733078" sldId="2145706239"/>
-            <ac:picMk id="3" creationId="{80EF3365-92B8-4BFF-5B4A-D90DDCF803B4}"/>
-          </ac:picMkLst>
-        </pc:picChg>
-      </pc:sldChg>
-      <pc:sldChg chg="addSp delSp modSp add mod ord">
-        <pc:chgData name="Graf Thomas, INI-NET-VNC-HCS" userId="487bc3e3-9ce7-4cdd-b7b4-8899ea88d289" providerId="ADAL" clId="{A47D5A21-D820-4251-9DE3-0EE7A7287481}" dt="2024-03-06T12:16:50.226" v="1740"/>
-        <pc:sldMkLst>
-          <pc:docMk/>
-          <pc:sldMk cId="540899312" sldId="2145706240"/>
-        </pc:sldMkLst>
-        <pc:spChg chg="mod">
-          <ac:chgData name="Graf Thomas, INI-NET-VNC-HCS" userId="487bc3e3-9ce7-4cdd-b7b4-8899ea88d289" providerId="ADAL" clId="{A47D5A21-D820-4251-9DE3-0EE7A7287481}" dt="2024-03-06T08:07:56.785" v="481" actId="20577"/>
-          <ac:spMkLst>
-            <pc:docMk/>
-            <pc:sldMk cId="540899312" sldId="2145706240"/>
-            <ac:spMk id="3" creationId="{29C0DFD4-432D-4B0C-93DF-790441DCF5B9}"/>
-          </ac:spMkLst>
-        </pc:spChg>
-        <pc:spChg chg="mod">
-          <ac:chgData name="Graf Thomas, INI-NET-VNC-HCS" userId="487bc3e3-9ce7-4cdd-b7b4-8899ea88d289" providerId="ADAL" clId="{A47D5A21-D820-4251-9DE3-0EE7A7287481}" dt="2024-03-06T08:03:02.504" v="91" actId="20577"/>
-          <ac:spMkLst>
-            <pc:docMk/>
-            <pc:sldMk cId="540899312" sldId="2145706240"/>
-            <ac:spMk id="6" creationId="{ABB61075-2877-B162-7D8F-97EC17B8DF39}"/>
-          </ac:spMkLst>
-        </pc:spChg>
-        <pc:spChg chg="mod">
-          <ac:chgData name="Graf Thomas, INI-NET-VNC-HCS" userId="487bc3e3-9ce7-4cdd-b7b4-8899ea88d289" providerId="ADAL" clId="{A47D5A21-D820-4251-9DE3-0EE7A7287481}" dt="2024-03-06T08:09:51.948" v="509" actId="14100"/>
-          <ac:spMkLst>
-            <pc:docMk/>
-            <pc:sldMk cId="540899312" sldId="2145706240"/>
-            <ac:spMk id="7" creationId="{E751AA3A-A181-4E76-CC75-041686EB2C20}"/>
-          </ac:spMkLst>
-        </pc:spChg>
-        <pc:spChg chg="del">
-          <ac:chgData name="Graf Thomas, INI-NET-VNC-HCS" userId="487bc3e3-9ce7-4cdd-b7b4-8899ea88d289" providerId="ADAL" clId="{A47D5A21-D820-4251-9DE3-0EE7A7287481}" dt="2024-03-06T08:02:42.666" v="67" actId="478"/>
-          <ac:spMkLst>
-            <pc:docMk/>
-            <pc:sldMk cId="540899312" sldId="2145706240"/>
-            <ac:spMk id="8" creationId="{8F5B7433-6C2C-9F79-E743-B4F7F3199C49}"/>
-          </ac:spMkLst>
-        </pc:spChg>
-        <pc:spChg chg="del mod">
-          <ac:chgData name="Graf Thomas, INI-NET-VNC-HCS" userId="487bc3e3-9ce7-4cdd-b7b4-8899ea88d289" providerId="ADAL" clId="{A47D5A21-D820-4251-9DE3-0EE7A7287481}" dt="2024-03-06T08:02:40.931" v="65" actId="478"/>
-          <ac:spMkLst>
-            <pc:docMk/>
-            <pc:sldMk cId="540899312" sldId="2145706240"/>
-            <ac:spMk id="9" creationId="{94BED9E1-5205-DBA5-3A77-348AA6C3053F}"/>
-          </ac:spMkLst>
-        </pc:spChg>
-        <pc:spChg chg="mod ord">
-          <ac:chgData name="Graf Thomas, INI-NET-VNC-HCS" userId="487bc3e3-9ce7-4cdd-b7b4-8899ea88d289" providerId="ADAL" clId="{A47D5A21-D820-4251-9DE3-0EE7A7287481}" dt="2024-03-06T12:16:50.226" v="1740"/>
-          <ac:spMkLst>
-            <pc:docMk/>
-            <pc:sldMk cId="540899312" sldId="2145706240"/>
-            <ac:spMk id="17" creationId="{8F78EE4C-6EFD-4363-A98F-3E5608669DF5}"/>
-          </ac:spMkLst>
-        </pc:spChg>
-        <pc:spChg chg="mod">
-          <ac:chgData name="Graf Thomas, INI-NET-VNC-HCS" userId="487bc3e3-9ce7-4cdd-b7b4-8899ea88d289" providerId="ADAL" clId="{A47D5A21-D820-4251-9DE3-0EE7A7287481}" dt="2024-03-06T08:08:52.629" v="495" actId="14100"/>
-          <ac:spMkLst>
-            <pc:docMk/>
-            <pc:sldMk cId="540899312" sldId="2145706240"/>
-            <ac:spMk id="19" creationId="{B0AC9776-B227-44FD-A2AC-1FDE0B6F1445}"/>
-          </ac:spMkLst>
-        </pc:spChg>
-        <pc:spChg chg="add del mod">
-          <ac:chgData name="Graf Thomas, INI-NET-VNC-HCS" userId="487bc3e3-9ce7-4cdd-b7b4-8899ea88d289" providerId="ADAL" clId="{A47D5A21-D820-4251-9DE3-0EE7A7287481}" dt="2024-03-06T08:09:15.077" v="502" actId="478"/>
-          <ac:spMkLst>
-            <pc:docMk/>
-            <pc:sldMk cId="540899312" sldId="2145706240"/>
-            <ac:spMk id="21" creationId="{9106F30F-B7CF-5436-5E34-E5CFC4951F22}"/>
-          </ac:spMkLst>
-        </pc:spChg>
-        <pc:spChg chg="add mod">
-          <ac:chgData name="Graf Thomas, INI-NET-VNC-HCS" userId="487bc3e3-9ce7-4cdd-b7b4-8899ea88d289" providerId="ADAL" clId="{A47D5A21-D820-4251-9DE3-0EE7A7287481}" dt="2024-03-06T08:11:28.703" v="537" actId="1035"/>
-          <ac:spMkLst>
-            <pc:docMk/>
-            <pc:sldMk cId="540899312" sldId="2145706240"/>
-            <ac:spMk id="24" creationId="{1F53FB5C-08C3-503A-DD3F-DC336AED5134}"/>
-          </ac:spMkLst>
-        </pc:spChg>
-        <pc:spChg chg="add mod">
-          <ac:chgData name="Graf Thomas, INI-NET-VNC-HCS" userId="487bc3e3-9ce7-4cdd-b7b4-8899ea88d289" providerId="ADAL" clId="{A47D5A21-D820-4251-9DE3-0EE7A7287481}" dt="2024-03-06T08:11:31.543" v="539" actId="1035"/>
-          <ac:spMkLst>
-            <pc:docMk/>
-            <pc:sldMk cId="540899312" sldId="2145706240"/>
-            <ac:spMk id="25" creationId="{69934E68-7859-6F55-01F2-D3CD39C036AD}"/>
-          </ac:spMkLst>
-        </pc:spChg>
-        <pc:cxnChg chg="add del mod">
-          <ac:chgData name="Graf Thomas, INI-NET-VNC-HCS" userId="487bc3e3-9ce7-4cdd-b7b4-8899ea88d289" providerId="ADAL" clId="{A47D5A21-D820-4251-9DE3-0EE7A7287481}" dt="2024-03-06T08:10:30.262" v="518" actId="478"/>
-          <ac:cxnSpMkLst>
-            <pc:docMk/>
-            <pc:sldMk cId="540899312" sldId="2145706240"/>
-            <ac:cxnSpMk id="5" creationId="{B5C93F77-8663-9285-57A3-E6858FE15544}"/>
-          </ac:cxnSpMkLst>
-        </pc:cxnChg>
-        <pc:cxnChg chg="mod">
-          <ac:chgData name="Graf Thomas, INI-NET-VNC-HCS" userId="487bc3e3-9ce7-4cdd-b7b4-8899ea88d289" providerId="ADAL" clId="{A47D5A21-D820-4251-9DE3-0EE7A7287481}" dt="2024-03-06T08:10:36.823" v="521" actId="14100"/>
-          <ac:cxnSpMkLst>
-            <pc:docMk/>
-            <pc:sldMk cId="540899312" sldId="2145706240"/>
-            <ac:cxnSpMk id="13" creationId="{ABDEEB90-F9DE-4579-466A-4391823DABF7}"/>
-          </ac:cxnSpMkLst>
-        </pc:cxnChg>
-        <pc:cxnChg chg="del">
-          <ac:chgData name="Graf Thomas, INI-NET-VNC-HCS" userId="487bc3e3-9ce7-4cdd-b7b4-8899ea88d289" providerId="ADAL" clId="{A47D5A21-D820-4251-9DE3-0EE7A7287481}" dt="2024-03-06T08:02:39.878" v="64" actId="478"/>
-          <ac:cxnSpMkLst>
-            <pc:docMk/>
-            <pc:sldMk cId="540899312" sldId="2145706240"/>
-            <ac:cxnSpMk id="14" creationId="{971CE727-7DCB-9E98-7B9C-B1ACC28EC9FF}"/>
-          </ac:cxnSpMkLst>
-        </pc:cxnChg>
-        <pc:cxnChg chg="add del mod">
-          <ac:chgData name="Graf Thomas, INI-NET-VNC-HCS" userId="487bc3e3-9ce7-4cdd-b7b4-8899ea88d289" providerId="ADAL" clId="{A47D5A21-D820-4251-9DE3-0EE7A7287481}" dt="2024-03-06T08:10:30.262" v="518" actId="478"/>
-          <ac:cxnSpMkLst>
-            <pc:docMk/>
-            <pc:sldMk cId="540899312" sldId="2145706240"/>
-            <ac:cxnSpMk id="15" creationId="{DD511543-E679-D3D2-84E3-71435C52775B}"/>
-          </ac:cxnSpMkLst>
-        </pc:cxnChg>
-        <pc:cxnChg chg="mod">
-          <ac:chgData name="Graf Thomas, INI-NET-VNC-HCS" userId="487bc3e3-9ce7-4cdd-b7b4-8899ea88d289" providerId="ADAL" clId="{A47D5A21-D820-4251-9DE3-0EE7A7287481}" dt="2024-03-06T08:08:24.973" v="488" actId="14100"/>
-          <ac:cxnSpMkLst>
-            <pc:docMk/>
-            <pc:sldMk cId="540899312" sldId="2145706240"/>
-            <ac:cxnSpMk id="22" creationId="{5EE7A184-4440-4663-A713-45C43FB41FBD}"/>
-          </ac:cxnSpMkLst>
-        </pc:cxnChg>
-        <pc:cxnChg chg="del">
-          <ac:chgData name="Graf Thomas, INI-NET-VNC-HCS" userId="487bc3e3-9ce7-4cdd-b7b4-8899ea88d289" providerId="ADAL" clId="{A47D5A21-D820-4251-9DE3-0EE7A7287481}" dt="2024-03-06T08:02:41.743" v="66" actId="478"/>
-          <ac:cxnSpMkLst>
-            <pc:docMk/>
-            <pc:sldMk cId="540899312" sldId="2145706240"/>
-            <ac:cxnSpMk id="23" creationId="{D8988D8C-34C7-42B3-BD73-F0A5B399F9DF}"/>
-          </ac:cxnSpMkLst>
-        </pc:cxnChg>
-        <pc:cxnChg chg="add mod">
-          <ac:chgData name="Graf Thomas, INI-NET-VNC-HCS" userId="487bc3e3-9ce7-4cdd-b7b4-8899ea88d289" providerId="ADAL" clId="{A47D5A21-D820-4251-9DE3-0EE7A7287481}" dt="2024-03-06T08:10:56.158" v="527" actId="14100"/>
-          <ac:cxnSpMkLst>
-            <pc:docMk/>
-            <pc:sldMk cId="540899312" sldId="2145706240"/>
-            <ac:cxnSpMk id="26" creationId="{26AA4EF1-0515-5E5A-5D45-BE133079F190}"/>
-          </ac:cxnSpMkLst>
-        </pc:cxnChg>
-        <pc:cxnChg chg="add mod">
-          <ac:chgData name="Graf Thomas, INI-NET-VNC-HCS" userId="487bc3e3-9ce7-4cdd-b7b4-8899ea88d289" providerId="ADAL" clId="{A47D5A21-D820-4251-9DE3-0EE7A7287481}" dt="2024-03-06T08:10:43.570" v="523" actId="14100"/>
-          <ac:cxnSpMkLst>
-            <pc:docMk/>
-            <pc:sldMk cId="540899312" sldId="2145706240"/>
-            <ac:cxnSpMk id="27" creationId="{D1F71D91-0AD5-1DD4-6BC3-A469C348859D}"/>
-          </ac:cxnSpMkLst>
-        </pc:cxnChg>
-      </pc:sldChg>
-      <pc:sldChg chg="addSp delSp modSp add mod">
-        <pc:chgData name="Graf Thomas, INI-NET-VNC-HCS" userId="487bc3e3-9ce7-4cdd-b7b4-8899ea88d289" providerId="ADAL" clId="{A47D5A21-D820-4251-9DE3-0EE7A7287481}" dt="2024-03-06T08:34:11.165" v="1002"/>
-        <pc:sldMkLst>
-          <pc:docMk/>
-          <pc:sldMk cId="1152209015" sldId="2145706241"/>
-        </pc:sldMkLst>
-        <pc:spChg chg="del">
-          <ac:chgData name="Graf Thomas, INI-NET-VNC-HCS" userId="487bc3e3-9ce7-4cdd-b7b4-8899ea88d289" providerId="ADAL" clId="{A47D5A21-D820-4251-9DE3-0EE7A7287481}" dt="2024-03-06T08:23:08.868" v="615" actId="478"/>
-          <ac:spMkLst>
-            <pc:docMk/>
-            <pc:sldMk cId="1152209015" sldId="2145706241"/>
-            <ac:spMk id="5" creationId="{0194B37B-813A-99FE-7B78-4D87D8C30D44}"/>
-          </ac:spMkLst>
-        </pc:spChg>
-        <pc:spChg chg="del">
-          <ac:chgData name="Graf Thomas, INI-NET-VNC-HCS" userId="487bc3e3-9ce7-4cdd-b7b4-8899ea88d289" providerId="ADAL" clId="{A47D5A21-D820-4251-9DE3-0EE7A7287481}" dt="2024-03-06T08:23:49.733" v="620" actId="478"/>
-          <ac:spMkLst>
-            <pc:docMk/>
-            <pc:sldMk cId="1152209015" sldId="2145706241"/>
-            <ac:spMk id="7" creationId="{33891599-1C33-654D-733C-99580AE756F1}"/>
-          </ac:spMkLst>
-        </pc:spChg>
-        <pc:spChg chg="add del mod">
-          <ac:chgData name="Graf Thomas, INI-NET-VNC-HCS" userId="487bc3e3-9ce7-4cdd-b7b4-8899ea88d289" providerId="ADAL" clId="{A47D5A21-D820-4251-9DE3-0EE7A7287481}" dt="2024-03-06T08:28:25.770" v="662" actId="478"/>
-          <ac:spMkLst>
-            <pc:docMk/>
-            <pc:sldMk cId="1152209015" sldId="2145706241"/>
-            <ac:spMk id="12" creationId="{72E3852A-9643-A0F7-EA42-826E30A20956}"/>
-          </ac:spMkLst>
-        </pc:spChg>
-        <pc:spChg chg="add mod">
-          <ac:chgData name="Graf Thomas, INI-NET-VNC-HCS" userId="487bc3e3-9ce7-4cdd-b7b4-8899ea88d289" providerId="ADAL" clId="{A47D5A21-D820-4251-9DE3-0EE7A7287481}" dt="2024-03-06T08:33:13.434" v="1000" actId="14100"/>
-          <ac:spMkLst>
-            <pc:docMk/>
-            <pc:sldMk cId="1152209015" sldId="2145706241"/>
-            <ac:spMk id="13" creationId="{493592BC-0380-9705-ADC3-87ACEDBEFCB8}"/>
-          </ac:spMkLst>
-        </pc:spChg>
-        <pc:spChg chg="del mod">
-          <ac:chgData name="Graf Thomas, INI-NET-VNC-HCS" userId="487bc3e3-9ce7-4cdd-b7b4-8899ea88d289" providerId="ADAL" clId="{A47D5A21-D820-4251-9DE3-0EE7A7287481}" dt="2024-03-06T08:28:25.770" v="662" actId="478"/>
-          <ac:spMkLst>
-            <pc:docMk/>
-            <pc:sldMk cId="1152209015" sldId="2145706241"/>
-            <ac:spMk id="18" creationId="{B283EDB4-CFDF-D6B9-8AF9-9CFA563360E3}"/>
-          </ac:spMkLst>
-        </pc:spChg>
-        <pc:spChg chg="mod ord">
-          <ac:chgData name="Graf Thomas, INI-NET-VNC-HCS" userId="487bc3e3-9ce7-4cdd-b7b4-8899ea88d289" providerId="ADAL" clId="{A47D5A21-D820-4251-9DE3-0EE7A7287481}" dt="2024-03-06T08:34:11.165" v="1002"/>
-          <ac:spMkLst>
-            <pc:docMk/>
-            <pc:sldMk cId="1152209015" sldId="2145706241"/>
-            <ac:spMk id="19" creationId="{56D79134-17A9-8BC8-B7D0-97BCFFB9A6B2}"/>
-          </ac:spMkLst>
-        </pc:spChg>
-        <pc:picChg chg="del">
-          <ac:chgData name="Graf Thomas, INI-NET-VNC-HCS" userId="487bc3e3-9ce7-4cdd-b7b4-8899ea88d289" providerId="ADAL" clId="{A47D5A21-D820-4251-9DE3-0EE7A7287481}" dt="2024-03-06T08:23:10.579" v="616" actId="478"/>
-          <ac:picMkLst>
-            <pc:docMk/>
-            <pc:sldMk cId="1152209015" sldId="2145706241"/>
-            <ac:picMk id="3" creationId="{80EF3365-92B8-4BFF-5B4A-D90DDCF803B4}"/>
-          </ac:picMkLst>
-        </pc:picChg>
-        <pc:picChg chg="add del mod">
-          <ac:chgData name="Graf Thomas, INI-NET-VNC-HCS" userId="487bc3e3-9ce7-4cdd-b7b4-8899ea88d289" providerId="ADAL" clId="{A47D5A21-D820-4251-9DE3-0EE7A7287481}" dt="2024-03-06T08:24:19.907" v="622" actId="478"/>
-          <ac:picMkLst>
-            <pc:docMk/>
-            <pc:sldMk cId="1152209015" sldId="2145706241"/>
-            <ac:picMk id="4" creationId="{4A504816-27EF-6849-221E-44744933C16F}"/>
-          </ac:picMkLst>
-        </pc:picChg>
-        <pc:picChg chg="add mod">
-          <ac:chgData name="Graf Thomas, INI-NET-VNC-HCS" userId="487bc3e3-9ce7-4cdd-b7b4-8899ea88d289" providerId="ADAL" clId="{A47D5A21-D820-4251-9DE3-0EE7A7287481}" dt="2024-03-06T08:26:50.956" v="659" actId="1076"/>
-          <ac:picMkLst>
-            <pc:docMk/>
-            <pc:sldMk cId="1152209015" sldId="2145706241"/>
-            <ac:picMk id="9" creationId="{E42F4B34-76CD-F72D-9B81-89CB1330329D}"/>
-          </ac:picMkLst>
-        </pc:picChg>
-        <pc:picChg chg="add del">
-          <ac:chgData name="Graf Thomas, INI-NET-VNC-HCS" userId="487bc3e3-9ce7-4cdd-b7b4-8899ea88d289" providerId="ADAL" clId="{A47D5A21-D820-4251-9DE3-0EE7A7287481}" dt="2024-03-06T08:24:52.187" v="627" actId="478"/>
-          <ac:picMkLst>
-            <pc:docMk/>
-            <pc:sldMk cId="1152209015" sldId="2145706241"/>
-            <ac:picMk id="11" creationId="{CB909C06-14D6-EA59-6069-BB7A3F4E1F7F}"/>
-          </ac:picMkLst>
-        </pc:picChg>
-      </pc:sldChg>
-      <pc:sldChg chg="modSp add mod">
-        <pc:chgData name="Graf Thomas, INI-NET-VNC-HCS" userId="487bc3e3-9ce7-4cdd-b7b4-8899ea88d289" providerId="ADAL" clId="{A47D5A21-D820-4251-9DE3-0EE7A7287481}" dt="2024-03-06T08:41:03.419" v="1449"/>
-        <pc:sldMkLst>
-          <pc:docMk/>
-          <pc:sldMk cId="2617504443" sldId="2145706242"/>
-        </pc:sldMkLst>
-        <pc:spChg chg="mod">
-          <ac:chgData name="Graf Thomas, INI-NET-VNC-HCS" userId="487bc3e3-9ce7-4cdd-b7b4-8899ea88d289" providerId="ADAL" clId="{A47D5A21-D820-4251-9DE3-0EE7A7287481}" dt="2024-03-06T08:35:16.352" v="1004"/>
-          <ac:spMkLst>
-            <pc:docMk/>
-            <pc:sldMk cId="2617504443" sldId="2145706242"/>
-            <ac:spMk id="2" creationId="{FF20F271-6F0D-4AC0-BB1D-F5C338165C13}"/>
-          </ac:spMkLst>
-        </pc:spChg>
-        <pc:spChg chg="mod">
-          <ac:chgData name="Graf Thomas, INI-NET-VNC-HCS" userId="487bc3e3-9ce7-4cdd-b7b4-8899ea88d289" providerId="ADAL" clId="{A47D5A21-D820-4251-9DE3-0EE7A7287481}" dt="2024-03-06T08:41:03.419" v="1449"/>
-          <ac:spMkLst>
-            <pc:docMk/>
-            <pc:sldMk cId="2617504443" sldId="2145706242"/>
-            <ac:spMk id="3" creationId="{29C0DFD4-432D-4B0C-93DF-790441DCF5B9}"/>
-          </ac:spMkLst>
-        </pc:spChg>
-      </pc:sldChg>
-    </pc:docChg>
-  </pc:docChgLst>
-</pc:chgInfo>
-</file>
-
 <file path=ppt/notesMasters/notesMaster1.xml><?xml version="1.0" encoding="utf-8"?>
 <p:notesMaster xmlns:a="http://schemas.openxmlformats.org/drawingml/2006/main" xmlns:r="http://schemas.openxmlformats.org/officeDocument/2006/relationships" xmlns:p="http://schemas.openxmlformats.org/presentationml/2006/main">
   <p:cSld>
@@ -3099,7 +208,7 @@
           <a:p>
             <a:fld id="{E5E705E9-673F-4AC4-B29E-A7B26F3B8523}" type="datetimeFigureOut">
               <a:rPr lang="de-CH" smtClean="0"/>
-              <a:t>04.11.25</a:t>
+              <a:t>04.11.2025</a:t>
             </a:fld>
             <a:endParaRPr lang="de-CH"/>
           </a:p>
@@ -3516,7 +625,7 @@
           <a:p>
             <a:fld id="{60AE0FFF-3D64-AE4C-B21E-8164A14ED676}" type="datetime1">
               <a:rPr lang="en-US" smtClean="0"/>
-              <a:t>11/4/25</a:t>
+              <a:t>11/4/2025</a:t>
             </a:fld>
             <a:endParaRPr lang="de-CH"/>
           </a:p>
@@ -3716,7 +825,7 @@
           <a:p>
             <a:fld id="{7646E496-7A7F-AB44-BE3A-2E5AF6A316DE}" type="datetime1">
               <a:rPr lang="en-US" smtClean="0"/>
-              <a:t>11/4/25</a:t>
+              <a:t>11/4/2025</a:t>
             </a:fld>
             <a:endParaRPr lang="de-CH"/>
           </a:p>
@@ -3926,7 +1035,7 @@
           <a:p>
             <a:fld id="{83E378CF-EEE1-8547-A8B5-123A82612740}" type="datetime1">
               <a:rPr lang="en-US" smtClean="0"/>
-              <a:t>11/4/25</a:t>
+              <a:t>11/4/2025</a:t>
             </a:fld>
             <a:endParaRPr lang="de-CH"/>
           </a:p>
@@ -4126,7 +1235,7 @@
           <a:p>
             <a:fld id="{BEDB2DFF-1DD4-0B47-83CE-B302059571AE}" type="datetime1">
               <a:rPr lang="en-US" smtClean="0"/>
-              <a:t>11/4/25</a:t>
+              <a:t>11/4/2025</a:t>
             </a:fld>
             <a:endParaRPr lang="de-CH"/>
           </a:p>
@@ -4402,7 +1511,7 @@
           <a:p>
             <a:fld id="{F4018A41-07E7-2046-8C75-182C42941864}" type="datetime1">
               <a:rPr lang="en-US" smtClean="0"/>
-              <a:t>11/4/25</a:t>
+              <a:t>11/4/2025</a:t>
             </a:fld>
             <a:endParaRPr lang="de-CH"/>
           </a:p>
@@ -4670,7 +1779,7 @@
           <a:p>
             <a:fld id="{65401093-94A1-2B42-8616-46ED1CD9B3F1}" type="datetime1">
               <a:rPr lang="en-US" smtClean="0"/>
-              <a:t>11/4/25</a:t>
+              <a:t>11/4/2025</a:t>
             </a:fld>
             <a:endParaRPr lang="de-CH"/>
           </a:p>
@@ -5085,7 +2194,7 @@
           <a:p>
             <a:fld id="{C0A8B73F-753B-2546-A37E-DCDE4E92DC19}" type="datetime1">
               <a:rPr lang="en-US" smtClean="0"/>
-              <a:t>11/4/25</a:t>
+              <a:t>11/4/2025</a:t>
             </a:fld>
             <a:endParaRPr lang="de-CH"/>
           </a:p>
@@ -5227,7 +2336,7 @@
           <a:p>
             <a:fld id="{B809C66E-AEC8-C14B-A773-D61AA392B46C}" type="datetime1">
               <a:rPr lang="en-US" smtClean="0"/>
-              <a:t>11/4/25</a:t>
+              <a:t>11/4/2025</a:t>
             </a:fld>
             <a:endParaRPr lang="de-CH"/>
           </a:p>
@@ -5340,7 +2449,7 @@
           <a:p>
             <a:fld id="{15FF3686-E283-7E46-BE67-D9085BAE03C1}" type="datetime1">
               <a:rPr lang="en-US" smtClean="0"/>
-              <a:t>11/4/25</a:t>
+              <a:t>11/4/2025</a:t>
             </a:fld>
             <a:endParaRPr lang="de-CH"/>
           </a:p>
@@ -5653,7 +2762,7 @@
           <a:p>
             <a:fld id="{9BA642F2-9B96-C84D-B0BE-743BC9EDDE8F}" type="datetime1">
               <a:rPr lang="en-US" smtClean="0"/>
-              <a:t>11/4/25</a:t>
+              <a:t>11/4/2025</a:t>
             </a:fld>
             <a:endParaRPr lang="de-CH"/>
           </a:p>
@@ -5942,7 +3051,7 @@
           <a:p>
             <a:fld id="{F3DB93E5-7C4A-3E47-9794-DC50B46CE2E0}" type="datetime1">
               <a:rPr lang="en-US" smtClean="0"/>
-              <a:t>11/4/25</a:t>
+              <a:t>11/4/2025</a:t>
             </a:fld>
             <a:endParaRPr lang="de-CH"/>
           </a:p>
@@ -6185,7 +3294,7 @@
           <a:p>
             <a:fld id="{4C62BDD9-8F0A-C04D-9FCE-7BA02685E4FE}" type="datetime1">
               <a:rPr lang="en-US" smtClean="0"/>
-              <a:t>11/4/25</a:t>
+              <a:t>11/4/2025</a:t>
             </a:fld>
             <a:endParaRPr lang="de-CH"/>
           </a:p>
@@ -6665,9 +3774,6 @@
             <a:endParaRPr lang="en-US" sz="2800" dirty="0"/>
           </a:p>
           <a:p>
-            <a:endParaRPr lang="en-US" sz="2200" b="1" dirty="0"/>
-          </a:p>
-          <a:p>
             <a:r>
               <a:rPr lang="en-US" sz="2800" dirty="0">
                 <a:solidFill>
@@ -6676,7 +3782,7 @@
                   </a:schemeClr>
                 </a:solidFill>
               </a:rPr>
-              <a:t>draft-</a:t>
+              <a:t>	draft-</a:t>
             </a:r>
             <a:r>
               <a:rPr lang="en-US" sz="2800" dirty="0" err="1">
@@ -7132,8 +4238,14 @@
           <a:lstStyle/>
           <a:p>
             <a:r>
+              <a:rPr lang="en-US" dirty="0">
+                <a:hlinkClick r:id="rId2"/>
+              </a:rPr>
+              <a:t>RFC 7950</a:t>
+            </a:r>
+            <a:r>
               <a:rPr lang="en-US" dirty="0"/>
-              <a:t>RFC 7950: The YANG 1.1 Data Modeling Language</a:t>
+              <a:t>: The YANG 1.1 Data Modeling Language</a:t>
             </a:r>
           </a:p>
           <a:p>
@@ -8832,13 +5944,13 @@
         </p:spPr>
         <p:txBody>
           <a:bodyPr>
-            <a:normAutofit/>
+            <a:normAutofit lnSpcReduction="10000"/>
           </a:bodyPr>
           <a:lstStyle/>
           <a:p>
             <a:r>
               <a:rPr lang="en-US" sz="2200" dirty="0"/>
-              <a:t>Users cannot validate the YANG data semantics if data is located under </a:t>
+              <a:t>Today, YANG data semantics under </a:t>
             </a:r>
             <a:r>
               <a:rPr lang="en-US" sz="2200" i="1" dirty="0" err="1"/>
@@ -8846,13 +5958,27 @@
             </a:r>
             <a:r>
               <a:rPr lang="en-US" sz="2200" dirty="0"/>
-              <a:t> subtree.</a:t>
+              <a:t> subtree cannot be validated to assure data integrity.</a:t>
             </a:r>
           </a:p>
           <a:p>
             <a:r>
               <a:rPr lang="en-US" sz="2200" dirty="0"/>
-              <a:t>For example, if a router is sending negative values for counter types.</a:t>
+              <a:t>As example on the right, a network node publishing notifications in YANG-Push with a negative value for a counter type.</a:t>
+            </a:r>
+          </a:p>
+          <a:p>
+            <a:r>
+              <a:rPr lang="en-US" sz="2200" dirty="0"/>
+              <a:t>Since </a:t>
+            </a:r>
+            <a:r>
+              <a:rPr lang="en-US" sz="2200" dirty="0" err="1"/>
+              <a:t>anydata</a:t>
+            </a:r>
+            <a:r>
+              <a:rPr lang="en-US" sz="2200" dirty="0"/>
+              <a:t> is used for publishing YANG data in notifications, subscribed YANG data can't be validated, and therefore YANG data processing chain can't be fully automated. This impacts YANG industry adoption.</a:t>
             </a:r>
           </a:p>
         </p:txBody>
@@ -9352,7 +6478,37 @@
             </a:pPr>
             <a:r>
               <a:rPr lang="en-US" sz="2200" dirty="0"/>
-              <a:t>A NETCONF subtree filter to select a subtree on an instantiated YANG data tree; RFC 8526, RFC 9144, and RFC 8641.</a:t>
+              <a:t>A NETCONF subtree filter to select a subtree on an instantiated YANG data tree; </a:t>
+            </a:r>
+            <a:r>
+              <a:rPr lang="en-US" sz="2200" dirty="0">
+                <a:hlinkClick r:id="rId2"/>
+              </a:rPr>
+              <a:t>RFC 8526</a:t>
+            </a:r>
+            <a:r>
+              <a:rPr lang="en-US" sz="2200" dirty="0"/>
+              <a:t>, </a:t>
+            </a:r>
+            <a:r>
+              <a:rPr lang="en-US" sz="2200" dirty="0">
+                <a:hlinkClick r:id="rId3"/>
+              </a:rPr>
+              <a:t>RFC 9144</a:t>
+            </a:r>
+            <a:r>
+              <a:rPr lang="en-US" sz="2200" dirty="0"/>
+              <a:t>, and </a:t>
+            </a:r>
+            <a:r>
+              <a:rPr lang="en-US" sz="2200" dirty="0">
+                <a:hlinkClick r:id="rId4"/>
+              </a:rPr>
+              <a:t>RFC 8641</a:t>
+            </a:r>
+            <a:r>
+              <a:rPr lang="en-US" sz="2200" dirty="0"/>
+              <a:t>.</a:t>
             </a:r>
           </a:p>
           <a:p>
@@ -9362,7 +6518,37 @@
             </a:pPr>
             <a:r>
               <a:rPr lang="en-US" sz="2200" dirty="0"/>
-              <a:t>The output of a subtree filter or XPATH; RFC 8526, RFC 9144, and RFC 8641.</a:t>
+              <a:t>The output of a subtree filter or XPATH; </a:t>
+            </a:r>
+            <a:r>
+              <a:rPr lang="en-US" sz="2200" dirty="0">
+                <a:hlinkClick r:id="rId2"/>
+              </a:rPr>
+              <a:t>RFC 8526</a:t>
+            </a:r>
+            <a:r>
+              <a:rPr lang="en-US" sz="2200" dirty="0"/>
+              <a:t>, </a:t>
+            </a:r>
+            <a:r>
+              <a:rPr lang="en-US" sz="2200" dirty="0">
+                <a:hlinkClick r:id="rId3"/>
+              </a:rPr>
+              <a:t>RFC 9144</a:t>
+            </a:r>
+            <a:r>
+              <a:rPr lang="en-US" sz="2200" dirty="0"/>
+              <a:t>, and </a:t>
+            </a:r>
+            <a:r>
+              <a:rPr lang="en-US" sz="2200" dirty="0">
+                <a:hlinkClick r:id="rId4"/>
+              </a:rPr>
+              <a:t>RFC 8641</a:t>
+            </a:r>
+            <a:r>
+              <a:rPr lang="en-US" sz="2200" dirty="0"/>
+              <a:t>.</a:t>
             </a:r>
           </a:p>
           <a:p>
@@ -9372,7 +6558,17 @@
             </a:pPr>
             <a:r>
               <a:rPr lang="en-US" sz="2200" dirty="0"/>
-              <a:t>To represent edit operations on YANG data tree with YANG Patch; RFC 8072.</a:t>
+              <a:t>To represent edit operations on YANG data tree with YANG Patch; </a:t>
+            </a:r>
+            <a:r>
+              <a:rPr lang="en-US" sz="2200" dirty="0">
+                <a:hlinkClick r:id="rId5"/>
+              </a:rPr>
+              <a:t>RFC 8072</a:t>
+            </a:r>
+            <a:r>
+              <a:rPr lang="en-US" sz="2200" dirty="0"/>
+              <a:t>.</a:t>
             </a:r>
           </a:p>
           <a:p>
@@ -9388,7 +6584,17 @@
             </a:pPr>
             <a:r>
               <a:rPr lang="en-US" sz="2200" dirty="0"/>
-              <a:t>Subscribed notifications in RFC 8639.</a:t>
+              <a:t>Subscribed notifications in </a:t>
+            </a:r>
+            <a:r>
+              <a:rPr lang="en-US" sz="2200" dirty="0">
+                <a:hlinkClick r:id="rId6"/>
+              </a:rPr>
+              <a:t>RFC 8639</a:t>
+            </a:r>
+            <a:r>
+              <a:rPr lang="en-US" sz="2200" dirty="0"/>
+              <a:t>.</a:t>
             </a:r>
           </a:p>
           <a:p>
@@ -9398,7 +6604,17 @@
             </a:pPr>
             <a:r>
               <a:rPr lang="en-US" sz="2200" dirty="0"/>
-              <a:t>Error information in RESTCONF RFC 8040.</a:t>
+              <a:t>Error information in RESTCONF </a:t>
+            </a:r>
+            <a:r>
+              <a:rPr lang="en-US" sz="2200" dirty="0">
+                <a:hlinkClick r:id="rId7"/>
+              </a:rPr>
+              <a:t>RFC 8040</a:t>
+            </a:r>
+            <a:r>
+              <a:rPr lang="en-US" sz="2200" dirty="0"/>
+              <a:t>.</a:t>
             </a:r>
           </a:p>
         </p:txBody>
@@ -9521,13 +6737,53 @@
           <a:p>
             <a:r>
               <a:rPr lang="en-US" sz="2200" dirty="0"/>
-              <a:t>Provide optional way for Network Operators to check the validity of the YANG data at scale.</a:t>
+              <a:t>Enable automatic YANG data processing at scale. </a:t>
             </a:r>
           </a:p>
           <a:p>
             <a:r>
               <a:rPr lang="en-US" sz="2200" dirty="0"/>
-              <a:t>YANG data consumer can choose to enable or disable stricter validation of </a:t>
+              <a:t>Provide an optional way to validate subscribed and published YANG data in notifications.</a:t>
+            </a:r>
+          </a:p>
+          <a:p>
+            <a:r>
+              <a:rPr lang="en-US" sz="2200" dirty="0"/>
+              <a:t>YANG data consumers as in </a:t>
+            </a:r>
+            <a:r>
+              <a:rPr lang="en-US" sz="2200" dirty="0">
+                <a:hlinkClick r:id="rId2"/>
+              </a:rPr>
+              <a:t>Section 4.7 of draft-</a:t>
+            </a:r>
+            <a:r>
+              <a:rPr lang="en-US" sz="2200" dirty="0" err="1">
+                <a:hlinkClick r:id="rId2"/>
+              </a:rPr>
+              <a:t>ietf</a:t>
+            </a:r>
+            <a:r>
+              <a:rPr lang="en-US" sz="2200" dirty="0">
+                <a:hlinkClick r:id="rId2"/>
+              </a:rPr>
+              <a:t>-</a:t>
+            </a:r>
+            <a:r>
+              <a:rPr lang="en-US" sz="2200" dirty="0" err="1">
+                <a:hlinkClick r:id="rId2"/>
+              </a:rPr>
+              <a:t>nmop</a:t>
+            </a:r>
+            <a:r>
+              <a:rPr lang="en-US" sz="2200" dirty="0">
+                <a:hlinkClick r:id="rId2"/>
+              </a:rPr>
+              <a:t>-yang-message-broker-integration </a:t>
+            </a:r>
+            <a:r>
+              <a:rPr lang="en-US" sz="2200" dirty="0"/>
+              <a:t>can choose to enable or disable stricter validation in </a:t>
             </a:r>
             <a:r>
               <a:rPr lang="en-US" sz="2200" dirty="0" err="1"/>
@@ -9541,7 +6797,7 @@
           <a:p>
             <a:r>
               <a:rPr lang="en-US" sz="2200" dirty="0"/>
-              <a:t>Data marked as invalid are processed by a different pipeline than the normal one (e.g., logging for further analysis) such that the main business logic is never impacted with misbehaving YANG producers (e.g., integer overflow bug to produce negative counter values). </a:t>
+              <a:t>Data marked as invalid can be processed by a different data processing pipeline (e.g., logging for further analysis) and therefore not impacting the main business logic with misbehaving YANG data.</a:t>
             </a:r>
           </a:p>
           <a:p>
@@ -11450,7 +8706,17 @@
             </a:r>
             <a:r>
               <a:rPr lang="en-US" dirty="0"/>
-              <a:t>implementation to support complete validation.</a:t>
+              <a:t>implementation to support complete validation and test in upcoming IETF 125 hackathon (See: </a:t>
+            </a:r>
+            <a:r>
+              <a:rPr lang="en-US" dirty="0">
+                <a:hlinkClick r:id="rId4"/>
+              </a:rPr>
+              <a:t>Validate Network Telemetry Messages Implementations at IETF 124 hackathon</a:t>
+            </a:r>
+            <a:r>
+              <a:rPr lang="en-US" dirty="0"/>
+              <a:t>).</a:t>
             </a:r>
           </a:p>
           <a:p>
